--- a/class-3-data_analysis/titanic/presentation.pptx
+++ b/class-3-data_analysis/titanic/presentation.pptx
@@ -5,7 +5,7 @@
     <p:sldMasterId id="2147483862" r:id="rId1"/>
   </p:sldMasterIdLst>
   <p:notesMasterIdLst>
-    <p:notesMasterId r:id="rId13"/>
+    <p:notesMasterId r:id="rId22"/>
   </p:notesMasterIdLst>
   <p:sldIdLst>
     <p:sldId id="262" r:id="rId2"/>
@@ -18,7 +18,16 @@
     <p:sldId id="265" r:id="rId9"/>
     <p:sldId id="266" r:id="rId10"/>
     <p:sldId id="267" r:id="rId11"/>
-    <p:sldId id="261" r:id="rId12"/>
+    <p:sldId id="268" r:id="rId12"/>
+    <p:sldId id="269" r:id="rId13"/>
+    <p:sldId id="270" r:id="rId14"/>
+    <p:sldId id="271" r:id="rId15"/>
+    <p:sldId id="272" r:id="rId16"/>
+    <p:sldId id="274" r:id="rId17"/>
+    <p:sldId id="261" r:id="rId18"/>
+    <p:sldId id="273" r:id="rId19"/>
+    <p:sldId id="275" r:id="rId20"/>
+    <p:sldId id="276" r:id="rId21"/>
   </p:sldIdLst>
   <p:sldSz cx="12192000" cy="6858000"/>
   <p:notesSz cx="6858000" cy="9144000"/>
@@ -126,45 +135,42 @@
 </file>
 
 <file path=ppt/diagrams/colors1.xml><?xml version="1.0" encoding="utf-8"?>
-<dgm:colorsDef xmlns:dgm="http://schemas.openxmlformats.org/drawingml/2006/diagram" xmlns:a="http://schemas.openxmlformats.org/drawingml/2006/main" uniqueId="urn:microsoft.com/office/officeart/2005/8/colors/colorful2">
+<dgm:colorsDef xmlns:dgm="http://schemas.openxmlformats.org/drawingml/2006/diagram" xmlns:a="http://schemas.openxmlformats.org/drawingml/2006/main" uniqueId="urn:microsoft.com/office/officeart/2005/8/colors/accent0_3">
   <dgm:title val=""/>
   <dgm:desc val=""/>
   <dgm:catLst>
-    <dgm:cat type="colorful" pri="10200"/>
+    <dgm:cat type="mainScheme" pri="10300"/>
   </dgm:catLst>
   <dgm:styleLbl name="node0">
     <dgm:fillClrLst meth="repeat">
-      <a:schemeClr val="accent1"/>
+      <a:schemeClr val="dk2"/>
     </dgm:fillClrLst>
     <dgm:linClrLst meth="repeat">
-      <a:schemeClr val="lt1"/>
+      <a:schemeClr val="lt2"/>
     </dgm:linClrLst>
     <dgm:effectClrLst/>
     <dgm:txLinClrLst/>
     <dgm:txFillClrLst/>
     <dgm:txEffectClrLst/>
   </dgm:styleLbl>
-  <dgm:styleLbl name="node1">
-    <dgm:fillClrLst>
-      <a:schemeClr val="accent2"/>
-      <a:schemeClr val="accent3"/>
+  <dgm:styleLbl name="alignNode1">
+    <dgm:fillClrLst meth="repeat">
+      <a:schemeClr val="dk2"/>
     </dgm:fillClrLst>
     <dgm:linClrLst meth="repeat">
-      <a:schemeClr val="lt1"/>
+      <a:schemeClr val="dk2"/>
     </dgm:linClrLst>
     <dgm:effectClrLst/>
     <dgm:txLinClrLst/>
     <dgm:txFillClrLst/>
     <dgm:txEffectClrLst/>
   </dgm:styleLbl>
-  <dgm:styleLbl name="alignNode1">
-    <dgm:fillClrLst>
-      <a:schemeClr val="accent2"/>
-      <a:schemeClr val="accent3"/>
+  <dgm:styleLbl name="node1">
+    <dgm:fillClrLst meth="repeat">
+      <a:schemeClr val="dk2"/>
     </dgm:fillClrLst>
-    <dgm:linClrLst>
-      <a:schemeClr val="accent2"/>
-      <a:schemeClr val="accent3"/>
+    <dgm:linClrLst meth="repeat">
+      <a:schemeClr val="lt2"/>
     </dgm:linClrLst>
     <dgm:effectClrLst/>
     <dgm:txLinClrLst/>
@@ -172,12 +178,11 @@
     <dgm:txEffectClrLst/>
   </dgm:styleLbl>
   <dgm:styleLbl name="lnNode1">
-    <dgm:fillClrLst>
-      <a:schemeClr val="accent2"/>
-      <a:schemeClr val="accent3"/>
+    <dgm:fillClrLst meth="repeat">
+      <a:schemeClr val="dk2"/>
     </dgm:fillClrLst>
     <dgm:linClrLst meth="repeat">
-      <a:schemeClr val="lt1"/>
+      <a:schemeClr val="lt2"/>
     </dgm:linClrLst>
     <dgm:effectClrLst/>
     <dgm:txLinClrLst/>
@@ -185,16 +190,13 @@
     <dgm:txEffectClrLst/>
   </dgm:styleLbl>
   <dgm:styleLbl name="vennNode1">
-    <dgm:fillClrLst>
-      <a:schemeClr val="accent2">
-        <a:alpha val="50000"/>
-      </a:schemeClr>
-      <a:schemeClr val="accent3">
+    <dgm:fillClrLst meth="repeat">
+      <a:schemeClr val="dk2">
         <a:alpha val="50000"/>
       </a:schemeClr>
     </dgm:fillClrLst>
     <dgm:linClrLst meth="repeat">
-      <a:schemeClr val="lt1"/>
+      <a:schemeClr val="lt2"/>
     </dgm:linClrLst>
     <dgm:effectClrLst/>
     <dgm:txLinClrLst/>
@@ -202,11 +204,11 @@
     <dgm:txEffectClrLst/>
   </dgm:styleLbl>
   <dgm:styleLbl name="node2">
-    <dgm:fillClrLst>
-      <a:schemeClr val="accent3"/>
+    <dgm:fillClrLst meth="repeat">
+      <a:schemeClr val="dk2"/>
     </dgm:fillClrLst>
     <dgm:linClrLst meth="repeat">
-      <a:schemeClr val="lt1"/>
+      <a:schemeClr val="lt2"/>
     </dgm:linClrLst>
     <dgm:effectClrLst/>
     <dgm:txLinClrLst/>
@@ -214,11 +216,11 @@
     <dgm:txEffectClrLst/>
   </dgm:styleLbl>
   <dgm:styleLbl name="node3">
-    <dgm:fillClrLst>
-      <a:schemeClr val="accent4"/>
+    <dgm:fillClrLst meth="repeat">
+      <a:schemeClr val="dk2"/>
     </dgm:fillClrLst>
     <dgm:linClrLst meth="repeat">
-      <a:schemeClr val="lt1"/>
+      <a:schemeClr val="lt2"/>
     </dgm:linClrLst>
     <dgm:effectClrLst/>
     <dgm:txLinClrLst/>
@@ -226,11 +228,11 @@
     <dgm:txEffectClrLst/>
   </dgm:styleLbl>
   <dgm:styleLbl name="node4">
-    <dgm:fillClrLst>
-      <a:schemeClr val="accent5"/>
+    <dgm:fillClrLst meth="repeat">
+      <a:schemeClr val="dk2"/>
     </dgm:fillClrLst>
     <dgm:linClrLst meth="repeat">
-      <a:schemeClr val="lt1"/>
+      <a:schemeClr val="lt2"/>
     </dgm:linClrLst>
     <dgm:effectClrLst/>
     <dgm:txLinClrLst/>
@@ -238,69 +240,67 @@
     <dgm:txEffectClrLst/>
   </dgm:styleLbl>
   <dgm:styleLbl name="fgImgPlace1">
-    <dgm:fillClrLst>
-      <a:schemeClr val="accent2">
-        <a:tint val="50000"/>
-      </a:schemeClr>
-      <a:schemeClr val="accent3">
+    <dgm:fillClrLst meth="repeat">
+      <a:schemeClr val="dk2">
         <a:tint val="50000"/>
       </a:schemeClr>
     </dgm:fillClrLst>
     <dgm:linClrLst meth="repeat">
-      <a:schemeClr val="lt1"/>
+      <a:schemeClr val="lt2"/>
     </dgm:linClrLst>
     <dgm:effectClrLst/>
     <dgm:txLinClrLst/>
     <dgm:txFillClrLst meth="repeat">
-      <a:schemeClr val="lt1"/>
+      <a:schemeClr val="lt2"/>
     </dgm:txFillClrLst>
     <dgm:txEffectClrLst/>
   </dgm:styleLbl>
   <dgm:styleLbl name="alignImgPlace1">
-    <dgm:fillClrLst>
-      <a:schemeClr val="accent2">
+    <dgm:fillClrLst meth="repeat">
+      <a:schemeClr val="dk2">
         <a:tint val="50000"/>
-      </a:schemeClr>
-      <a:schemeClr val="accent3">
-        <a:tint val="20000"/>
       </a:schemeClr>
     </dgm:fillClrLst>
     <dgm:linClrLst meth="repeat">
-      <a:schemeClr val="lt1"/>
+      <a:schemeClr val="dk2">
+        <a:shade val="80000"/>
+      </a:schemeClr>
     </dgm:linClrLst>
     <dgm:effectClrLst/>
     <dgm:txLinClrLst/>
     <dgm:txFillClrLst meth="repeat">
-      <a:schemeClr val="lt1"/>
+      <a:schemeClr val="lt2"/>
     </dgm:txFillClrLst>
     <dgm:txEffectClrLst/>
   </dgm:styleLbl>
   <dgm:styleLbl name="bgImgPlace1">
-    <dgm:fillClrLst>
-      <a:schemeClr val="accent2">
+    <dgm:fillClrLst meth="repeat">
+      <a:schemeClr val="dk2">
         <a:tint val="50000"/>
-      </a:schemeClr>
-      <a:schemeClr val="accent3">
-        <a:tint val="20000"/>
       </a:schemeClr>
     </dgm:fillClrLst>
     <dgm:linClrLst meth="repeat">
-      <a:schemeClr val="lt1"/>
+      <a:schemeClr val="dk2">
+        <a:shade val="80000"/>
+      </a:schemeClr>
     </dgm:linClrLst>
     <dgm:effectClrLst/>
     <dgm:txLinClrLst/>
     <dgm:txFillClrLst meth="repeat">
-      <a:schemeClr val="lt1"/>
+      <a:schemeClr val="lt2"/>
     </dgm:txFillClrLst>
     <dgm:txEffectClrLst/>
   </dgm:styleLbl>
   <dgm:styleLbl name="sibTrans2D1">
-    <dgm:fillClrLst>
-      <a:schemeClr val="accent2"/>
-      <a:schemeClr val="accent3"/>
+    <dgm:fillClrLst meth="repeat">
+      <a:schemeClr val="dk2">
+        <a:tint val="60000"/>
+      </a:schemeClr>
     </dgm:fillClrLst>
     <dgm:linClrLst meth="repeat">
-      <a:schemeClr val="lt1"/>
+      <a:schemeClr val="dk2">
+        <a:tint val="60000"/>
+      </a:schemeClr>
     </dgm:linClrLst>
     <dgm:effectClrLst/>
     <dgm:txLinClrLst/>
@@ -308,55 +308,194 @@
     <dgm:txEffectClrLst/>
   </dgm:styleLbl>
   <dgm:styleLbl name="fgSibTrans2D1">
-    <dgm:fillClrLst>
-      <a:schemeClr val="accent2"/>
-      <a:schemeClr val="accent3"/>
+    <dgm:fillClrLst meth="repeat">
+      <a:schemeClr val="dk2">
+        <a:tint val="60000"/>
+      </a:schemeClr>
     </dgm:fillClrLst>
     <dgm:linClrLst meth="repeat">
-      <a:schemeClr val="lt1"/>
+      <a:schemeClr val="dk2">
+        <a:tint val="60000"/>
+      </a:schemeClr>
+    </dgm:linClrLst>
+    <dgm:effectClrLst/>
+    <dgm:txLinClrLst/>
+    <dgm:txFillClrLst/>
+    <dgm:txEffectClrLst/>
+  </dgm:styleLbl>
+  <dgm:styleLbl name="bgSibTrans2D1">
+    <dgm:fillClrLst meth="repeat">
+      <a:schemeClr val="dk2">
+        <a:tint val="60000"/>
+      </a:schemeClr>
+    </dgm:fillClrLst>
+    <dgm:linClrLst meth="repeat">
+      <a:schemeClr val="dk2">
+        <a:tint val="60000"/>
+      </a:schemeClr>
+    </dgm:linClrLst>
+    <dgm:effectClrLst/>
+    <dgm:txLinClrLst/>
+    <dgm:txFillClrLst/>
+    <dgm:txEffectClrLst/>
+  </dgm:styleLbl>
+  <dgm:styleLbl name="sibTrans1D1">
+    <dgm:fillClrLst meth="repeat">
+      <a:schemeClr val="dk2"/>
+    </dgm:fillClrLst>
+    <dgm:linClrLst meth="repeat">
+      <a:schemeClr val="dk2"/>
     </dgm:linClrLst>
     <dgm:effectClrLst/>
     <dgm:txLinClrLst/>
     <dgm:txFillClrLst meth="repeat">
-      <a:schemeClr val="lt1"/>
+      <a:schemeClr val="lt2"/>
     </dgm:txFillClrLst>
     <dgm:txEffectClrLst/>
   </dgm:styleLbl>
-  <dgm:styleLbl name="bgSibTrans2D1">
-    <dgm:fillClrLst>
-      <a:schemeClr val="accent2"/>
-      <a:schemeClr val="accent3"/>
+  <dgm:styleLbl name="callout">
+    <dgm:fillClrLst meth="repeat">
+      <a:schemeClr val="dk2"/>
     </dgm:fillClrLst>
     <dgm:linClrLst meth="repeat">
-      <a:schemeClr val="lt1"/>
+      <a:schemeClr val="dk2">
+        <a:tint val="50000"/>
+      </a:schemeClr>
     </dgm:linClrLst>
     <dgm:effectClrLst/>
     <dgm:txLinClrLst/>
     <dgm:txFillClrLst meth="repeat">
-      <a:schemeClr val="lt1"/>
+      <a:schemeClr val="lt2"/>
     </dgm:txFillClrLst>
     <dgm:txEffectClrLst/>
   </dgm:styleLbl>
-  <dgm:styleLbl name="sibTrans1D1">
-    <dgm:fillClrLst/>
-    <dgm:linClrLst>
-      <a:schemeClr val="accent2"/>
-      <a:schemeClr val="accent3"/>
+  <dgm:styleLbl name="asst0">
+    <dgm:fillClrLst meth="repeat">
+      <a:schemeClr val="dk2"/>
+    </dgm:fillClrLst>
+    <dgm:linClrLst meth="repeat">
+      <a:schemeClr val="lt2"/>
+    </dgm:linClrLst>
+    <dgm:effectClrLst/>
+    <dgm:txLinClrLst/>
+    <dgm:txFillClrLst/>
+    <dgm:txEffectClrLst/>
+  </dgm:styleLbl>
+  <dgm:styleLbl name="asst1">
+    <dgm:fillClrLst meth="repeat">
+      <a:schemeClr val="dk2"/>
+    </dgm:fillClrLst>
+    <dgm:linClrLst meth="repeat">
+      <a:schemeClr val="lt2"/>
+    </dgm:linClrLst>
+    <dgm:effectClrLst/>
+    <dgm:txLinClrLst/>
+    <dgm:txFillClrLst/>
+    <dgm:txEffectClrLst/>
+  </dgm:styleLbl>
+  <dgm:styleLbl name="asst2">
+    <dgm:fillClrLst meth="repeat">
+      <a:schemeClr val="dk2"/>
+    </dgm:fillClrLst>
+    <dgm:linClrLst meth="repeat">
+      <a:schemeClr val="lt2"/>
+    </dgm:linClrLst>
+    <dgm:effectClrLst/>
+    <dgm:txLinClrLst/>
+    <dgm:txFillClrLst/>
+    <dgm:txEffectClrLst/>
+  </dgm:styleLbl>
+  <dgm:styleLbl name="asst3">
+    <dgm:fillClrLst meth="repeat">
+      <a:schemeClr val="dk2"/>
+    </dgm:fillClrLst>
+    <dgm:linClrLst meth="repeat">
+      <a:schemeClr val="lt2"/>
+    </dgm:linClrLst>
+    <dgm:effectClrLst/>
+    <dgm:txLinClrLst/>
+    <dgm:txFillClrLst/>
+    <dgm:txEffectClrLst/>
+  </dgm:styleLbl>
+  <dgm:styleLbl name="asst4">
+    <dgm:fillClrLst meth="repeat">
+      <a:schemeClr val="dk2"/>
+    </dgm:fillClrLst>
+    <dgm:linClrLst meth="repeat">
+      <a:schemeClr val="lt2"/>
+    </dgm:linClrLst>
+    <dgm:effectClrLst/>
+    <dgm:txLinClrLst/>
+    <dgm:txFillClrLst/>
+    <dgm:txEffectClrLst/>
+  </dgm:styleLbl>
+  <dgm:styleLbl name="parChTrans2D1">
+    <dgm:fillClrLst meth="repeat">
+      <a:schemeClr val="dk2">
+        <a:tint val="60000"/>
+      </a:schemeClr>
+    </dgm:fillClrLst>
+    <dgm:linClrLst meth="repeat">
+      <a:schemeClr val="dk2">
+        <a:tint val="60000"/>
+      </a:schemeClr>
     </dgm:linClrLst>
     <dgm:effectClrLst/>
     <dgm:txLinClrLst/>
     <dgm:txFillClrLst meth="repeat">
-      <a:schemeClr val="tx1"/>
+      <a:schemeClr val="lt2"/>
     </dgm:txFillClrLst>
     <dgm:txEffectClrLst/>
   </dgm:styleLbl>
-  <dgm:styleLbl name="callout">
+  <dgm:styleLbl name="parChTrans2D2">
     <dgm:fillClrLst meth="repeat">
-      <a:schemeClr val="accent2"/>
+      <a:schemeClr val="dk2"/>
     </dgm:fillClrLst>
     <dgm:linClrLst meth="repeat">
-      <a:schemeClr val="accent2">
-        <a:tint val="50000"/>
+      <a:schemeClr val="dk2"/>
+    </dgm:linClrLst>
+    <dgm:effectClrLst/>
+    <dgm:txLinClrLst/>
+    <dgm:txFillClrLst meth="repeat">
+      <a:schemeClr val="lt2"/>
+    </dgm:txFillClrLst>
+    <dgm:txEffectClrLst/>
+  </dgm:styleLbl>
+  <dgm:styleLbl name="parChTrans2D3">
+    <dgm:fillClrLst meth="repeat">
+      <a:schemeClr val="dk2"/>
+    </dgm:fillClrLst>
+    <dgm:linClrLst meth="repeat">
+      <a:schemeClr val="dk2"/>
+    </dgm:linClrLst>
+    <dgm:effectClrLst/>
+    <dgm:txLinClrLst/>
+    <dgm:txFillClrLst meth="repeat">
+      <a:schemeClr val="lt2"/>
+    </dgm:txFillClrLst>
+    <dgm:txEffectClrLst/>
+  </dgm:styleLbl>
+  <dgm:styleLbl name="parChTrans2D4">
+    <dgm:fillClrLst meth="repeat">
+      <a:schemeClr val="dk2"/>
+    </dgm:fillClrLst>
+    <dgm:linClrLst meth="repeat">
+      <a:schemeClr val="dk2"/>
+    </dgm:linClrLst>
+    <dgm:effectClrLst/>
+    <dgm:txLinClrLst/>
+    <dgm:txFillClrLst meth="repeat">
+      <a:schemeClr val="lt2"/>
+    </dgm:txFillClrLst>
+    <dgm:txEffectClrLst/>
+  </dgm:styleLbl>
+  <dgm:styleLbl name="parChTrans1D1">
+    <dgm:fillClrLst meth="repeat">
+      <a:schemeClr val="dk2"/>
+    </dgm:fillClrLst>
+    <dgm:linClrLst meth="repeat">
+      <a:schemeClr val="dk2">
+        <a:shade val="60000"/>
       </a:schemeClr>
     </dgm:linClrLst>
     <dgm:effectClrLst/>
@@ -366,128 +505,14 @@
     </dgm:txFillClrLst>
     <dgm:txEffectClrLst/>
   </dgm:styleLbl>
-  <dgm:styleLbl name="asst0">
+  <dgm:styleLbl name="parChTrans1D2">
     <dgm:fillClrLst meth="repeat">
-      <a:schemeClr val="accent2"/>
+      <a:schemeClr val="dk2"/>
     </dgm:fillClrLst>
     <dgm:linClrLst meth="repeat">
-      <a:schemeClr val="lt1">
-        <a:shade val="80000"/>
+      <a:schemeClr val="dk2">
+        <a:shade val="60000"/>
       </a:schemeClr>
-    </dgm:linClrLst>
-    <dgm:effectClrLst/>
-    <dgm:txLinClrLst/>
-    <dgm:txFillClrLst/>
-    <dgm:txEffectClrLst/>
-  </dgm:styleLbl>
-  <dgm:styleLbl name="asst1">
-    <dgm:fillClrLst meth="repeat">
-      <a:schemeClr val="accent3"/>
-    </dgm:fillClrLst>
-    <dgm:linClrLst meth="repeat">
-      <a:schemeClr val="lt1">
-        <a:shade val="80000"/>
-      </a:schemeClr>
-    </dgm:linClrLst>
-    <dgm:effectClrLst/>
-    <dgm:txLinClrLst/>
-    <dgm:txFillClrLst/>
-    <dgm:txEffectClrLst/>
-  </dgm:styleLbl>
-  <dgm:styleLbl name="asst2">
-    <dgm:fillClrLst>
-      <a:schemeClr val="accent4"/>
-    </dgm:fillClrLst>
-    <dgm:linClrLst meth="repeat">
-      <a:schemeClr val="lt1"/>
-    </dgm:linClrLst>
-    <dgm:effectClrLst/>
-    <dgm:txLinClrLst/>
-    <dgm:txFillClrLst/>
-    <dgm:txEffectClrLst/>
-  </dgm:styleLbl>
-  <dgm:styleLbl name="asst3">
-    <dgm:fillClrLst>
-      <a:schemeClr val="accent5"/>
-    </dgm:fillClrLst>
-    <dgm:linClrLst meth="repeat">
-      <a:schemeClr val="lt1"/>
-    </dgm:linClrLst>
-    <dgm:effectClrLst/>
-    <dgm:txLinClrLst/>
-    <dgm:txFillClrLst/>
-    <dgm:txEffectClrLst/>
-  </dgm:styleLbl>
-  <dgm:styleLbl name="asst4">
-    <dgm:fillClrLst>
-      <a:schemeClr val="accent6"/>
-    </dgm:fillClrLst>
-    <dgm:linClrLst meth="repeat">
-      <a:schemeClr val="lt1"/>
-    </dgm:linClrLst>
-    <dgm:effectClrLst/>
-    <dgm:txLinClrLst/>
-    <dgm:txFillClrLst/>
-    <dgm:txEffectClrLst/>
-  </dgm:styleLbl>
-  <dgm:styleLbl name="parChTrans2D1">
-    <dgm:fillClrLst meth="repeat">
-      <a:schemeClr val="accent2"/>
-    </dgm:fillClrLst>
-    <dgm:linClrLst meth="repeat">
-      <a:schemeClr val="lt1"/>
-    </dgm:linClrLst>
-    <dgm:effectClrLst/>
-    <dgm:txLinClrLst/>
-    <dgm:txFillClrLst meth="repeat">
-      <a:schemeClr val="lt1"/>
-    </dgm:txFillClrLst>
-    <dgm:txEffectClrLst/>
-  </dgm:styleLbl>
-  <dgm:styleLbl name="parChTrans2D2">
-    <dgm:fillClrLst meth="repeat">
-      <a:schemeClr val="accent3"/>
-    </dgm:fillClrLst>
-    <dgm:linClrLst meth="repeat">
-      <a:schemeClr val="lt1"/>
-    </dgm:linClrLst>
-    <dgm:effectClrLst/>
-    <dgm:txLinClrLst/>
-    <dgm:txFillClrLst/>
-    <dgm:txEffectClrLst/>
-  </dgm:styleLbl>
-  <dgm:styleLbl name="parChTrans2D3">
-    <dgm:fillClrLst meth="repeat">
-      <a:schemeClr val="accent4"/>
-    </dgm:fillClrLst>
-    <dgm:linClrLst meth="repeat">
-      <a:schemeClr val="lt1"/>
-    </dgm:linClrLst>
-    <dgm:effectClrLst/>
-    <dgm:txLinClrLst/>
-    <dgm:txFillClrLst/>
-    <dgm:txEffectClrLst/>
-  </dgm:styleLbl>
-  <dgm:styleLbl name="parChTrans2D4">
-    <dgm:fillClrLst meth="repeat">
-      <a:schemeClr val="accent5"/>
-    </dgm:fillClrLst>
-    <dgm:linClrLst meth="repeat">
-      <a:schemeClr val="lt1"/>
-    </dgm:linClrLst>
-    <dgm:effectClrLst/>
-    <dgm:txLinClrLst/>
-    <dgm:txFillClrLst meth="repeat">
-      <a:schemeClr val="lt1"/>
-    </dgm:txFillClrLst>
-    <dgm:txEffectClrLst/>
-  </dgm:styleLbl>
-  <dgm:styleLbl name="parChTrans1D1">
-    <dgm:fillClrLst meth="repeat">
-      <a:schemeClr val="accent2"/>
-    </dgm:fillClrLst>
-    <dgm:linClrLst meth="repeat">
-      <a:schemeClr val="accent2"/>
     </dgm:linClrLst>
     <dgm:effectClrLst/>
     <dgm:txLinClrLst/>
@@ -496,14 +521,14 @@
     </dgm:txFillClrLst>
     <dgm:txEffectClrLst/>
   </dgm:styleLbl>
-  <dgm:styleLbl name="parChTrans1D2">
+  <dgm:styleLbl name="parChTrans1D3">
     <dgm:fillClrLst meth="repeat">
-      <a:schemeClr val="accent2">
-        <a:tint val="90000"/>
-      </a:schemeClr>
+      <a:schemeClr val="dk2"/>
     </dgm:fillClrLst>
     <dgm:linClrLst meth="repeat">
-      <a:schemeClr val="accent3"/>
+      <a:schemeClr val="dk2">
+        <a:shade val="80000"/>
+      </a:schemeClr>
     </dgm:linClrLst>
     <dgm:effectClrLst/>
     <dgm:txLinClrLst/>
@@ -512,14 +537,14 @@
     </dgm:txFillClrLst>
     <dgm:txEffectClrLst/>
   </dgm:styleLbl>
-  <dgm:styleLbl name="parChTrans1D3">
+  <dgm:styleLbl name="parChTrans1D4">
     <dgm:fillClrLst meth="repeat">
-      <a:schemeClr val="accent2">
-        <a:tint val="70000"/>
-      </a:schemeClr>
+      <a:schemeClr val="dk2"/>
     </dgm:fillClrLst>
     <dgm:linClrLst meth="repeat">
-      <a:schemeClr val="accent4"/>
+      <a:schemeClr val="dk2">
+        <a:shade val="80000"/>
+      </a:schemeClr>
     </dgm:linClrLst>
     <dgm:effectClrLst/>
     <dgm:txLinClrLst/>
@@ -528,31 +553,14 @@
     </dgm:txFillClrLst>
     <dgm:txEffectClrLst/>
   </dgm:styleLbl>
-  <dgm:styleLbl name="parChTrans1D4">
+  <dgm:styleLbl name="fgAcc1">
     <dgm:fillClrLst meth="repeat">
-      <a:schemeClr val="accent2">
-        <a:tint val="50000"/>
+      <a:schemeClr val="lt2">
+        <a:alpha val="90000"/>
       </a:schemeClr>
     </dgm:fillClrLst>
     <dgm:linClrLst meth="repeat">
-      <a:schemeClr val="accent5"/>
-    </dgm:linClrLst>
-    <dgm:effectClrLst/>
-    <dgm:txLinClrLst/>
-    <dgm:txFillClrLst meth="repeat">
-      <a:schemeClr val="tx1"/>
-    </dgm:txFillClrLst>
-    <dgm:txEffectClrLst/>
-  </dgm:styleLbl>
-  <dgm:styleLbl name="fgAcc1">
-    <dgm:fillClrLst meth="repeat">
-      <a:schemeClr val="lt1">
-        <a:alpha val="90000"/>
-      </a:schemeClr>
-    </dgm:fillClrLst>
-    <dgm:linClrLst>
-      <a:schemeClr val="accent2"/>
-      <a:schemeClr val="accent3"/>
+      <a:schemeClr val="dk2"/>
     </dgm:linClrLst>
     <dgm:effectClrLst/>
     <dgm:txLinClrLst/>
@@ -563,13 +571,12 @@
   </dgm:styleLbl>
   <dgm:styleLbl name="conFgAcc1">
     <dgm:fillClrLst meth="repeat">
-      <a:schemeClr val="lt1">
+      <a:schemeClr val="lt2">
         <a:alpha val="90000"/>
       </a:schemeClr>
     </dgm:fillClrLst>
-    <dgm:linClrLst>
-      <a:schemeClr val="accent2"/>
-      <a:schemeClr val="accent3"/>
+    <dgm:linClrLst meth="repeat">
+      <a:schemeClr val="dk2"/>
     </dgm:linClrLst>
     <dgm:effectClrLst/>
     <dgm:txLinClrLst/>
@@ -580,13 +587,12 @@
   </dgm:styleLbl>
   <dgm:styleLbl name="alignAcc1">
     <dgm:fillClrLst meth="repeat">
-      <a:schemeClr val="lt1">
+      <a:schemeClr val="lt2">
         <a:alpha val="90000"/>
       </a:schemeClr>
     </dgm:fillClrLst>
-    <dgm:linClrLst>
-      <a:schemeClr val="accent2"/>
-      <a:schemeClr val="accent3"/>
+    <dgm:linClrLst meth="repeat">
+      <a:schemeClr val="dk2"/>
     </dgm:linClrLst>
     <dgm:effectClrLst/>
     <dgm:txLinClrLst/>
@@ -597,12 +603,12 @@
   </dgm:styleLbl>
   <dgm:styleLbl name="trAlignAcc1">
     <dgm:fillClrLst meth="repeat">
-      <a:schemeClr val="lt1">
+      <a:schemeClr val="lt2">
         <a:alpha val="40000"/>
       </a:schemeClr>
     </dgm:fillClrLst>
     <dgm:linClrLst meth="repeat">
-      <a:schemeClr val="accent2"/>
+      <a:schemeClr val="dk2"/>
     </dgm:linClrLst>
     <dgm:effectClrLst/>
     <dgm:txLinClrLst/>
@@ -613,13 +619,12 @@
   </dgm:styleLbl>
   <dgm:styleLbl name="bgAcc1">
     <dgm:fillClrLst meth="repeat">
-      <a:schemeClr val="lt1">
+      <a:schemeClr val="lt2">
         <a:alpha val="90000"/>
       </a:schemeClr>
     </dgm:fillClrLst>
-    <dgm:linClrLst>
-      <a:schemeClr val="accent2"/>
-      <a:schemeClr val="accent3"/>
+    <dgm:linClrLst meth="repeat">
+      <a:schemeClr val="dk2"/>
     </dgm:linClrLst>
     <dgm:effectClrLst/>
     <dgm:txLinClrLst/>
@@ -630,11 +635,10 @@
   </dgm:styleLbl>
   <dgm:styleLbl name="solidFgAcc1">
     <dgm:fillClrLst meth="repeat">
-      <a:schemeClr val="lt1"/>
+      <a:schemeClr val="lt2"/>
     </dgm:fillClrLst>
-    <dgm:linClrLst>
-      <a:schemeClr val="accent2"/>
-      <a:schemeClr val="accent3"/>
+    <dgm:linClrLst meth="repeat">
+      <a:schemeClr val="dk2"/>
     </dgm:linClrLst>
     <dgm:effectClrLst/>
     <dgm:txLinClrLst/>
@@ -645,11 +649,10 @@
   </dgm:styleLbl>
   <dgm:styleLbl name="solidAlignAcc1">
     <dgm:fillClrLst meth="repeat">
-      <a:schemeClr val="lt1"/>
+      <a:schemeClr val="lt2"/>
     </dgm:fillClrLst>
-    <dgm:linClrLst>
-      <a:schemeClr val="accent2"/>
-      <a:schemeClr val="accent3"/>
+    <dgm:linClrLst meth="repeat">
+      <a:schemeClr val="dk2"/>
     </dgm:linClrLst>
     <dgm:effectClrLst/>
     <dgm:txLinClrLst/>
@@ -660,11 +663,10 @@
   </dgm:styleLbl>
   <dgm:styleLbl name="solidBgAcc1">
     <dgm:fillClrLst meth="repeat">
-      <a:schemeClr val="lt1"/>
+      <a:schemeClr val="lt2"/>
     </dgm:fillClrLst>
-    <dgm:linClrLst>
-      <a:schemeClr val="accent2"/>
-      <a:schemeClr val="accent3"/>
+    <dgm:linClrLst meth="repeat">
+      <a:schemeClr val="dk2"/>
     </dgm:linClrLst>
     <dgm:effectClrLst/>
     <dgm:txLinClrLst/>
@@ -674,24 +676,16 @@
     <dgm:txEffectClrLst/>
   </dgm:styleLbl>
   <dgm:styleLbl name="fgAccFollowNode1">
-    <dgm:fillClrLst>
-      <a:schemeClr val="accent2">
+    <dgm:fillClrLst meth="repeat">
+      <a:schemeClr val="dk2">
+        <a:alpha val="90000"/>
         <a:tint val="40000"/>
-        <a:alpha val="90000"/>
-      </a:schemeClr>
-      <a:schemeClr val="accent3">
-        <a:tint val="40000"/>
-        <a:alpha val="90000"/>
       </a:schemeClr>
     </dgm:fillClrLst>
-    <dgm:linClrLst>
-      <a:schemeClr val="accent2">
+    <dgm:linClrLst meth="repeat">
+      <a:schemeClr val="dk2">
+        <a:alpha val="90000"/>
         <a:tint val="40000"/>
-        <a:alpha val="90000"/>
-      </a:schemeClr>
-      <a:schemeClr val="accent3">
-        <a:tint val="40000"/>
-        <a:alpha val="90000"/>
       </a:schemeClr>
     </dgm:linClrLst>
     <dgm:effectClrLst/>
@@ -702,24 +696,16 @@
     <dgm:txEffectClrLst/>
   </dgm:styleLbl>
   <dgm:styleLbl name="alignAccFollowNode1">
-    <dgm:fillClrLst>
-      <a:schemeClr val="accent2">
+    <dgm:fillClrLst meth="repeat">
+      <a:schemeClr val="dk2">
+        <a:alpha val="90000"/>
         <a:tint val="40000"/>
-        <a:alpha val="90000"/>
-      </a:schemeClr>
-      <a:schemeClr val="accent3">
-        <a:tint val="40000"/>
-        <a:alpha val="90000"/>
       </a:schemeClr>
     </dgm:fillClrLst>
-    <dgm:linClrLst>
-      <a:schemeClr val="accent2">
+    <dgm:linClrLst meth="repeat">
+      <a:schemeClr val="dk2">
+        <a:alpha val="90000"/>
         <a:tint val="40000"/>
-        <a:alpha val="90000"/>
-      </a:schemeClr>
-      <a:schemeClr val="accent3">
-        <a:tint val="40000"/>
-        <a:alpha val="90000"/>
       </a:schemeClr>
     </dgm:linClrLst>
     <dgm:effectClrLst/>
@@ -730,24 +716,16 @@
     <dgm:txEffectClrLst/>
   </dgm:styleLbl>
   <dgm:styleLbl name="bgAccFollowNode1">
-    <dgm:fillClrLst>
-      <a:schemeClr val="accent2">
+    <dgm:fillClrLst meth="repeat">
+      <a:schemeClr val="dk2">
+        <a:alpha val="90000"/>
         <a:tint val="40000"/>
-        <a:alpha val="90000"/>
-      </a:schemeClr>
-      <a:schemeClr val="accent3">
-        <a:tint val="40000"/>
-        <a:alpha val="90000"/>
       </a:schemeClr>
     </dgm:fillClrLst>
-    <dgm:linClrLst>
-      <a:schemeClr val="accent2">
+    <dgm:linClrLst meth="repeat">
+      <a:schemeClr val="dk2">
+        <a:alpha val="90000"/>
         <a:tint val="40000"/>
-        <a:alpha val="90000"/>
-      </a:schemeClr>
-      <a:schemeClr val="accent3">
-        <a:tint val="40000"/>
-        <a:alpha val="90000"/>
       </a:schemeClr>
     </dgm:linClrLst>
     <dgm:effectClrLst/>
@@ -759,12 +737,12 @@
   </dgm:styleLbl>
   <dgm:styleLbl name="fgAcc0">
     <dgm:fillClrLst meth="repeat">
-      <a:schemeClr val="lt1">
+      <a:schemeClr val="lt2">
         <a:alpha val="90000"/>
       </a:schemeClr>
     </dgm:fillClrLst>
-    <dgm:linClrLst>
-      <a:schemeClr val="accent1"/>
+    <dgm:linClrLst meth="repeat">
+      <a:schemeClr val="dk2"/>
     </dgm:linClrLst>
     <dgm:effectClrLst/>
     <dgm:txLinClrLst/>
@@ -775,12 +753,12 @@
   </dgm:styleLbl>
   <dgm:styleLbl name="fgAcc2">
     <dgm:fillClrLst meth="repeat">
-      <a:schemeClr val="lt1">
+      <a:schemeClr val="lt2">
         <a:alpha val="90000"/>
       </a:schemeClr>
     </dgm:fillClrLst>
-    <dgm:linClrLst>
-      <a:schemeClr val="accent3"/>
+    <dgm:linClrLst meth="repeat">
+      <a:schemeClr val="dk2"/>
     </dgm:linClrLst>
     <dgm:effectClrLst/>
     <dgm:txLinClrLst/>
@@ -791,12 +769,12 @@
   </dgm:styleLbl>
   <dgm:styleLbl name="fgAcc3">
     <dgm:fillClrLst meth="repeat">
-      <a:schemeClr val="lt1">
+      <a:schemeClr val="lt2">
         <a:alpha val="90000"/>
       </a:schemeClr>
     </dgm:fillClrLst>
-    <dgm:linClrLst>
-      <a:schemeClr val="accent4"/>
+    <dgm:linClrLst meth="repeat">
+      <a:schemeClr val="dk2"/>
     </dgm:linClrLst>
     <dgm:effectClrLst/>
     <dgm:txLinClrLst/>
@@ -807,12 +785,12 @@
   </dgm:styleLbl>
   <dgm:styleLbl name="fgAcc4">
     <dgm:fillClrLst meth="repeat">
-      <a:schemeClr val="lt1">
+      <a:schemeClr val="lt2">
         <a:alpha val="90000"/>
       </a:schemeClr>
     </dgm:fillClrLst>
-    <dgm:linClrLst>
-      <a:schemeClr val="accent5"/>
+    <dgm:linClrLst meth="repeat">
+      <a:schemeClr val="dk2"/>
     </dgm:linClrLst>
     <dgm:effectClrLst/>
     <dgm:txLinClrLst/>
@@ -823,12 +801,12 @@
   </dgm:styleLbl>
   <dgm:styleLbl name="bgShp">
     <dgm:fillClrLst meth="repeat">
-      <a:schemeClr val="accent2">
+      <a:schemeClr val="dk2">
         <a:tint val="40000"/>
       </a:schemeClr>
     </dgm:fillClrLst>
     <dgm:linClrLst meth="repeat">
-      <a:schemeClr val="dk1"/>
+      <a:schemeClr val="dk2"/>
     </dgm:linClrLst>
     <dgm:effectClrLst/>
     <dgm:txLinClrLst/>
@@ -839,12 +817,12 @@
   </dgm:styleLbl>
   <dgm:styleLbl name="dkBgShp">
     <dgm:fillClrLst meth="repeat">
-      <a:schemeClr val="accent2">
-        <a:shade val="90000"/>
+      <a:schemeClr val="dk2">
+        <a:shade val="80000"/>
       </a:schemeClr>
     </dgm:fillClrLst>
     <dgm:linClrLst meth="repeat">
-      <a:schemeClr val="dk1"/>
+      <a:schemeClr val="dk2"/>
     </dgm:linClrLst>
     <dgm:effectClrLst/>
     <dgm:txLinClrLst/>
@@ -855,13 +833,13 @@
   </dgm:styleLbl>
   <dgm:styleLbl name="trBgShp">
     <dgm:fillClrLst meth="repeat">
-      <a:schemeClr val="accent2">
+      <a:schemeClr val="dk2">
         <a:tint val="50000"/>
         <a:alpha val="40000"/>
       </a:schemeClr>
     </dgm:fillClrLst>
     <dgm:linClrLst meth="repeat">
-      <a:schemeClr val="accent2"/>
+      <a:schemeClr val="dk2"/>
     </dgm:linClrLst>
     <dgm:effectClrLst/>
     <dgm:txLinClrLst/>
@@ -872,12 +850,12 @@
   </dgm:styleLbl>
   <dgm:styleLbl name="fgShp">
     <dgm:fillClrLst meth="repeat">
-      <a:schemeClr val="accent2">
-        <a:tint val="40000"/>
+      <a:schemeClr val="dk2">
+        <a:tint val="60000"/>
       </a:schemeClr>
     </dgm:fillClrLst>
     <dgm:linClrLst meth="repeat">
-      <a:schemeClr val="lt1"/>
+      <a:schemeClr val="lt2"/>
     </dgm:linClrLst>
     <dgm:effectClrLst/>
     <dgm:txLinClrLst/>
@@ -888,7 +866,7 @@
   </dgm:styleLbl>
   <dgm:styleLbl name="revTx">
     <dgm:fillClrLst meth="repeat">
-      <a:schemeClr val="lt1">
+      <a:schemeClr val="lt2">
         <a:alpha val="0"/>
       </a:schemeClr>
     </dgm:fillClrLst>
@@ -1658,7 +1636,7 @@
 <dgm:dataModel xmlns:dgm="http://schemas.openxmlformats.org/drawingml/2006/diagram" xmlns:a="http://schemas.openxmlformats.org/drawingml/2006/main">
   <dgm:ptLst>
     <dgm:pt modelId="{CFA4B552-66BE-40FA-A948-E8012F678263}" type="doc">
-      <dgm:prSet loTypeId="urn:microsoft.com/office/officeart/2005/8/layout/list1" loCatId="list" qsTypeId="urn:microsoft.com/office/officeart/2005/8/quickstyle/simple1" qsCatId="simple" csTypeId="urn:microsoft.com/office/officeart/2005/8/colors/colorful2" csCatId="colorful" phldr="1"/>
+      <dgm:prSet loTypeId="urn:microsoft.com/office/officeart/2005/8/layout/list1" loCatId="list" qsTypeId="urn:microsoft.com/office/officeart/2005/8/quickstyle/simple4" qsCatId="simple" csTypeId="urn:microsoft.com/office/officeart/2005/8/colors/accent0_3" csCatId="mainScheme" phldr="1"/>
       <dgm:spPr/>
       <dgm:t>
         <a:bodyPr/>
@@ -1679,7 +1657,7 @@
             <a:defRPr b="1"/>
           </a:pPr>
           <a:r>
-            <a:rPr lang="en-US"/>
+            <a:rPr lang="en-US" dirty="0"/>
             <a:t>Data Analysis</a:t>
           </a:r>
         </a:p>
@@ -1862,7 +1840,7 @@
             <a:defRPr b="1"/>
           </a:pPr>
           <a:r>
-            <a:rPr lang="en-US"/>
+            <a:rPr lang="en-US" dirty="0"/>
             <a:t>Machine Learning</a:t>
           </a:r>
         </a:p>
@@ -1898,8 +1876,8 @@
         <a:lstStyle/>
         <a:p>
           <a:r>
-            <a:rPr lang="en-US"/>
-            <a:t>Training the Model</a:t>
+            <a:rPr lang="en-US" dirty="0"/>
+            <a:t>Training and Evaluating a Decision Tree Model</a:t>
           </a:r>
         </a:p>
       </dgm:t>
@@ -1935,8 +1913,8 @@
         <a:p>
           <a:pPr rtl="0"/>
           <a:r>
-            <a:rPr lang="en-US"/>
-            <a:t>Evaluating the Model</a:t>
+            <a:rPr lang="en-US" dirty="0"/>
+            <a:t>Training and Evaluating a Logistic Regression Model</a:t>
           </a:r>
         </a:p>
       </dgm:t>
@@ -2079,7 +2057,43 @@
         </a:p>
       </dgm:t>
     </dgm:pt>
-    <dgm:pt modelId="{0F88B6B8-686B-46D9-BED0-48FA32E73C25}" type="pres">
+    <dgm:pt modelId="{42F822E7-F28B-4517-A6BD-AA1EEE3CEC3A}">
+      <dgm:prSet/>
+      <dgm:spPr/>
+      <dgm:t>
+        <a:bodyPr/>
+        <a:lstStyle/>
+        <a:p>
+          <a:r>
+            <a:rPr lang="en-US" dirty="0"/>
+            <a:t>Converting Categorical Data into Quantitative Data</a:t>
+          </a:r>
+        </a:p>
+      </dgm:t>
+    </dgm:pt>
+    <dgm:pt modelId="{4934D341-A321-4B10-9CC3-31337ABA6871}" type="parTrans" cxnId="{665ECA33-D006-4FD5-960C-A610627F9143}">
+      <dgm:prSet/>
+      <dgm:spPr/>
+      <dgm:t>
+        <a:bodyPr/>
+        <a:lstStyle/>
+        <a:p>
+          <a:endParaRPr lang="en-GB"/>
+        </a:p>
+      </dgm:t>
+    </dgm:pt>
+    <dgm:pt modelId="{4CF18955-5301-4374-B6C4-3B2055E3091D}" type="sibTrans" cxnId="{665ECA33-D006-4FD5-960C-A610627F9143}">
+      <dgm:prSet/>
+      <dgm:spPr/>
+      <dgm:t>
+        <a:bodyPr/>
+        <a:lstStyle/>
+        <a:p>
+          <a:endParaRPr lang="en-GB"/>
+        </a:p>
+      </dgm:t>
+    </dgm:pt>
+    <dgm:pt modelId="{91C2C90B-757E-454D-B9EE-0FF9AE453AED}" type="pres">
       <dgm:prSet presAssocID="{CFA4B552-66BE-40FA-A948-E8012F678263}" presName="linear" presStyleCnt="0">
         <dgm:presLayoutVars>
           <dgm:dir/>
@@ -2089,15 +2103,15 @@
       </dgm:prSet>
       <dgm:spPr/>
     </dgm:pt>
-    <dgm:pt modelId="{29E81BAA-F563-4620-9D10-595A834E359A}" type="pres">
+    <dgm:pt modelId="{93766298-E777-4334-8D1D-7A16E3AD4247}" type="pres">
       <dgm:prSet presAssocID="{A98B9367-1C23-4963-B146-EE8B702C0EB2}" presName="parentLin" presStyleCnt="0"/>
       <dgm:spPr/>
     </dgm:pt>
-    <dgm:pt modelId="{F954213F-6787-4DD8-A187-6F943683A977}" type="pres">
+    <dgm:pt modelId="{B3FF83A9-1348-45AB-BDEE-4D52EC3E3A29}" type="pres">
       <dgm:prSet presAssocID="{A98B9367-1C23-4963-B146-EE8B702C0EB2}" presName="parentLeftMargin" presStyleLbl="node1" presStyleIdx="0" presStyleCnt="2"/>
       <dgm:spPr/>
     </dgm:pt>
-    <dgm:pt modelId="{0712B789-5748-492C-9742-AEEF4FA37919}" type="pres">
+    <dgm:pt modelId="{50A786E1-BF33-4F99-B3AD-E5B8E36B126C}" type="pres">
       <dgm:prSet presAssocID="{A98B9367-1C23-4963-B146-EE8B702C0EB2}" presName="parentText" presStyleLbl="node1" presStyleIdx="0" presStyleCnt="2">
         <dgm:presLayoutVars>
           <dgm:chMax val="0"/>
@@ -2106,11 +2120,11 @@
       </dgm:prSet>
       <dgm:spPr/>
     </dgm:pt>
-    <dgm:pt modelId="{72300775-6F21-45FC-AA60-9D024F27B991}" type="pres">
+    <dgm:pt modelId="{86A7A5E6-9BAD-4EDB-894C-FC9EA887B0A8}" type="pres">
       <dgm:prSet presAssocID="{A98B9367-1C23-4963-B146-EE8B702C0EB2}" presName="negativeSpace" presStyleCnt="0"/>
       <dgm:spPr/>
     </dgm:pt>
-    <dgm:pt modelId="{C425F798-D3D5-4CD6-8246-7FA57519F475}" type="pres">
+    <dgm:pt modelId="{39CB33ED-3CEE-452F-BC64-7F2ED80E83ED}" type="pres">
       <dgm:prSet presAssocID="{A98B9367-1C23-4963-B146-EE8B702C0EB2}" presName="childText" presStyleLbl="conFgAcc1" presStyleIdx="0" presStyleCnt="2">
         <dgm:presLayoutVars>
           <dgm:bulletEnabled val="1"/>
@@ -2118,19 +2132,19 @@
       </dgm:prSet>
       <dgm:spPr/>
     </dgm:pt>
-    <dgm:pt modelId="{908357F4-ECBE-4810-993E-A89CE5F77E52}" type="pres">
+    <dgm:pt modelId="{6B9F393B-336C-4FF9-A863-FDE49F0912F4}" type="pres">
       <dgm:prSet presAssocID="{FFB4FCE5-5C3C-4131-A4E8-5FE1A0A6BB7C}" presName="spaceBetweenRectangles" presStyleCnt="0"/>
       <dgm:spPr/>
     </dgm:pt>
-    <dgm:pt modelId="{E01836FE-E905-46DC-965D-AF0B9E9614CC}" type="pres">
+    <dgm:pt modelId="{C65F9551-E8A8-4603-B9E8-09CB6E297296}" type="pres">
       <dgm:prSet presAssocID="{44647809-B732-41A7-9DB8-FAD49B102A56}" presName="parentLin" presStyleCnt="0"/>
       <dgm:spPr/>
     </dgm:pt>
-    <dgm:pt modelId="{FF49B963-D634-4802-BE54-99EECC24DEBB}" type="pres">
+    <dgm:pt modelId="{A36777E0-14F4-4F8D-854E-629A876381B7}" type="pres">
       <dgm:prSet presAssocID="{44647809-B732-41A7-9DB8-FAD49B102A56}" presName="parentLeftMargin" presStyleLbl="node1" presStyleIdx="0" presStyleCnt="2"/>
       <dgm:spPr/>
     </dgm:pt>
-    <dgm:pt modelId="{F24AFA65-60ED-475C-BC78-2576FBFDBC04}" type="pres">
+    <dgm:pt modelId="{27DC79A5-FFBA-4970-9934-AF095E4540D4}" type="pres">
       <dgm:prSet presAssocID="{44647809-B732-41A7-9DB8-FAD49B102A56}" presName="parentText" presStyleLbl="node1" presStyleIdx="1" presStyleCnt="2">
         <dgm:presLayoutVars>
           <dgm:chMax val="0"/>
@@ -2139,11 +2153,11 @@
       </dgm:prSet>
       <dgm:spPr/>
     </dgm:pt>
-    <dgm:pt modelId="{3BACB439-4AFD-4FFC-A984-FB2B3664465B}" type="pres">
+    <dgm:pt modelId="{71F8DC5C-A3D8-449D-A7DD-D1A295C21283}" type="pres">
       <dgm:prSet presAssocID="{44647809-B732-41A7-9DB8-FAD49B102A56}" presName="negativeSpace" presStyleCnt="0"/>
       <dgm:spPr/>
     </dgm:pt>
-    <dgm:pt modelId="{52B7DB08-2D23-4AF4-BE02-BAC9B475BB6B}" type="pres">
+    <dgm:pt modelId="{F17A2036-3C25-4010-B556-E88D4973898B}" type="pres">
       <dgm:prSet presAssocID="{44647809-B732-41A7-9DB8-FAD49B102A56}" presName="childText" presStyleLbl="conFgAcc1" presStyleIdx="1" presStyleCnt="2">
         <dgm:presLayoutVars>
           <dgm:bulletEnabled val="1"/>
@@ -2154,47 +2168,49 @@
   </dgm:ptLst>
   <dgm:cxnLst>
     <dgm:cxn modelId="{D0032106-5F61-4427-9C1E-C9E3F4B5E961}" srcId="{CFA4B552-66BE-40FA-A948-E8012F678263}" destId="{A98B9367-1C23-4963-B146-EE8B702C0EB2}" srcOrd="0" destOrd="0" parTransId="{0BC0A947-F016-4DE8-BC8F-EF74A58EB4D1}" sibTransId="{FFB4FCE5-5C3C-4131-A4E8-5FE1A0A6BB7C}"/>
+    <dgm:cxn modelId="{C3009807-50B3-45A8-9986-B05CB7C0FD4C}" type="presOf" srcId="{370FC0FF-9CF6-40BB-BB47-3DC48992C64F}" destId="{39CB33ED-3CEE-452F-BC64-7F2ED80E83ED}" srcOrd="0" destOrd="6" presId="urn:microsoft.com/office/officeart/2005/8/layout/list1"/>
+    <dgm:cxn modelId="{0E95A109-FC14-483F-9B6B-B2576B63ECCA}" type="presOf" srcId="{A98B9367-1C23-4963-B146-EE8B702C0EB2}" destId="{B3FF83A9-1348-45AB-BDEE-4D52EC3E3A29}" srcOrd="0" destOrd="0" presId="urn:microsoft.com/office/officeart/2005/8/layout/list1"/>
     <dgm:cxn modelId="{698DB50B-085C-4600-B49A-697D75AF2B2B}" srcId="{44647809-B732-41A7-9DB8-FAD49B102A56}" destId="{ADE0504A-9D02-4940-98D5-71A1EA5B6401}" srcOrd="1" destOrd="0" parTransId="{99013758-8233-4BDD-B345-4840092FE7E9}" sibTransId="{7E0D232E-F270-49B4-B169-B0E98ABBF7BE}"/>
-    <dgm:cxn modelId="{3624BB16-CAD3-4870-B107-A6498FA1CD24}" type="presOf" srcId="{44647809-B732-41A7-9DB8-FAD49B102A56}" destId="{FF49B963-D634-4802-BE54-99EECC24DEBB}" srcOrd="0" destOrd="0" presId="urn:microsoft.com/office/officeart/2005/8/layout/list1"/>
+    <dgm:cxn modelId="{E83AAF10-12A9-4A02-839E-F3F0722F34DC}" type="presOf" srcId="{44647809-B732-41A7-9DB8-FAD49B102A56}" destId="{27DC79A5-FFBA-4970-9934-AF095E4540D4}" srcOrd="1" destOrd="0" presId="urn:microsoft.com/office/officeart/2005/8/layout/list1"/>
+    <dgm:cxn modelId="{A332F918-1483-4251-BD0D-025C3F536E46}" type="presOf" srcId="{A98B9367-1C23-4963-B146-EE8B702C0EB2}" destId="{50A786E1-BF33-4F99-B3AD-E5B8E36B126C}" srcOrd="1" destOrd="0" presId="urn:microsoft.com/office/officeart/2005/8/layout/list1"/>
     <dgm:cxn modelId="{5B541F22-4EC3-4758-9ED3-0719C7F086B7}" srcId="{A98B9367-1C23-4963-B146-EE8B702C0EB2}" destId="{370FC0FF-9CF6-40BB-BB47-3DC48992C64F}" srcOrd="2" destOrd="0" parTransId="{062E3CD6-F4DE-4B2B-8F5F-3A6722952ADF}" sibTransId="{F9CBC2BA-C3B9-402C-B7A1-4C968EBBB9BE}"/>
     <dgm:cxn modelId="{D15CA423-96E3-48FD-BFE1-C75573A444B3}" srcId="{6444590F-EF19-4729-A66B-78D7C354F50B}" destId="{DE7DEB28-B5FB-4C76-9D62-6837B3C2727D}" srcOrd="1" destOrd="0" parTransId="{A9DF2ECA-E5CB-46D1-88EA-D8C0C06B72ED}" sibTransId="{618AC0BE-B6AE-4E63-A950-D41E7911DC60}"/>
+    <dgm:cxn modelId="{0EC71B31-F703-42D9-A388-7439AFC9B7FD}" type="presOf" srcId="{CFA4B552-66BE-40FA-A948-E8012F678263}" destId="{91C2C90B-757E-454D-B9EE-0FF9AE453AED}" srcOrd="0" destOrd="0" presId="urn:microsoft.com/office/officeart/2005/8/layout/list1"/>
     <dgm:cxn modelId="{27D8B531-9141-4B31-88E3-78D5A587FDF6}" srcId="{6444590F-EF19-4729-A66B-78D7C354F50B}" destId="{A2A91574-1694-420F-A06D-75C8B106EBD9}" srcOrd="0" destOrd="0" parTransId="{A35F58E4-8724-44B6-8C2E-E58CDD323F72}" sibTransId="{10F75322-A048-42C9-810C-EE89E96292B6}"/>
-    <dgm:cxn modelId="{934BF141-31B1-4AD6-9D30-D5949A678F7B}" type="presOf" srcId="{44647809-B732-41A7-9DB8-FAD49B102A56}" destId="{F24AFA65-60ED-475C-BC78-2576FBFDBC04}" srcOrd="1" destOrd="0" presId="urn:microsoft.com/office/officeart/2005/8/layout/list1"/>
+    <dgm:cxn modelId="{665ECA33-D006-4FD5-960C-A610627F9143}" srcId="{A98B9367-1C23-4963-B146-EE8B702C0EB2}" destId="{42F822E7-F28B-4517-A6BD-AA1EEE3CEC3A}" srcOrd="3" destOrd="0" parTransId="{4934D341-A321-4B10-9CC3-31337ABA6871}" sibTransId="{4CF18955-5301-4374-B6C4-3B2055E3091D}"/>
+    <dgm:cxn modelId="{08F9D95E-1783-41EB-9F02-FB4FB5D553C7}" type="presOf" srcId="{E3AC23BB-22C5-47DC-8728-B37E3CAA4082}" destId="{39CB33ED-3CEE-452F-BC64-7F2ED80E83ED}" srcOrd="0" destOrd="5" presId="urn:microsoft.com/office/officeart/2005/8/layout/list1"/>
     <dgm:cxn modelId="{00860D42-A6B7-4C20-A48F-87F727B9B217}" srcId="{A98B9367-1C23-4963-B146-EE8B702C0EB2}" destId="{32A424BB-664C-4B1B-B1C6-C5238B09F81E}" srcOrd="0" destOrd="0" parTransId="{99DD3494-3A1B-44D2-A94B-2EA7058CFD82}" sibTransId="{2359FCDC-237E-4867-BAB0-188B57E0A74F}"/>
-    <dgm:cxn modelId="{3BAB7E62-90F3-4055-AD10-FC4AEE7FBE49}" type="presOf" srcId="{6444590F-EF19-4729-A66B-78D7C354F50B}" destId="{C425F798-D3D5-4CD6-8246-7FA57519F475}" srcOrd="0" destOrd="1" presId="urn:microsoft.com/office/officeart/2005/8/layout/list1"/>
     <dgm:cxn modelId="{A57FE065-D062-48A2-B777-83E8C53E7F56}" srcId="{6444590F-EF19-4729-A66B-78D7C354F50B}" destId="{62A20337-4AC0-42AE-977C-941DF785BED0}" srcOrd="2" destOrd="0" parTransId="{39BB1E4F-EF0C-4551-9093-D691429D0936}" sibTransId="{3C65E6BC-DD30-4D45-BCF9-D3300521CC7E}"/>
     <dgm:cxn modelId="{D0485266-BA99-4199-89AD-878AA8A21019}" srcId="{44647809-B732-41A7-9DB8-FAD49B102A56}" destId="{47F0BD06-020A-4E8C-9824-ADEE6B6AAFC7}" srcOrd="0" destOrd="0" parTransId="{0E321FD1-7A82-4792-BABF-BEFA584FCDBF}" sibTransId="{A1A2DC7C-E8D4-4395-974F-1240FACADEDA}"/>
-    <dgm:cxn modelId="{2D29F147-5E6E-4534-8331-FF34A6B474B0}" type="presOf" srcId="{32A424BB-664C-4B1B-B1C6-C5238B09F81E}" destId="{C425F798-D3D5-4CD6-8246-7FA57519F475}" srcOrd="0" destOrd="0" presId="urn:microsoft.com/office/officeart/2005/8/layout/list1"/>
-    <dgm:cxn modelId="{46653E6A-77D9-43D9-AD8A-66EF6A477E53}" type="presOf" srcId="{CFA4B552-66BE-40FA-A948-E8012F678263}" destId="{0F88B6B8-686B-46D9-BED0-48FA32E73C25}" srcOrd="0" destOrd="0" presId="urn:microsoft.com/office/officeart/2005/8/layout/list1"/>
-    <dgm:cxn modelId="{990FF650-6E92-4F21-83CA-14948870D0C8}" type="presOf" srcId="{47F0BD06-020A-4E8C-9824-ADEE6B6AAFC7}" destId="{52B7DB08-2D23-4AF4-BE02-BAC9B475BB6B}" srcOrd="0" destOrd="0" presId="urn:microsoft.com/office/officeart/2005/8/layout/list1"/>
+    <dgm:cxn modelId="{8CA72D6C-F391-426A-989F-1FDDDF09A139}" type="presOf" srcId="{44647809-B732-41A7-9DB8-FAD49B102A56}" destId="{A36777E0-14F4-4F8D-854E-629A876381B7}" srcOrd="0" destOrd="0" presId="urn:microsoft.com/office/officeart/2005/8/layout/list1"/>
+    <dgm:cxn modelId="{4FEB6E6F-6A30-4026-863C-6D14EEE8795E}" type="presOf" srcId="{47F0BD06-020A-4E8C-9824-ADEE6B6AAFC7}" destId="{F17A2036-3C25-4010-B556-E88D4973898B}" srcOrd="0" destOrd="0" presId="urn:microsoft.com/office/officeart/2005/8/layout/list1"/>
     <dgm:cxn modelId="{C34B9C71-CEDA-476E-895E-E21972233620}" srcId="{CFA4B552-66BE-40FA-A948-E8012F678263}" destId="{44647809-B732-41A7-9DB8-FAD49B102A56}" srcOrd="1" destOrd="0" parTransId="{A987B20E-AD23-47F2-8D33-40C0EAD83B26}" sibTransId="{0EB3F371-DD1F-4212-B681-1403D021F5FC}"/>
-    <dgm:cxn modelId="{B89FCE57-FD7E-4A56-9F08-6459AADE8088}" type="presOf" srcId="{ADE0504A-9D02-4940-98D5-71A1EA5B6401}" destId="{52B7DB08-2D23-4AF4-BE02-BAC9B475BB6B}" srcOrd="0" destOrd="1" presId="urn:microsoft.com/office/officeart/2005/8/layout/list1"/>
-    <dgm:cxn modelId="{B9301358-5F3B-41F4-B58B-CE80C605CF97}" type="presOf" srcId="{A98B9367-1C23-4963-B146-EE8B702C0EB2}" destId="{0712B789-5748-492C-9742-AEEF4FA37919}" srcOrd="1" destOrd="0" presId="urn:microsoft.com/office/officeart/2005/8/layout/list1"/>
-    <dgm:cxn modelId="{00BBAB85-FC9A-475C-BA20-02266174F2C9}" type="presOf" srcId="{A2A91574-1694-420F-A06D-75C8B106EBD9}" destId="{C425F798-D3D5-4CD6-8246-7FA57519F475}" srcOrd="0" destOrd="2" presId="urn:microsoft.com/office/officeart/2005/8/layout/list1"/>
-    <dgm:cxn modelId="{DFAD77A9-91F2-4943-934D-FFFDEDAE99B2}" type="presOf" srcId="{DE7DEB28-B5FB-4C76-9D62-6837B3C2727D}" destId="{C425F798-D3D5-4CD6-8246-7FA57519F475}" srcOrd="0" destOrd="3" presId="urn:microsoft.com/office/officeart/2005/8/layout/list1"/>
-    <dgm:cxn modelId="{DF243EBF-4598-4FFB-AAA3-3313DCA200A2}" type="presOf" srcId="{A98B9367-1C23-4963-B146-EE8B702C0EB2}" destId="{F954213F-6787-4DD8-A187-6F943683A977}" srcOrd="0" destOrd="0" presId="urn:microsoft.com/office/officeart/2005/8/layout/list1"/>
-    <dgm:cxn modelId="{2704AEC3-B3AC-442E-9D82-E06245ACD929}" type="presOf" srcId="{62A20337-4AC0-42AE-977C-941DF785BED0}" destId="{C425F798-D3D5-4CD6-8246-7FA57519F475}" srcOrd="0" destOrd="4" presId="urn:microsoft.com/office/officeart/2005/8/layout/list1"/>
-    <dgm:cxn modelId="{833E71C7-805C-498E-91E8-53FAAC99BCDF}" type="presOf" srcId="{370FC0FF-9CF6-40BB-BB47-3DC48992C64F}" destId="{C425F798-D3D5-4CD6-8246-7FA57519F475}" srcOrd="0" destOrd="6" presId="urn:microsoft.com/office/officeart/2005/8/layout/list1"/>
-    <dgm:cxn modelId="{838923CF-ADD8-4B80-B205-C788999EA2BE}" type="presOf" srcId="{E3AC23BB-22C5-47DC-8728-B37E3CAA4082}" destId="{C425F798-D3D5-4CD6-8246-7FA57519F475}" srcOrd="0" destOrd="5" presId="urn:microsoft.com/office/officeart/2005/8/layout/list1"/>
+    <dgm:cxn modelId="{96D63F57-EE4B-4745-A96D-0CC577F62FF9}" type="presOf" srcId="{42F822E7-F28B-4517-A6BD-AA1EEE3CEC3A}" destId="{39CB33ED-3CEE-452F-BC64-7F2ED80E83ED}" srcOrd="0" destOrd="7" presId="urn:microsoft.com/office/officeart/2005/8/layout/list1"/>
+    <dgm:cxn modelId="{173A4E78-A01C-4ACC-AA04-425C4EB1D210}" type="presOf" srcId="{32A424BB-664C-4B1B-B1C6-C5238B09F81E}" destId="{39CB33ED-3CEE-452F-BC64-7F2ED80E83ED}" srcOrd="0" destOrd="0" presId="urn:microsoft.com/office/officeart/2005/8/layout/list1"/>
+    <dgm:cxn modelId="{7E5D1C7C-5080-46CB-AF6A-12DF6433DB8A}" type="presOf" srcId="{62A20337-4AC0-42AE-977C-941DF785BED0}" destId="{39CB33ED-3CEE-452F-BC64-7F2ED80E83ED}" srcOrd="0" destOrd="4" presId="urn:microsoft.com/office/officeart/2005/8/layout/list1"/>
+    <dgm:cxn modelId="{81E494B2-E55B-4462-A021-B67D82E2EEBD}" type="presOf" srcId="{A2A91574-1694-420F-A06D-75C8B106EBD9}" destId="{39CB33ED-3CEE-452F-BC64-7F2ED80E83ED}" srcOrd="0" destOrd="2" presId="urn:microsoft.com/office/officeart/2005/8/layout/list1"/>
+    <dgm:cxn modelId="{61585ABC-03C6-4A44-AD8E-84BF7E03F116}" type="presOf" srcId="{6444590F-EF19-4729-A66B-78D7C354F50B}" destId="{39CB33ED-3CEE-452F-BC64-7F2ED80E83ED}" srcOrd="0" destOrd="1" presId="urn:microsoft.com/office/officeart/2005/8/layout/list1"/>
     <dgm:cxn modelId="{A6FDCBD6-0981-44CE-9119-C6B899031518}" srcId="{A98B9367-1C23-4963-B146-EE8B702C0EB2}" destId="{6444590F-EF19-4729-A66B-78D7C354F50B}" srcOrd="1" destOrd="0" parTransId="{0661FE9F-642D-4AA9-B3D8-B49541B8FB4B}" sibTransId="{03D556F0-1510-475D-BC9C-9DD997AEFB75}"/>
+    <dgm:cxn modelId="{2FFF71DB-B034-4796-A430-3E39C7DD7783}" type="presOf" srcId="{DE7DEB28-B5FB-4C76-9D62-6837B3C2727D}" destId="{39CB33ED-3CEE-452F-BC64-7F2ED80E83ED}" srcOrd="0" destOrd="3" presId="urn:microsoft.com/office/officeart/2005/8/layout/list1"/>
     <dgm:cxn modelId="{15C154DF-F1FD-4586-9229-12D9E1B9B6C9}" srcId="{6444590F-EF19-4729-A66B-78D7C354F50B}" destId="{E3AC23BB-22C5-47DC-8728-B37E3CAA4082}" srcOrd="3" destOrd="0" parTransId="{6FE5D5F2-A6E0-4C69-8CE4-027663D2544F}" sibTransId="{83C62846-5703-4C47-B939-4BB7553912A5}"/>
-    <dgm:cxn modelId="{2C135963-77A5-4970-9EE8-287BC27DB67D}" type="presParOf" srcId="{0F88B6B8-686B-46D9-BED0-48FA32E73C25}" destId="{29E81BAA-F563-4620-9D10-595A834E359A}" srcOrd="0" destOrd="0" presId="urn:microsoft.com/office/officeart/2005/8/layout/list1"/>
-    <dgm:cxn modelId="{223ED9FB-694E-4FFB-9B5E-0BEC65BB05AC}" type="presParOf" srcId="{29E81BAA-F563-4620-9D10-595A834E359A}" destId="{F954213F-6787-4DD8-A187-6F943683A977}" srcOrd="0" destOrd="0" presId="urn:microsoft.com/office/officeart/2005/8/layout/list1"/>
-    <dgm:cxn modelId="{12D6853F-3AD0-407F-A0BE-6DB3B407DCE1}" type="presParOf" srcId="{29E81BAA-F563-4620-9D10-595A834E359A}" destId="{0712B789-5748-492C-9742-AEEF4FA37919}" srcOrd="1" destOrd="0" presId="urn:microsoft.com/office/officeart/2005/8/layout/list1"/>
-    <dgm:cxn modelId="{3E5DA9AF-2DA3-4DD8-9884-131E75023EDE}" type="presParOf" srcId="{0F88B6B8-686B-46D9-BED0-48FA32E73C25}" destId="{72300775-6F21-45FC-AA60-9D024F27B991}" srcOrd="1" destOrd="0" presId="urn:microsoft.com/office/officeart/2005/8/layout/list1"/>
-    <dgm:cxn modelId="{0C32AD32-DD67-4C04-A46E-B5B4A0319B65}" type="presParOf" srcId="{0F88B6B8-686B-46D9-BED0-48FA32E73C25}" destId="{C425F798-D3D5-4CD6-8246-7FA57519F475}" srcOrd="2" destOrd="0" presId="urn:microsoft.com/office/officeart/2005/8/layout/list1"/>
-    <dgm:cxn modelId="{E941E280-201B-4263-8F81-D3D21E084105}" type="presParOf" srcId="{0F88B6B8-686B-46D9-BED0-48FA32E73C25}" destId="{908357F4-ECBE-4810-993E-A89CE5F77E52}" srcOrd="3" destOrd="0" presId="urn:microsoft.com/office/officeart/2005/8/layout/list1"/>
-    <dgm:cxn modelId="{D5C5DF97-2A82-43A3-A9F7-02EA02D9AC19}" type="presParOf" srcId="{0F88B6B8-686B-46D9-BED0-48FA32E73C25}" destId="{E01836FE-E905-46DC-965D-AF0B9E9614CC}" srcOrd="4" destOrd="0" presId="urn:microsoft.com/office/officeart/2005/8/layout/list1"/>
-    <dgm:cxn modelId="{3A239FD6-A85E-46AD-984E-566B80956346}" type="presParOf" srcId="{E01836FE-E905-46DC-965D-AF0B9E9614CC}" destId="{FF49B963-D634-4802-BE54-99EECC24DEBB}" srcOrd="0" destOrd="0" presId="urn:microsoft.com/office/officeart/2005/8/layout/list1"/>
-    <dgm:cxn modelId="{3C1F01E0-B072-4D0F-9710-3ABCD407A5EC}" type="presParOf" srcId="{E01836FE-E905-46DC-965D-AF0B9E9614CC}" destId="{F24AFA65-60ED-475C-BC78-2576FBFDBC04}" srcOrd="1" destOrd="0" presId="urn:microsoft.com/office/officeart/2005/8/layout/list1"/>
-    <dgm:cxn modelId="{8736FEE2-19F0-4664-A4D5-29E01632892B}" type="presParOf" srcId="{0F88B6B8-686B-46D9-BED0-48FA32E73C25}" destId="{3BACB439-4AFD-4FFC-A984-FB2B3664465B}" srcOrd="5" destOrd="0" presId="urn:microsoft.com/office/officeart/2005/8/layout/list1"/>
-    <dgm:cxn modelId="{AE24C540-5476-4C16-8AEF-F7643A962722}" type="presParOf" srcId="{0F88B6B8-686B-46D9-BED0-48FA32E73C25}" destId="{52B7DB08-2D23-4AF4-BE02-BAC9B475BB6B}" srcOrd="6" destOrd="0" presId="urn:microsoft.com/office/officeart/2005/8/layout/list1"/>
+    <dgm:cxn modelId="{8D35E6E8-EFBE-4E09-A24C-192F528E20B6}" type="presOf" srcId="{ADE0504A-9D02-4940-98D5-71A1EA5B6401}" destId="{F17A2036-3C25-4010-B556-E88D4973898B}" srcOrd="0" destOrd="1" presId="urn:microsoft.com/office/officeart/2005/8/layout/list1"/>
+    <dgm:cxn modelId="{73045D45-880E-4FAA-981B-1D01398BACEE}" type="presParOf" srcId="{91C2C90B-757E-454D-B9EE-0FF9AE453AED}" destId="{93766298-E777-4334-8D1D-7A16E3AD4247}" srcOrd="0" destOrd="0" presId="urn:microsoft.com/office/officeart/2005/8/layout/list1"/>
+    <dgm:cxn modelId="{26F999B5-B47D-4546-BE4A-639A61818B04}" type="presParOf" srcId="{93766298-E777-4334-8D1D-7A16E3AD4247}" destId="{B3FF83A9-1348-45AB-BDEE-4D52EC3E3A29}" srcOrd="0" destOrd="0" presId="urn:microsoft.com/office/officeart/2005/8/layout/list1"/>
+    <dgm:cxn modelId="{3CC0553E-6B06-4128-BCE7-C05288F85E73}" type="presParOf" srcId="{93766298-E777-4334-8D1D-7A16E3AD4247}" destId="{50A786E1-BF33-4F99-B3AD-E5B8E36B126C}" srcOrd="1" destOrd="0" presId="urn:microsoft.com/office/officeart/2005/8/layout/list1"/>
+    <dgm:cxn modelId="{C609B381-377E-441C-A6F4-4AAA593BE68D}" type="presParOf" srcId="{91C2C90B-757E-454D-B9EE-0FF9AE453AED}" destId="{86A7A5E6-9BAD-4EDB-894C-FC9EA887B0A8}" srcOrd="1" destOrd="0" presId="urn:microsoft.com/office/officeart/2005/8/layout/list1"/>
+    <dgm:cxn modelId="{E0D4ABC1-C8B2-4036-8103-FCE9173CD301}" type="presParOf" srcId="{91C2C90B-757E-454D-B9EE-0FF9AE453AED}" destId="{39CB33ED-3CEE-452F-BC64-7F2ED80E83ED}" srcOrd="2" destOrd="0" presId="urn:microsoft.com/office/officeart/2005/8/layout/list1"/>
+    <dgm:cxn modelId="{07DEE8B7-252B-4C23-8CFC-A8BAD69405EC}" type="presParOf" srcId="{91C2C90B-757E-454D-B9EE-0FF9AE453AED}" destId="{6B9F393B-336C-4FF9-A863-FDE49F0912F4}" srcOrd="3" destOrd="0" presId="urn:microsoft.com/office/officeart/2005/8/layout/list1"/>
+    <dgm:cxn modelId="{E1DCDEA6-14E0-4ACF-B79A-9015BABE1A4B}" type="presParOf" srcId="{91C2C90B-757E-454D-B9EE-0FF9AE453AED}" destId="{C65F9551-E8A8-4603-B9E8-09CB6E297296}" srcOrd="4" destOrd="0" presId="urn:microsoft.com/office/officeart/2005/8/layout/list1"/>
+    <dgm:cxn modelId="{8CD55C81-A12D-4FA8-8A93-40B213286117}" type="presParOf" srcId="{C65F9551-E8A8-4603-B9E8-09CB6E297296}" destId="{A36777E0-14F4-4F8D-854E-629A876381B7}" srcOrd="0" destOrd="0" presId="urn:microsoft.com/office/officeart/2005/8/layout/list1"/>
+    <dgm:cxn modelId="{E40AF50F-5173-4AAF-9383-6550BB948F8D}" type="presParOf" srcId="{C65F9551-E8A8-4603-B9E8-09CB6E297296}" destId="{27DC79A5-FFBA-4970-9934-AF095E4540D4}" srcOrd="1" destOrd="0" presId="urn:microsoft.com/office/officeart/2005/8/layout/list1"/>
+    <dgm:cxn modelId="{4EE12B06-6A2F-4A63-9F2A-0A30BD649F41}" type="presParOf" srcId="{91C2C90B-757E-454D-B9EE-0FF9AE453AED}" destId="{71F8DC5C-A3D8-449D-A7DD-D1A295C21283}" srcOrd="5" destOrd="0" presId="urn:microsoft.com/office/officeart/2005/8/layout/list1"/>
+    <dgm:cxn modelId="{84E33B82-917B-432A-AB6D-988238FE8050}" type="presParOf" srcId="{91C2C90B-757E-454D-B9EE-0FF9AE453AED}" destId="{F17A2036-3C25-4010-B556-E88D4973898B}" srcOrd="6" destOrd="0" presId="urn:microsoft.com/office/officeart/2005/8/layout/list1"/>
   </dgm:cxnLst>
   <dgm:bg/>
   <dgm:whole/>
   <dgm:extLst>
     <a:ext uri="http://schemas.microsoft.com/office/drawing/2008/diagram">
-      <dsp:dataModelExt xmlns:dsp="http://schemas.microsoft.com/office/drawing/2008/diagram" relId="rId9" minVer="http://schemas.openxmlformats.org/drawingml/2006/diagram"/>
+      <dsp:dataModelExt xmlns:dsp="http://schemas.microsoft.com/office/drawing/2008/diagram" relId="rId8" minVer="http://schemas.openxmlformats.org/drawingml/2006/diagram"/>
     </a:ext>
   </dgm:extLst>
 </dgm:dataModel>
@@ -2458,21 +2474,21 @@
       <dsp:cNvGrpSpPr/>
     </dsp:nvGrpSpPr>
     <dsp:grpSpPr/>
-    <dsp:sp modelId="{C425F798-D3D5-4CD6-8246-7FA57519F475}">
+    <dsp:sp modelId="{39CB33ED-3CEE-452F-BC64-7F2ED80E83ED}">
       <dsp:nvSpPr>
         <dsp:cNvPr id="0" name=""/>
         <dsp:cNvSpPr/>
       </dsp:nvSpPr>
       <dsp:spPr>
         <a:xfrm>
-          <a:off x="0" y="383723"/>
-          <a:ext cx="6309300" cy="2709000"/>
+          <a:off x="0" y="328617"/>
+          <a:ext cx="10353675" cy="2872800"/>
         </a:xfrm>
         <a:prstGeom prst="rect">
           <a:avLst/>
         </a:prstGeom>
         <a:solidFill>
-          <a:schemeClr val="lt1">
+          <a:schemeClr val="lt2">
             <a:alpha val="90000"/>
             <a:hueOff val="0"/>
             <a:satOff val="0"/>
@@ -2480,9 +2496,9 @@
             <a:alphaOff val="0"/>
           </a:schemeClr>
         </a:solidFill>
-        <a:ln w="15875" cap="rnd" cmpd="sng" algn="ctr">
+        <a:ln w="9525" cap="rnd" cmpd="sng" algn="ctr">
           <a:solidFill>
-            <a:schemeClr val="accent2">
+            <a:schemeClr val="dk2">
               <a:hueOff val="0"/>
               <a:satOff val="0"/>
               <a:lumOff val="0"/>
@@ -2494,7 +2510,7 @@
         <a:effectLst/>
       </dsp:spPr>
       <dsp:style>
-        <a:lnRef idx="2">
+        <a:lnRef idx="1">
           <a:scrgbClr r="0" g="0" b="0"/>
         </a:lnRef>
         <a:fillRef idx="1">
@@ -2506,12 +2522,12 @@
         <a:fontRef idx="minor"/>
       </dsp:style>
       <dsp:txBody>
-        <a:bodyPr spcFirstLastPara="0" vert="horz" wrap="square" lIns="489672" tIns="416560" rIns="489672" bIns="142240" numCol="1" spcCol="1270" anchor="t" anchorCtr="0">
+        <a:bodyPr spcFirstLastPara="0" vert="horz" wrap="square" lIns="803560" tIns="395732" rIns="803560" bIns="135128" numCol="1" spcCol="1270" anchor="t" anchorCtr="0">
           <a:noAutofit/>
         </a:bodyPr>
         <a:lstStyle/>
         <a:p>
-          <a:pPr marL="228600" lvl="1" indent="-228600" algn="l" defTabSz="889000">
+          <a:pPr marL="171450" lvl="1" indent="-171450" algn="l" defTabSz="844550">
             <a:lnSpc>
               <a:spcPct val="90000"/>
             </a:lnSpc>
@@ -2524,12 +2540,12 @@
             <a:buChar char="•"/>
           </a:pPr>
           <a:r>
-            <a:rPr lang="en-US" sz="2000" kern="1200"/>
+            <a:rPr lang="en-US" sz="1900" kern="1200"/>
             <a:t>Data Loading</a:t>
           </a:r>
         </a:p>
         <a:p>
-          <a:pPr marL="228600" lvl="1" indent="-228600" algn="l" defTabSz="889000">
+          <a:pPr marL="171450" lvl="1" indent="-171450" algn="l" defTabSz="844550">
             <a:lnSpc>
               <a:spcPct val="90000"/>
             </a:lnSpc>
@@ -2542,12 +2558,12 @@
             <a:buChar char="•"/>
           </a:pPr>
           <a:r>
-            <a:rPr lang="en-US" sz="2000" kern="1200"/>
+            <a:rPr lang="en-US" sz="1900" kern="1200"/>
             <a:t>Data Cleaning</a:t>
           </a:r>
         </a:p>
         <a:p>
-          <a:pPr marL="457200" lvl="2" indent="-228600" algn="l" defTabSz="889000">
+          <a:pPr marL="342900" lvl="2" indent="-171450" algn="l" defTabSz="844550">
             <a:lnSpc>
               <a:spcPct val="90000"/>
             </a:lnSpc>
@@ -2560,12 +2576,12 @@
             <a:buChar char="•"/>
           </a:pPr>
           <a:r>
-            <a:rPr lang="en-US" sz="2000" kern="1200" dirty="0"/>
+            <a:rPr lang="en-US" sz="1900" kern="1200" dirty="0"/>
             <a:t>Removing Duplicates</a:t>
           </a:r>
         </a:p>
         <a:p>
-          <a:pPr marL="457200" lvl="2" indent="-228600" algn="l" defTabSz="889000">
+          <a:pPr marL="342900" lvl="2" indent="-171450" algn="l" defTabSz="844550">
             <a:lnSpc>
               <a:spcPct val="90000"/>
             </a:lnSpc>
@@ -2578,20 +2594,20 @@
             <a:buChar char="•"/>
           </a:pPr>
           <a:r>
-            <a:rPr lang="en-US" sz="2000" kern="1200" dirty="0"/>
+            <a:rPr lang="en-US" sz="1900" kern="1200" dirty="0"/>
             <a:t>Removing Columns With 50%+ </a:t>
           </a:r>
           <a:r>
-            <a:rPr lang="en-US" sz="2000" kern="1200" dirty="0" err="1"/>
+            <a:rPr lang="en-US" sz="1900" kern="1200" dirty="0" err="1"/>
             <a:t>NaN</a:t>
           </a:r>
           <a:r>
-            <a:rPr lang="en-US" sz="2000" kern="1200" dirty="0"/>
+            <a:rPr lang="en-US" sz="1900" kern="1200" dirty="0"/>
             <a:t>/NA</a:t>
           </a:r>
         </a:p>
         <a:p>
-          <a:pPr marL="457200" lvl="2" indent="-228600" algn="l" defTabSz="889000">
+          <a:pPr marL="342900" lvl="2" indent="-171450" algn="l" defTabSz="844550">
             <a:lnSpc>
               <a:spcPct val="90000"/>
             </a:lnSpc>
@@ -2604,12 +2620,12 @@
             <a:buChar char="•"/>
           </a:pPr>
           <a:r>
-            <a:rPr lang="en-US" sz="2000" kern="1200" dirty="0"/>
+            <a:rPr lang="en-US" sz="1900" kern="1200" dirty="0"/>
             <a:t>Handling Outliers</a:t>
           </a:r>
         </a:p>
         <a:p>
-          <a:pPr marL="457200" lvl="2" indent="-228600" algn="l" defTabSz="889000">
+          <a:pPr marL="342900" lvl="2" indent="-171450" algn="l" defTabSz="844550">
             <a:lnSpc>
               <a:spcPct val="90000"/>
             </a:lnSpc>
@@ -2622,12 +2638,12 @@
             <a:buChar char="•"/>
           </a:pPr>
           <a:r>
-            <a:rPr lang="en-US" sz="2000" kern="1200" dirty="0"/>
+            <a:rPr lang="en-US" sz="1900" kern="1200" dirty="0"/>
             <a:t>Handling Missing Values</a:t>
           </a:r>
         </a:p>
         <a:p>
-          <a:pPr marL="228600" lvl="1" indent="-228600" algn="l" defTabSz="889000">
+          <a:pPr marL="171450" lvl="1" indent="-171450" algn="l" defTabSz="844550">
             <a:lnSpc>
               <a:spcPct val="90000"/>
             </a:lnSpc>
@@ -2640,58 +2656,91 @@
             <a:buChar char="•"/>
           </a:pPr>
           <a:r>
-            <a:rPr lang="en-US" sz="2000" kern="1200" dirty="0"/>
+            <a:rPr lang="en-US" sz="1900" kern="1200" dirty="0"/>
             <a:t>Exploratory Data Analysis</a:t>
+          </a:r>
+        </a:p>
+        <a:p>
+          <a:pPr marL="171450" lvl="1" indent="-171450" algn="l" defTabSz="844550">
+            <a:lnSpc>
+              <a:spcPct val="90000"/>
+            </a:lnSpc>
+            <a:spcBef>
+              <a:spcPct val="0"/>
+            </a:spcBef>
+            <a:spcAft>
+              <a:spcPct val="15000"/>
+            </a:spcAft>
+            <a:buChar char="•"/>
+          </a:pPr>
+          <a:r>
+            <a:rPr lang="en-US" sz="1900" kern="1200" dirty="0"/>
+            <a:t>Converting Categorical Data into Quantitative Data</a:t>
           </a:r>
         </a:p>
       </dsp:txBody>
       <dsp:txXfrm>
-        <a:off x="0" y="383723"/>
-        <a:ext cx="6309300" cy="2709000"/>
+        <a:off x="0" y="328617"/>
+        <a:ext cx="10353675" cy="2872800"/>
       </dsp:txXfrm>
     </dsp:sp>
-    <dsp:sp modelId="{0712B789-5748-492C-9742-AEEF4FA37919}">
+    <dsp:sp modelId="{50A786E1-BF33-4F99-B3AD-E5B8E36B126C}">
       <dsp:nvSpPr>
         <dsp:cNvPr id="0" name=""/>
         <dsp:cNvSpPr/>
       </dsp:nvSpPr>
       <dsp:spPr>
         <a:xfrm>
-          <a:off x="315465" y="88523"/>
-          <a:ext cx="4416510" cy="590400"/>
+          <a:off x="517683" y="48177"/>
+          <a:ext cx="7247572" cy="560880"/>
         </a:xfrm>
         <a:prstGeom prst="roundRect">
           <a:avLst/>
         </a:prstGeom>
-        <a:solidFill>
-          <a:schemeClr val="accent2">
-            <a:hueOff val="0"/>
-            <a:satOff val="0"/>
-            <a:lumOff val="0"/>
-            <a:alphaOff val="0"/>
-          </a:schemeClr>
-        </a:solidFill>
-        <a:ln w="15875" cap="rnd" cmpd="sng" algn="ctr">
-          <a:solidFill>
-            <a:schemeClr val="lt1">
-              <a:hueOff val="0"/>
-              <a:satOff val="0"/>
-              <a:lumOff val="0"/>
-              <a:alphaOff val="0"/>
-            </a:schemeClr>
-          </a:solidFill>
-          <a:prstDash val="solid"/>
+        <a:gradFill rotWithShape="0">
+          <a:gsLst>
+            <a:gs pos="0">
+              <a:schemeClr val="dk2">
+                <a:hueOff val="0"/>
+                <a:satOff val="0"/>
+                <a:lumOff val="0"/>
+                <a:alphaOff val="0"/>
+                <a:tint val="96000"/>
+                <a:lumMod val="104000"/>
+              </a:schemeClr>
+            </a:gs>
+            <a:gs pos="100000">
+              <a:schemeClr val="dk2">
+                <a:hueOff val="0"/>
+                <a:satOff val="0"/>
+                <a:lumOff val="0"/>
+                <a:alphaOff val="0"/>
+                <a:shade val="90000"/>
+                <a:lumMod val="90000"/>
+              </a:schemeClr>
+            </a:gs>
+          </a:gsLst>
+          <a:lin ang="5400000" scaled="0"/>
+        </a:gradFill>
+        <a:ln>
+          <a:noFill/>
         </a:ln>
-        <a:effectLst/>
+        <a:effectLst>
+          <a:outerShdw blurRad="63500" dist="25400" dir="5400000" rotWithShape="0">
+            <a:srgbClr val="000000">
+              <a:alpha val="60000"/>
+            </a:srgbClr>
+          </a:outerShdw>
+        </a:effectLst>
       </dsp:spPr>
       <dsp:style>
-        <a:lnRef idx="2">
+        <a:lnRef idx="0">
           <a:scrgbClr r="0" g="0" b="0"/>
         </a:lnRef>
-        <a:fillRef idx="1">
+        <a:fillRef idx="3">
           <a:scrgbClr r="0" g="0" b="0"/>
         </a:fillRef>
-        <a:effectRef idx="0">
+        <a:effectRef idx="2">
           <a:scrgbClr r="0" g="0" b="0"/>
         </a:effectRef>
         <a:fontRef idx="minor">
@@ -2699,12 +2748,12 @@
         </a:fontRef>
       </dsp:style>
       <dsp:txBody>
-        <a:bodyPr spcFirstLastPara="0" vert="horz" wrap="square" lIns="166934" tIns="0" rIns="166934" bIns="0" numCol="1" spcCol="1270" anchor="ctr" anchorCtr="0">
+        <a:bodyPr spcFirstLastPara="0" vert="horz" wrap="square" lIns="273941" tIns="0" rIns="273941" bIns="0" numCol="1" spcCol="1270" anchor="ctr" anchorCtr="0">
           <a:noAutofit/>
         </a:bodyPr>
         <a:lstStyle/>
         <a:p>
-          <a:pPr marL="0" lvl="0" indent="0" algn="l" defTabSz="889000">
+          <a:pPr marL="0" lvl="0" indent="0" algn="l" defTabSz="844550">
             <a:lnSpc>
               <a:spcPct val="90000"/>
             </a:lnSpc>
@@ -2718,31 +2767,31 @@
             <a:defRPr b="1"/>
           </a:pPr>
           <a:r>
-            <a:rPr lang="en-US" sz="2000" kern="1200"/>
+            <a:rPr lang="en-US" sz="1900" kern="1200" dirty="0"/>
             <a:t>Data Analysis</a:t>
           </a:r>
         </a:p>
       </dsp:txBody>
       <dsp:txXfrm>
-        <a:off x="344286" y="117344"/>
-        <a:ext cx="4358868" cy="532758"/>
+        <a:off x="545063" y="75557"/>
+        <a:ext cx="7192812" cy="506120"/>
       </dsp:txXfrm>
     </dsp:sp>
-    <dsp:sp modelId="{52B7DB08-2D23-4AF4-BE02-BAC9B475BB6B}">
+    <dsp:sp modelId="{F17A2036-3C25-4010-B556-E88D4973898B}">
       <dsp:nvSpPr>
         <dsp:cNvPr id="0" name=""/>
         <dsp:cNvSpPr/>
       </dsp:nvSpPr>
       <dsp:spPr>
         <a:xfrm>
-          <a:off x="0" y="3495924"/>
-          <a:ext cx="6309300" cy="1134000"/>
+          <a:off x="0" y="3584457"/>
+          <a:ext cx="10353675" cy="1077300"/>
         </a:xfrm>
         <a:prstGeom prst="rect">
           <a:avLst/>
         </a:prstGeom>
         <a:solidFill>
-          <a:schemeClr val="lt1">
+          <a:schemeClr val="lt2">
             <a:alpha val="90000"/>
             <a:hueOff val="0"/>
             <a:satOff val="0"/>
@@ -2750,12 +2799,12 @@
             <a:alphaOff val="0"/>
           </a:schemeClr>
         </a:solidFill>
-        <a:ln w="15875" cap="rnd" cmpd="sng" algn="ctr">
+        <a:ln w="9525" cap="rnd" cmpd="sng" algn="ctr">
           <a:solidFill>
-            <a:schemeClr val="accent2">
-              <a:hueOff val="-1459563"/>
-              <a:satOff val="-12734"/>
-              <a:lumOff val="-16471"/>
+            <a:schemeClr val="dk2">
+              <a:hueOff val="0"/>
+              <a:satOff val="0"/>
+              <a:lumOff val="0"/>
               <a:alphaOff val="0"/>
             </a:schemeClr>
           </a:solidFill>
@@ -2764,7 +2813,7 @@
         <a:effectLst/>
       </dsp:spPr>
       <dsp:style>
-        <a:lnRef idx="2">
+        <a:lnRef idx="1">
           <a:scrgbClr r="0" g="0" b="0"/>
         </a:lnRef>
         <a:fillRef idx="1">
@@ -2776,12 +2825,12 @@
         <a:fontRef idx="minor"/>
       </dsp:style>
       <dsp:txBody>
-        <a:bodyPr spcFirstLastPara="0" vert="horz" wrap="square" lIns="489672" tIns="416560" rIns="489672" bIns="142240" numCol="1" spcCol="1270" anchor="t" anchorCtr="0">
+        <a:bodyPr spcFirstLastPara="0" vert="horz" wrap="square" lIns="803560" tIns="395732" rIns="803560" bIns="135128" numCol="1" spcCol="1270" anchor="t" anchorCtr="0">
           <a:noAutofit/>
         </a:bodyPr>
         <a:lstStyle/>
         <a:p>
-          <a:pPr marL="228600" lvl="1" indent="-228600" algn="l" defTabSz="889000">
+          <a:pPr marL="171450" lvl="1" indent="-171450" algn="l" defTabSz="844550">
             <a:lnSpc>
               <a:spcPct val="90000"/>
             </a:lnSpc>
@@ -2794,12 +2843,12 @@
             <a:buChar char="•"/>
           </a:pPr>
           <a:r>
-            <a:rPr lang="en-US" sz="2000" kern="1200"/>
-            <a:t>Training the Model</a:t>
+            <a:rPr lang="en-US" sz="1900" kern="1200" dirty="0"/>
+            <a:t>Training and Evaluating a Decision Tree Model</a:t>
           </a:r>
         </a:p>
         <a:p>
-          <a:pPr marL="228600" lvl="1" indent="-228600" algn="l" defTabSz="889000" rtl="0">
+          <a:pPr marL="171450" lvl="1" indent="-171450" algn="l" defTabSz="844550" rtl="0">
             <a:lnSpc>
               <a:spcPct val="90000"/>
             </a:lnSpc>
@@ -2812,58 +2861,73 @@
             <a:buChar char="•"/>
           </a:pPr>
           <a:r>
-            <a:rPr lang="en-US" sz="2000" kern="1200"/>
-            <a:t>Evaluating the Model</a:t>
+            <a:rPr lang="en-US" sz="1900" kern="1200" dirty="0"/>
+            <a:t>Training and Evaluating a Logistic Regression Model</a:t>
           </a:r>
         </a:p>
       </dsp:txBody>
       <dsp:txXfrm>
-        <a:off x="0" y="3495924"/>
-        <a:ext cx="6309300" cy="1134000"/>
+        <a:off x="0" y="3584457"/>
+        <a:ext cx="10353675" cy="1077300"/>
       </dsp:txXfrm>
     </dsp:sp>
-    <dsp:sp modelId="{F24AFA65-60ED-475C-BC78-2576FBFDBC04}">
+    <dsp:sp modelId="{27DC79A5-FFBA-4970-9934-AF095E4540D4}">
       <dsp:nvSpPr>
         <dsp:cNvPr id="0" name=""/>
         <dsp:cNvSpPr/>
       </dsp:nvSpPr>
       <dsp:spPr>
         <a:xfrm>
-          <a:off x="315465" y="3200724"/>
-          <a:ext cx="4416510" cy="590400"/>
+          <a:off x="517683" y="3304017"/>
+          <a:ext cx="7247572" cy="560880"/>
         </a:xfrm>
         <a:prstGeom prst="roundRect">
           <a:avLst/>
         </a:prstGeom>
-        <a:solidFill>
-          <a:schemeClr val="accent2">
-            <a:hueOff val="-1459563"/>
-            <a:satOff val="-12734"/>
-            <a:lumOff val="-16471"/>
-            <a:alphaOff val="0"/>
-          </a:schemeClr>
-        </a:solidFill>
-        <a:ln w="15875" cap="rnd" cmpd="sng" algn="ctr">
-          <a:solidFill>
-            <a:schemeClr val="lt1">
-              <a:hueOff val="0"/>
-              <a:satOff val="0"/>
-              <a:lumOff val="0"/>
-              <a:alphaOff val="0"/>
-            </a:schemeClr>
-          </a:solidFill>
-          <a:prstDash val="solid"/>
+        <a:gradFill rotWithShape="0">
+          <a:gsLst>
+            <a:gs pos="0">
+              <a:schemeClr val="dk2">
+                <a:hueOff val="0"/>
+                <a:satOff val="0"/>
+                <a:lumOff val="0"/>
+                <a:alphaOff val="0"/>
+                <a:tint val="96000"/>
+                <a:lumMod val="104000"/>
+              </a:schemeClr>
+            </a:gs>
+            <a:gs pos="100000">
+              <a:schemeClr val="dk2">
+                <a:hueOff val="0"/>
+                <a:satOff val="0"/>
+                <a:lumOff val="0"/>
+                <a:alphaOff val="0"/>
+                <a:shade val="90000"/>
+                <a:lumMod val="90000"/>
+              </a:schemeClr>
+            </a:gs>
+          </a:gsLst>
+          <a:lin ang="5400000" scaled="0"/>
+        </a:gradFill>
+        <a:ln>
+          <a:noFill/>
         </a:ln>
-        <a:effectLst/>
+        <a:effectLst>
+          <a:outerShdw blurRad="63500" dist="25400" dir="5400000" rotWithShape="0">
+            <a:srgbClr val="000000">
+              <a:alpha val="60000"/>
+            </a:srgbClr>
+          </a:outerShdw>
+        </a:effectLst>
       </dsp:spPr>
       <dsp:style>
-        <a:lnRef idx="2">
+        <a:lnRef idx="0">
           <a:scrgbClr r="0" g="0" b="0"/>
         </a:lnRef>
-        <a:fillRef idx="1">
+        <a:fillRef idx="3">
           <a:scrgbClr r="0" g="0" b="0"/>
         </a:fillRef>
-        <a:effectRef idx="0">
+        <a:effectRef idx="2">
           <a:scrgbClr r="0" g="0" b="0"/>
         </a:effectRef>
         <a:fontRef idx="minor">
@@ -2871,12 +2935,12 @@
         </a:fontRef>
       </dsp:style>
       <dsp:txBody>
-        <a:bodyPr spcFirstLastPara="0" vert="horz" wrap="square" lIns="166934" tIns="0" rIns="166934" bIns="0" numCol="1" spcCol="1270" anchor="ctr" anchorCtr="0">
+        <a:bodyPr spcFirstLastPara="0" vert="horz" wrap="square" lIns="273941" tIns="0" rIns="273941" bIns="0" numCol="1" spcCol="1270" anchor="ctr" anchorCtr="0">
           <a:noAutofit/>
         </a:bodyPr>
         <a:lstStyle/>
         <a:p>
-          <a:pPr marL="0" lvl="0" indent="0" algn="l" defTabSz="889000">
+          <a:pPr marL="0" lvl="0" indent="0" algn="l" defTabSz="844550">
             <a:lnSpc>
               <a:spcPct val="90000"/>
             </a:lnSpc>
@@ -2890,14 +2954,14 @@
             <a:defRPr b="1"/>
           </a:pPr>
           <a:r>
-            <a:rPr lang="en-US" sz="2000" kern="1200"/>
+            <a:rPr lang="en-US" sz="1900" kern="1200" dirty="0"/>
             <a:t>Machine Learning</a:t>
           </a:r>
         </a:p>
       </dsp:txBody>
       <dsp:txXfrm>
-        <a:off x="344286" y="3229545"/>
-        <a:ext cx="4358868" cy="532758"/>
+        <a:off x="545063" y="3331397"/>
+        <a:ext cx="7192812" cy="506120"/>
       </dsp:txXfrm>
     </dsp:sp>
   </dsp:spTree>
@@ -3973,11 +4037,11 @@
 </file>
 
 <file path=ppt/diagrams/quickStyle1.xml><?xml version="1.0" encoding="utf-8"?>
-<dgm:styleDef xmlns:dgm="http://schemas.openxmlformats.org/drawingml/2006/diagram" xmlns:a="http://schemas.openxmlformats.org/drawingml/2006/main" uniqueId="urn:microsoft.com/office/officeart/2005/8/quickstyle/simple1">
+<dgm:styleDef xmlns:dgm="http://schemas.openxmlformats.org/drawingml/2006/diagram" xmlns:a="http://schemas.openxmlformats.org/drawingml/2006/main" uniqueId="urn:microsoft.com/office/officeart/2005/8/quickstyle/simple4">
   <dgm:title val=""/>
   <dgm:desc val=""/>
   <dgm:catLst>
-    <dgm:cat type="simple" pri="10100"/>
+    <dgm:cat type="simple" pri="10400"/>
   </dgm:catLst>
   <dgm:scene3d>
     <a:camera prst="orthographicFront"/>
@@ -3991,13 +4055,13 @@
     <dgm:sp3d/>
     <dgm:txPr/>
     <dgm:style>
-      <a:lnRef idx="2">
+      <a:lnRef idx="0">
         <a:scrgbClr r="0" g="0" b="0"/>
       </a:lnRef>
-      <a:fillRef idx="1">
+      <a:fillRef idx="3">
         <a:scrgbClr r="0" g="0" b="0"/>
       </a:fillRef>
-      <a:effectRef idx="0">
+      <a:effectRef idx="2">
         <a:scrgbClr r="0" g="0" b="0"/>
       </a:effectRef>
       <a:fontRef idx="minor">
@@ -4013,13 +4077,13 @@
     <dgm:sp3d/>
     <dgm:txPr/>
     <dgm:style>
-      <a:lnRef idx="2">
+      <a:lnRef idx="1">
         <a:scrgbClr r="0" g="0" b="0"/>
       </a:lnRef>
-      <a:fillRef idx="1">
+      <a:fillRef idx="3">
         <a:scrgbClr r="0" g="0" b="0"/>
       </a:fillRef>
-      <a:effectRef idx="0">
+      <a:effectRef idx="2">
         <a:scrgbClr r="0" g="0" b="0"/>
       </a:effectRef>
       <a:fontRef idx="minor">
@@ -4035,10 +4099,10 @@
     <dgm:sp3d/>
     <dgm:txPr/>
     <dgm:style>
-      <a:lnRef idx="2">
+      <a:lnRef idx="0">
         <a:scrgbClr r="0" g="0" b="0"/>
       </a:lnRef>
-      <a:fillRef idx="1">
+      <a:fillRef idx="3">
         <a:scrgbClr r="0" g="0" b="0"/>
       </a:fillRef>
       <a:effectRef idx="0">
@@ -4057,13 +4121,13 @@
     <dgm:sp3d/>
     <dgm:txPr/>
     <dgm:style>
-      <a:lnRef idx="2">
+      <a:lnRef idx="1">
         <a:scrgbClr r="0" g="0" b="0"/>
       </a:lnRef>
-      <a:fillRef idx="1">
+      <a:fillRef idx="3">
         <a:scrgbClr r="0" g="0" b="0"/>
       </a:fillRef>
-      <a:effectRef idx="0">
+      <a:effectRef idx="2">
         <a:scrgbClr r="0" g="0" b="0"/>
       </a:effectRef>
       <a:fontRef idx="minor">
@@ -4079,13 +4143,13 @@
     <dgm:sp3d/>
     <dgm:txPr/>
     <dgm:style>
-      <a:lnRef idx="2">
+      <a:lnRef idx="0">
         <a:scrgbClr r="0" g="0" b="0"/>
       </a:lnRef>
-      <a:fillRef idx="1">
+      <a:fillRef idx="3">
         <a:scrgbClr r="0" g="0" b="0"/>
       </a:fillRef>
-      <a:effectRef idx="0">
+      <a:effectRef idx="2">
         <a:scrgbClr r="0" g="0" b="0"/>
       </a:effectRef>
       <a:fontRef idx="minor">
@@ -4101,13 +4165,13 @@
     <dgm:sp3d/>
     <dgm:txPr/>
     <dgm:style>
-      <a:lnRef idx="2">
+      <a:lnRef idx="0">
         <a:scrgbClr r="0" g="0" b="0"/>
       </a:lnRef>
-      <a:fillRef idx="1">
+      <a:fillRef idx="3">
         <a:scrgbClr r="0" g="0" b="0"/>
       </a:fillRef>
-      <a:effectRef idx="0">
+      <a:effectRef idx="2">
         <a:scrgbClr r="0" g="0" b="0"/>
       </a:effectRef>
       <a:fontRef idx="minor">
@@ -4123,13 +4187,13 @@
     <dgm:sp3d/>
     <dgm:txPr/>
     <dgm:style>
-      <a:lnRef idx="2">
+      <a:lnRef idx="0">
         <a:scrgbClr r="0" g="0" b="0"/>
       </a:lnRef>
-      <a:fillRef idx="1">
+      <a:fillRef idx="3">
         <a:scrgbClr r="0" g="0" b="0"/>
       </a:fillRef>
-      <a:effectRef idx="0">
+      <a:effectRef idx="2">
         <a:scrgbClr r="0" g="0" b="0"/>
       </a:effectRef>
       <a:fontRef idx="minor">
@@ -4145,13 +4209,13 @@
     <dgm:sp3d/>
     <dgm:txPr/>
     <dgm:style>
-      <a:lnRef idx="2">
+      <a:lnRef idx="0">
         <a:scrgbClr r="0" g="0" b="0"/>
       </a:lnRef>
-      <a:fillRef idx="1">
+      <a:fillRef idx="3">
         <a:scrgbClr r="0" g="0" b="0"/>
       </a:fillRef>
-      <a:effectRef idx="0">
+      <a:effectRef idx="2">
         <a:scrgbClr r="0" g="0" b="0"/>
       </a:effectRef>
       <a:fontRef idx="minor">
@@ -4167,13 +4231,13 @@
     <dgm:sp3d/>
     <dgm:txPr/>
     <dgm:style>
-      <a:lnRef idx="2">
+      <a:lnRef idx="0">
         <a:scrgbClr r="0" g="0" b="0"/>
       </a:lnRef>
       <a:fillRef idx="1">
         <a:scrgbClr r="0" g="0" b="0"/>
       </a:fillRef>
-      <a:effectRef idx="0">
+      <a:effectRef idx="2">
         <a:scrgbClr r="0" g="0" b="0"/>
       </a:effectRef>
       <a:fontRef idx="minor"/>
@@ -4187,13 +4251,13 @@
     <dgm:sp3d/>
     <dgm:txPr/>
     <dgm:style>
-      <a:lnRef idx="2">
+      <a:lnRef idx="0">
         <a:scrgbClr r="0" g="0" b="0"/>
       </a:lnRef>
       <a:fillRef idx="1">
         <a:scrgbClr r="0" g="0" b="0"/>
       </a:fillRef>
-      <a:effectRef idx="0">
+      <a:effectRef idx="2">
         <a:scrgbClr r="0" g="0" b="0"/>
       </a:effectRef>
       <a:fontRef idx="minor"/>
@@ -4207,13 +4271,13 @@
     <dgm:sp3d/>
     <dgm:txPr/>
     <dgm:style>
-      <a:lnRef idx="2">
+      <a:lnRef idx="0">
         <a:scrgbClr r="0" g="0" b="0"/>
       </a:lnRef>
       <a:fillRef idx="1">
         <a:scrgbClr r="0" g="0" b="0"/>
       </a:fillRef>
-      <a:effectRef idx="0">
+      <a:effectRef idx="2">
         <a:scrgbClr r="0" g="0" b="0"/>
       </a:effectRef>
       <a:fontRef idx="minor"/>
@@ -4230,10 +4294,10 @@
       <a:lnRef idx="0">
         <a:scrgbClr r="0" g="0" b="0"/>
       </a:lnRef>
-      <a:fillRef idx="1">
+      <a:fillRef idx="3">
         <a:scrgbClr r="0" g="0" b="0"/>
       </a:fillRef>
-      <a:effectRef idx="0">
+      <a:effectRef idx="2">
         <a:scrgbClr r="0" g="0" b="0"/>
       </a:effectRef>
       <a:fontRef idx="minor">
@@ -4252,10 +4316,10 @@
       <a:lnRef idx="0">
         <a:scrgbClr r="0" g="0" b="0"/>
       </a:lnRef>
-      <a:fillRef idx="1">
+      <a:fillRef idx="3">
         <a:scrgbClr r="0" g="0" b="0"/>
       </a:fillRef>
-      <a:effectRef idx="0">
+      <a:effectRef idx="2">
         <a:scrgbClr r="0" g="0" b="0"/>
       </a:effectRef>
       <a:fontRef idx="minor">
@@ -4274,10 +4338,10 @@
       <a:lnRef idx="0">
         <a:scrgbClr r="0" g="0" b="0"/>
       </a:lnRef>
-      <a:fillRef idx="1">
+      <a:fillRef idx="3">
         <a:scrgbClr r="0" g="0" b="0"/>
       </a:fillRef>
-      <a:effectRef idx="0">
+      <a:effectRef idx="2">
         <a:scrgbClr r="0" g="0" b="0"/>
       </a:effectRef>
       <a:fontRef idx="minor">
@@ -4319,7 +4383,7 @@
       <a:fillRef idx="1">
         <a:scrgbClr r="0" g="0" b="0"/>
       </a:fillRef>
-      <a:effectRef idx="0">
+      <a:effectRef idx="1">
         <a:scrgbClr r="0" g="0" b="0"/>
       </a:effectRef>
       <a:fontRef idx="minor"/>
@@ -4333,13 +4397,13 @@
     <dgm:sp3d/>
     <dgm:txPr/>
     <dgm:style>
-      <a:lnRef idx="2">
+      <a:lnRef idx="0">
         <a:scrgbClr r="0" g="0" b="0"/>
       </a:lnRef>
-      <a:fillRef idx="1">
+      <a:fillRef idx="3">
         <a:scrgbClr r="0" g="0" b="0"/>
       </a:fillRef>
-      <a:effectRef idx="0">
+      <a:effectRef idx="2">
         <a:scrgbClr r="0" g="0" b="0"/>
       </a:effectRef>
       <a:fontRef idx="minor">
@@ -4355,13 +4419,13 @@
     <dgm:sp3d/>
     <dgm:txPr/>
     <dgm:style>
-      <a:lnRef idx="2">
+      <a:lnRef idx="0">
         <a:scrgbClr r="0" g="0" b="0"/>
       </a:lnRef>
-      <a:fillRef idx="1">
+      <a:fillRef idx="3">
         <a:scrgbClr r="0" g="0" b="0"/>
       </a:fillRef>
-      <a:effectRef idx="0">
+      <a:effectRef idx="2">
         <a:scrgbClr r="0" g="0" b="0"/>
       </a:effectRef>
       <a:fontRef idx="minor">
@@ -4377,13 +4441,13 @@
     <dgm:sp3d/>
     <dgm:txPr/>
     <dgm:style>
-      <a:lnRef idx="2">
+      <a:lnRef idx="0">
         <a:scrgbClr r="0" g="0" b="0"/>
       </a:lnRef>
-      <a:fillRef idx="1">
+      <a:fillRef idx="3">
         <a:scrgbClr r="0" g="0" b="0"/>
       </a:fillRef>
-      <a:effectRef idx="0">
+      <a:effectRef idx="2">
         <a:scrgbClr r="0" g="0" b="0"/>
       </a:effectRef>
       <a:fontRef idx="minor">
@@ -4399,13 +4463,13 @@
     <dgm:sp3d/>
     <dgm:txPr/>
     <dgm:style>
-      <a:lnRef idx="2">
+      <a:lnRef idx="0">
         <a:scrgbClr r="0" g="0" b="0"/>
       </a:lnRef>
-      <a:fillRef idx="1">
+      <a:fillRef idx="3">
         <a:scrgbClr r="0" g="0" b="0"/>
       </a:fillRef>
-      <a:effectRef idx="0">
+      <a:effectRef idx="2">
         <a:scrgbClr r="0" g="0" b="0"/>
       </a:effectRef>
       <a:fontRef idx="minor">
@@ -4421,13 +4485,13 @@
     <dgm:sp3d/>
     <dgm:txPr/>
     <dgm:style>
-      <a:lnRef idx="2">
+      <a:lnRef idx="0">
         <a:scrgbClr r="0" g="0" b="0"/>
       </a:lnRef>
-      <a:fillRef idx="1">
+      <a:fillRef idx="3">
         <a:scrgbClr r="0" g="0" b="0"/>
       </a:fillRef>
-      <a:effectRef idx="0">
+      <a:effectRef idx="2">
         <a:scrgbClr r="0" g="0" b="0"/>
       </a:effectRef>
       <a:fontRef idx="minor">
@@ -4443,13 +4507,13 @@
     <dgm:sp3d/>
     <dgm:txPr/>
     <dgm:style>
-      <a:lnRef idx="2">
+      <a:lnRef idx="0">
         <a:scrgbClr r="0" g="0" b="0"/>
       </a:lnRef>
-      <a:fillRef idx="1">
+      <a:fillRef idx="3">
         <a:scrgbClr r="0" g="0" b="0"/>
       </a:fillRef>
-      <a:effectRef idx="0">
+      <a:effectRef idx="2">
         <a:scrgbClr r="0" g="0" b="0"/>
       </a:effectRef>
       <a:fontRef idx="minor">
@@ -4465,13 +4529,13 @@
     <dgm:sp3d/>
     <dgm:txPr/>
     <dgm:style>
-      <a:lnRef idx="2">
+      <a:lnRef idx="0">
         <a:scrgbClr r="0" g="0" b="0"/>
       </a:lnRef>
-      <a:fillRef idx="1">
+      <a:fillRef idx="3">
         <a:scrgbClr r="0" g="0" b="0"/>
       </a:fillRef>
-      <a:effectRef idx="0">
+      <a:effectRef idx="2">
         <a:scrgbClr r="0" g="0" b="0"/>
       </a:effectRef>
       <a:fontRef idx="minor">
@@ -4487,13 +4551,13 @@
     <dgm:sp3d/>
     <dgm:txPr/>
     <dgm:style>
-      <a:lnRef idx="2">
+      <a:lnRef idx="1">
         <a:scrgbClr r="0" g="0" b="0"/>
       </a:lnRef>
-      <a:fillRef idx="1">
+      <a:fillRef idx="3">
         <a:scrgbClr r="0" g="0" b="0"/>
       </a:fillRef>
-      <a:effectRef idx="0">
+      <a:effectRef idx="2">
         <a:scrgbClr r="0" g="0" b="0"/>
       </a:effectRef>
       <a:fontRef idx="minor">
@@ -4509,13 +4573,13 @@
     <dgm:sp3d/>
     <dgm:txPr/>
     <dgm:style>
-      <a:lnRef idx="2">
+      <a:lnRef idx="1">
         <a:scrgbClr r="0" g="0" b="0"/>
       </a:lnRef>
-      <a:fillRef idx="1">
+      <a:fillRef idx="3">
         <a:scrgbClr r="0" g="0" b="0"/>
       </a:fillRef>
-      <a:effectRef idx="0">
+      <a:effectRef idx="2">
         <a:scrgbClr r="0" g="0" b="0"/>
       </a:effectRef>
       <a:fontRef idx="minor">
@@ -4531,7 +4595,7 @@
     <dgm:sp3d/>
     <dgm:txPr/>
     <dgm:style>
-      <a:lnRef idx="2">
+      <a:lnRef idx="1">
         <a:scrgbClr r="0" g="0" b="0"/>
       </a:lnRef>
       <a:fillRef idx="0">
@@ -4551,7 +4615,7 @@
     <dgm:sp3d/>
     <dgm:txPr/>
     <dgm:style>
-      <a:lnRef idx="2">
+      <a:lnRef idx="1">
         <a:scrgbClr r="0" g="0" b="0"/>
       </a:lnRef>
       <a:fillRef idx="0">
@@ -4571,7 +4635,7 @@
     <dgm:sp3d/>
     <dgm:txPr/>
     <dgm:style>
-      <a:lnRef idx="2">
+      <a:lnRef idx="1">
         <a:scrgbClr r="0" g="0" b="0"/>
       </a:lnRef>
       <a:fillRef idx="0">
@@ -4591,7 +4655,7 @@
     <dgm:sp3d/>
     <dgm:txPr/>
     <dgm:style>
-      <a:lnRef idx="2">
+      <a:lnRef idx="1">
         <a:scrgbClr r="0" g="0" b="0"/>
       </a:lnRef>
       <a:fillRef idx="0">
@@ -4611,7 +4675,7 @@
     <dgm:sp3d/>
     <dgm:txPr/>
     <dgm:style>
-      <a:lnRef idx="2">
+      <a:lnRef idx="1">
         <a:scrgbClr r="0" g="0" b="0"/>
       </a:lnRef>
       <a:fillRef idx="1">
@@ -4631,7 +4695,7 @@
     <dgm:sp3d/>
     <dgm:txPr/>
     <dgm:style>
-      <a:lnRef idx="2">
+      <a:lnRef idx="1">
         <a:scrgbClr r="0" g="0" b="0"/>
       </a:lnRef>
       <a:fillRef idx="1">
@@ -4651,7 +4715,7 @@
     <dgm:sp3d/>
     <dgm:txPr/>
     <dgm:style>
-      <a:lnRef idx="2">
+      <a:lnRef idx="1">
         <a:scrgbClr r="0" g="0" b="0"/>
       </a:lnRef>
       <a:fillRef idx="1">
@@ -4691,7 +4755,7 @@
     <dgm:sp3d/>
     <dgm:txPr/>
     <dgm:style>
-      <a:lnRef idx="2">
+      <a:lnRef idx="1">
         <a:scrgbClr r="0" g="0" b="0"/>
       </a:lnRef>
       <a:fillRef idx="1">
@@ -4711,7 +4775,7 @@
     <dgm:sp3d/>
     <dgm:txPr/>
     <dgm:style>
-      <a:lnRef idx="2">
+      <a:lnRef idx="1">
         <a:scrgbClr r="0" g="0" b="0"/>
       </a:lnRef>
       <a:fillRef idx="1">
@@ -4731,7 +4795,7 @@
     <dgm:sp3d/>
     <dgm:txPr/>
     <dgm:style>
-      <a:lnRef idx="2">
+      <a:lnRef idx="1">
         <a:scrgbClr r="0" g="0" b="0"/>
       </a:lnRef>
       <a:fillRef idx="1">
@@ -4751,7 +4815,7 @@
     <dgm:sp3d/>
     <dgm:txPr/>
     <dgm:style>
-      <a:lnRef idx="2">
+      <a:lnRef idx="1">
         <a:scrgbClr r="0" g="0" b="0"/>
       </a:lnRef>
       <a:fillRef idx="1">
@@ -4771,7 +4835,7 @@
     <dgm:sp3d/>
     <dgm:txPr/>
     <dgm:style>
-      <a:lnRef idx="2">
+      <a:lnRef idx="1">
         <a:scrgbClr r="0" g="0" b="0"/>
       </a:lnRef>
       <a:fillRef idx="1">
@@ -4791,7 +4855,7 @@
     <dgm:sp3d/>
     <dgm:txPr/>
     <dgm:style>
-      <a:lnRef idx="2">
+      <a:lnRef idx="1">
         <a:scrgbClr r="0" g="0" b="0"/>
       </a:lnRef>
       <a:fillRef idx="1">
@@ -4811,7 +4875,7 @@
     <dgm:sp3d/>
     <dgm:txPr/>
     <dgm:style>
-      <a:lnRef idx="2">
+      <a:lnRef idx="1">
         <a:scrgbClr r="0" g="0" b="0"/>
       </a:lnRef>
       <a:fillRef idx="1">
@@ -4831,7 +4895,7 @@
     <dgm:sp3d/>
     <dgm:txPr/>
     <dgm:style>
-      <a:lnRef idx="2">
+      <a:lnRef idx="1">
         <a:scrgbClr r="0" g="0" b="0"/>
       </a:lnRef>
       <a:fillRef idx="1">
@@ -4851,7 +4915,7 @@
     <dgm:sp3d/>
     <dgm:txPr/>
     <dgm:style>
-      <a:lnRef idx="2">
+      <a:lnRef idx="1">
         <a:scrgbClr r="0" g="0" b="0"/>
       </a:lnRef>
       <a:fillRef idx="1">
@@ -4871,7 +4935,7 @@
     <dgm:sp3d/>
     <dgm:txPr/>
     <dgm:style>
-      <a:lnRef idx="2">
+      <a:lnRef idx="1">
         <a:scrgbClr r="0" g="0" b="0"/>
       </a:lnRef>
       <a:fillRef idx="1">
@@ -4891,7 +4955,7 @@
     <dgm:sp3d/>
     <dgm:txPr/>
     <dgm:style>
-      <a:lnRef idx="2">
+      <a:lnRef idx="1">
         <a:scrgbClr r="0" g="0" b="0"/>
       </a:lnRef>
       <a:fillRef idx="1">
@@ -4917,7 +4981,7 @@
       <a:fillRef idx="1">
         <a:scrgbClr r="0" g="0" b="0"/>
       </a:fillRef>
-      <a:effectRef idx="0">
+      <a:effectRef idx="2">
         <a:scrgbClr r="0" g="0" b="0"/>
       </a:effectRef>
       <a:fontRef idx="minor"/>
@@ -4937,7 +5001,7 @@
       <a:fillRef idx="1">
         <a:scrgbClr r="0" g="0" b="0"/>
       </a:fillRef>
-      <a:effectRef idx="0">
+      <a:effectRef idx="2">
         <a:scrgbClr r="0" g="0" b="0"/>
       </a:effectRef>
       <a:fontRef idx="minor"/>
@@ -4971,13 +5035,13 @@
     <dgm:sp3d/>
     <dgm:txPr/>
     <dgm:style>
-      <a:lnRef idx="2">
+      <a:lnRef idx="0">
         <a:scrgbClr r="0" g="0" b="0"/>
       </a:lnRef>
-      <a:fillRef idx="1">
+      <a:fillRef idx="3">
         <a:scrgbClr r="0" g="0" b="0"/>
       </a:fillRef>
-      <a:effectRef idx="0">
+      <a:effectRef idx="2">
         <a:scrgbClr r="0" g="0" b="0"/>
       </a:effectRef>
       <a:fontRef idx="minor"/>
@@ -6122,7 +6186,7 @@
           <a:p>
             <a:fld id="{2A4A9800-5339-4724-9091-C84BEA1AA2F7}" type="datetimeFigureOut">
               <a:rPr lang="en-GB" smtClean="0"/>
-              <a:t>24/12/2021</a:t>
+              <a:t>25/12/2021</a:t>
             </a:fld>
             <a:endParaRPr lang="en-GB"/>
           </a:p>
@@ -6953,7 +7017,7 @@
           <a:p>
             <a:fld id="{02AC24A9-CCB6-4F8D-B8DB-C2F3692CFA5A}" type="datetimeFigureOut">
               <a:rPr lang="en-US" smtClean="0"/>
-              <a:t>12/24/2021</a:t>
+              <a:t>12/25/2021</a:t>
             </a:fld>
             <a:endParaRPr lang="en-US" dirty="0"/>
           </a:p>
@@ -7251,7 +7315,7 @@
           <a:p>
             <a:fld id="{02AC24A9-CCB6-4F8D-B8DB-C2F3692CFA5A}" type="datetimeFigureOut">
               <a:rPr lang="en-US" smtClean="0"/>
-              <a:t>12/24/2021</a:t>
+              <a:t>12/25/2021</a:t>
             </a:fld>
             <a:endParaRPr lang="en-US"/>
           </a:p>
@@ -7443,7 +7507,7 @@
           <a:p>
             <a:fld id="{02AC24A9-CCB6-4F8D-B8DB-C2F3692CFA5A}" type="datetimeFigureOut">
               <a:rPr lang="en-US" smtClean="0"/>
-              <a:t>12/24/2021</a:t>
+              <a:t>12/25/2021</a:t>
             </a:fld>
             <a:endParaRPr lang="en-US"/>
           </a:p>
@@ -7704,7 +7768,7 @@
           <a:p>
             <a:fld id="{02AC24A9-CCB6-4F8D-B8DB-C2F3692CFA5A}" type="datetimeFigureOut">
               <a:rPr lang="en-US" smtClean="0"/>
-              <a:t>12/24/2021</a:t>
+              <a:t>12/25/2021</a:t>
             </a:fld>
             <a:endParaRPr lang="en-US"/>
           </a:p>
@@ -8128,7 +8192,7 @@
           <a:p>
             <a:fld id="{02AC24A9-CCB6-4F8D-B8DB-C2F3692CFA5A}" type="datetimeFigureOut">
               <a:rPr lang="en-US" smtClean="0"/>
-              <a:t>12/24/2021</a:t>
+              <a:t>12/25/2021</a:t>
             </a:fld>
             <a:endParaRPr lang="en-US"/>
           </a:p>
@@ -8665,7 +8729,7 @@
           <a:p>
             <a:fld id="{02AC24A9-CCB6-4F8D-B8DB-C2F3692CFA5A}" type="datetimeFigureOut">
               <a:rPr lang="en-US" smtClean="0"/>
-              <a:t>12/24/2021</a:t>
+              <a:t>12/25/2021</a:t>
             </a:fld>
             <a:endParaRPr lang="en-US"/>
           </a:p>
@@ -9529,7 +9593,7 @@
           <a:p>
             <a:fld id="{02AC24A9-CCB6-4F8D-B8DB-C2F3692CFA5A}" type="datetimeFigureOut">
               <a:rPr lang="en-US" smtClean="0"/>
-              <a:t>12/24/2021</a:t>
+              <a:t>12/25/2021</a:t>
             </a:fld>
             <a:endParaRPr lang="en-US"/>
           </a:p>
@@ -9699,7 +9763,7 @@
           <a:p>
             <a:fld id="{02AC24A9-CCB6-4F8D-B8DB-C2F3692CFA5A}" type="datetimeFigureOut">
               <a:rPr lang="en-US" smtClean="0"/>
-              <a:t>12/24/2021</a:t>
+              <a:t>12/25/2021</a:t>
             </a:fld>
             <a:endParaRPr lang="en-US"/>
           </a:p>
@@ -9883,7 +9947,7 @@
           <a:p>
             <a:fld id="{02AC24A9-CCB6-4F8D-B8DB-C2F3692CFA5A}" type="datetimeFigureOut">
               <a:rPr lang="en-US" smtClean="0"/>
-              <a:t>12/24/2021</a:t>
+              <a:t>12/25/2021</a:t>
             </a:fld>
             <a:endParaRPr lang="en-US"/>
           </a:p>
@@ -10053,7 +10117,7 @@
           <a:p>
             <a:fld id="{02AC24A9-CCB6-4F8D-B8DB-C2F3692CFA5A}" type="datetimeFigureOut">
               <a:rPr lang="en-US" smtClean="0"/>
-              <a:t>12/24/2021</a:t>
+              <a:t>12/25/2021</a:t>
             </a:fld>
             <a:endParaRPr lang="en-US"/>
           </a:p>
@@ -10297,7 +10361,7 @@
           <a:p>
             <a:fld id="{02AC24A9-CCB6-4F8D-B8DB-C2F3692CFA5A}" type="datetimeFigureOut">
               <a:rPr lang="en-US" smtClean="0"/>
-              <a:t>12/24/2021</a:t>
+              <a:t>12/25/2021</a:t>
             </a:fld>
             <a:endParaRPr lang="en-US"/>
           </a:p>
@@ -10533,7 +10597,7 @@
           <a:p>
             <a:fld id="{02AC24A9-CCB6-4F8D-B8DB-C2F3692CFA5A}" type="datetimeFigureOut">
               <a:rPr lang="en-US" smtClean="0"/>
-              <a:t>12/24/2021</a:t>
+              <a:t>12/25/2021</a:t>
             </a:fld>
             <a:endParaRPr lang="en-US"/>
           </a:p>
@@ -10999,7 +11063,7 @@
           <a:p>
             <a:fld id="{02AC24A9-CCB6-4F8D-B8DB-C2F3692CFA5A}" type="datetimeFigureOut">
               <a:rPr lang="en-US" smtClean="0"/>
-              <a:t>12/24/2021</a:t>
+              <a:t>12/25/2021</a:t>
             </a:fld>
             <a:endParaRPr lang="en-US"/>
           </a:p>
@@ -11117,7 +11181,7 @@
           <a:p>
             <a:fld id="{02AC24A9-CCB6-4F8D-B8DB-C2F3692CFA5A}" type="datetimeFigureOut">
               <a:rPr lang="en-US" smtClean="0"/>
-              <a:t>12/24/2021</a:t>
+              <a:t>12/25/2021</a:t>
             </a:fld>
             <a:endParaRPr lang="en-US"/>
           </a:p>
@@ -11212,7 +11276,7 @@
           <a:p>
             <a:fld id="{02AC24A9-CCB6-4F8D-B8DB-C2F3692CFA5A}" type="datetimeFigureOut">
               <a:rPr lang="en-US" smtClean="0"/>
-              <a:t>12/24/2021</a:t>
+              <a:t>12/25/2021</a:t>
             </a:fld>
             <a:endParaRPr lang="en-US"/>
           </a:p>
@@ -11467,7 +11531,7 @@
           <a:p>
             <a:fld id="{02AC24A9-CCB6-4F8D-B8DB-C2F3692CFA5A}" type="datetimeFigureOut">
               <a:rPr lang="en-US" smtClean="0"/>
-              <a:t>12/24/2021</a:t>
+              <a:t>12/25/2021</a:t>
             </a:fld>
             <a:endParaRPr lang="en-US" dirty="0"/>
           </a:p>
@@ -11767,7 +11831,7 @@
           <a:p>
             <a:fld id="{02AC24A9-CCB6-4F8D-B8DB-C2F3692CFA5A}" type="datetimeFigureOut">
               <a:rPr lang="en-US" smtClean="0"/>
-              <a:t>12/24/2021</a:t>
+              <a:t>12/25/2021</a:t>
             </a:fld>
             <a:endParaRPr lang="en-US"/>
           </a:p>
@@ -12001,7 +12065,7 @@
           <a:p>
             <a:fld id="{02AC24A9-CCB6-4F8D-B8DB-C2F3692CFA5A}" type="datetimeFigureOut">
               <a:rPr lang="en-US" smtClean="0"/>
-              <a:t>12/24/2021</a:t>
+              <a:t>12/25/2021</a:t>
             </a:fld>
             <a:endParaRPr lang="en-US"/>
           </a:p>
@@ -12740,7 +12804,7 @@
           </a:effectLst>
           <a:extLst>
             <a:ext uri="{91240B29-F687-4f45-9708-019B960494DF}">
-              <a14:hiddenLine xmlns="" xmlns:a16="http://schemas.microsoft.com/office/drawing/2014/main" xmlns:p14="http://schemas.microsoft.com/office/powerpoint/2010/main" xmlns:a14="http://schemas.microsoft.com/office/drawing/2010/main" w="9525">
+              <a14:hiddenLine xmlns:a14="http://schemas.microsoft.com/office/drawing/2010/main" xmlns:p14="http://schemas.microsoft.com/office/powerpoint/2010/main" xmlns:a16="http://schemas.microsoft.com/office/drawing/2014/main" xmlns="" w="9525">
                 <a:solidFill>
                   <a:srgbClr val="000000"/>
                 </a:solidFill>
@@ -13475,6 +13539,12 @@
               <a:rPr lang="en-US" sz="2400" dirty="0"/>
               <a:t>For exploratory data analysis, we will create some count plots to help us get some insight about how the data columns are related. For each plot we will create two versions, one for the passengers who survived, and the other for those who didn’t.</a:t>
             </a:r>
+          </a:p>
+          <a:p>
+            <a:r>
+              <a:rPr lang="en-US" sz="2400" dirty="0"/>
+              <a:t>We will next give a brief look to each of those plots.</a:t>
+            </a:r>
             <a:endParaRPr lang="en-GB" sz="2400" dirty="0"/>
           </a:p>
         </p:txBody>
@@ -13493,6 +13563,1255 @@
 </file>
 
 <file path=ppt/slides/slide11.xml><?xml version="1.0" encoding="utf-8"?>
+<p:sld xmlns:a="http://schemas.openxmlformats.org/drawingml/2006/main" xmlns:r="http://schemas.openxmlformats.org/officeDocument/2006/relationships" xmlns:p="http://schemas.openxmlformats.org/presentationml/2006/main">
+  <p:cSld>
+    <p:bg>
+      <p:bgPr>
+        <a:blipFill rotWithShape="1">
+          <a:blip r:embed="rId2">
+            <a:duotone>
+              <a:schemeClr val="bg2">
+                <a:shade val="80000"/>
+                <a:lumMod val="80000"/>
+              </a:schemeClr>
+              <a:schemeClr val="bg2">
+                <a:tint val="98000"/>
+              </a:schemeClr>
+            </a:duotone>
+          </a:blip>
+          <a:stretch/>
+        </a:blipFill>
+        <a:effectLst/>
+      </p:bgPr>
+    </p:bg>
+    <p:spTree>
+      <p:nvGrpSpPr>
+        <p:cNvPr id="1" name=""/>
+        <p:cNvGrpSpPr/>
+        <p:nvPr/>
+      </p:nvGrpSpPr>
+      <p:grpSpPr>
+        <a:xfrm>
+          <a:off x="0" y="0"/>
+          <a:ext cx="0" cy="0"/>
+          <a:chOff x="0" y="0"/>
+          <a:chExt cx="0" cy="0"/>
+        </a:xfrm>
+      </p:grpSpPr>
+      <p:sp>
+        <p:nvSpPr>
+          <p:cNvPr id="2" name="Title 1">
+            <a:extLst>
+              <a:ext uri="{FF2B5EF4-FFF2-40B4-BE49-F238E27FC236}">
+                <a16:creationId xmlns:a16="http://schemas.microsoft.com/office/drawing/2014/main" id="{9C1C460A-DE04-4868-B1C9-03C824A1E08B}"/>
+              </a:ext>
+            </a:extLst>
+          </p:cNvPr>
+          <p:cNvSpPr>
+            <a:spLocks noGrp="1"/>
+          </p:cNvSpPr>
+          <p:nvPr>
+            <p:ph type="title"/>
+          </p:nvPr>
+        </p:nvSpPr>
+        <p:spPr>
+          <a:xfrm>
+            <a:off x="707900" y="643467"/>
+            <a:ext cx="3946393" cy="1956298"/>
+          </a:xfrm>
+        </p:spPr>
+        <p:txBody>
+          <a:bodyPr>
+            <a:normAutofit/>
+          </a:bodyPr>
+          <a:lstStyle/>
+          <a:p>
+            <a:pPr algn="l"/>
+            <a:r>
+              <a:rPr lang="en-US" sz="3600">
+                <a:ln>
+                  <a:solidFill>
+                    <a:srgbClr val="404040">
+                      <a:alpha val="10000"/>
+                    </a:srgbClr>
+                  </a:solidFill>
+                </a:ln>
+              </a:rPr>
+              <a:t>EDA – Age</a:t>
+            </a:r>
+            <a:endParaRPr lang="en-GB" sz="3600">
+              <a:ln>
+                <a:solidFill>
+                  <a:srgbClr val="404040">
+                    <a:alpha val="10000"/>
+                  </a:srgbClr>
+                </a:solidFill>
+              </a:ln>
+            </a:endParaRPr>
+          </a:p>
+        </p:txBody>
+      </p:sp>
+      <p:sp>
+        <p:nvSpPr>
+          <p:cNvPr id="3" name="Content Placeholder 2">
+            <a:extLst>
+              <a:ext uri="{FF2B5EF4-FFF2-40B4-BE49-F238E27FC236}">
+                <a16:creationId xmlns:a16="http://schemas.microsoft.com/office/drawing/2014/main" id="{D361CC5C-566F-4AC0-8FFC-803D58F889AA}"/>
+              </a:ext>
+            </a:extLst>
+          </p:cNvPr>
+          <p:cNvSpPr>
+            <a:spLocks noGrp="1"/>
+          </p:cNvSpPr>
+          <p:nvPr>
+            <p:ph idx="1"/>
+          </p:nvPr>
+        </p:nvSpPr>
+        <p:spPr>
+          <a:xfrm>
+            <a:off x="5139768" y="643467"/>
+            <a:ext cx="6430560" cy="1956298"/>
+          </a:xfrm>
+        </p:spPr>
+        <p:txBody>
+          <a:bodyPr anchor="ctr">
+            <a:normAutofit/>
+          </a:bodyPr>
+          <a:lstStyle/>
+          <a:p>
+            <a:pPr marL="36900" indent="0">
+              <a:buClr>
+                <a:srgbClr val="7F9ECC"/>
+              </a:buClr>
+              <a:buNone/>
+            </a:pPr>
+            <a:r>
+              <a:rPr lang="en-US" dirty="0">
+                <a:ln>
+                  <a:solidFill>
+                    <a:srgbClr val="404040">
+                      <a:alpha val="10000"/>
+                    </a:srgbClr>
+                  </a:solidFill>
+                </a:ln>
+              </a:rPr>
+              <a:t>The ages of the passengers, either survived or not, seem to follow some kind of normal distribution.</a:t>
+            </a:r>
+            <a:endParaRPr lang="en-GB" dirty="0">
+              <a:ln>
+                <a:solidFill>
+                  <a:srgbClr val="404040">
+                    <a:alpha val="10000"/>
+                  </a:srgbClr>
+                </a:solidFill>
+              </a:ln>
+            </a:endParaRPr>
+          </a:p>
+        </p:txBody>
+      </p:sp>
+      <p:pic>
+        <p:nvPicPr>
+          <p:cNvPr id="7" name="Picture 6" descr="Chart, histogram&#10;&#10;Description automatically generated">
+            <a:extLst>
+              <a:ext uri="{FF2B5EF4-FFF2-40B4-BE49-F238E27FC236}">
+                <a16:creationId xmlns:a16="http://schemas.microsoft.com/office/drawing/2014/main" id="{39B721D0-B1C8-4715-93EE-E5B90ED683FD}"/>
+              </a:ext>
+            </a:extLst>
+          </p:cNvPr>
+          <p:cNvPicPr>
+            <a:picLocks noChangeAspect="1"/>
+          </p:cNvPicPr>
+          <p:nvPr/>
+        </p:nvPicPr>
+        <p:blipFill>
+          <a:blip r:embed="rId3">
+            <a:extLst>
+              <a:ext uri="{28A0092B-C50C-407E-A947-70E740481C1C}">
+                <a14:useLocalDpi xmlns:a14="http://schemas.microsoft.com/office/drawing/2010/main" val="0"/>
+              </a:ext>
+            </a:extLst>
+          </a:blip>
+          <a:stretch>
+            <a:fillRect/>
+          </a:stretch>
+        </p:blipFill>
+        <p:spPr>
+          <a:xfrm>
+            <a:off x="1344898" y="2233186"/>
+            <a:ext cx="8805970" cy="4270896"/>
+          </a:xfrm>
+          <a:prstGeom prst="rect">
+            <a:avLst/>
+          </a:prstGeom>
+        </p:spPr>
+      </p:pic>
+    </p:spTree>
+    <p:extLst>
+      <p:ext uri="{BB962C8B-B14F-4D97-AF65-F5344CB8AC3E}">
+        <p14:creationId xmlns:p14="http://schemas.microsoft.com/office/powerpoint/2010/main" val="3636247550"/>
+      </p:ext>
+    </p:extLst>
+  </p:cSld>
+  <p:clrMapOvr>
+    <a:masterClrMapping/>
+  </p:clrMapOvr>
+</p:sld>
+</file>
+
+<file path=ppt/slides/slide12.xml><?xml version="1.0" encoding="utf-8"?>
+<p:sld xmlns:a="http://schemas.openxmlformats.org/drawingml/2006/main" xmlns:r="http://schemas.openxmlformats.org/officeDocument/2006/relationships" xmlns:p="http://schemas.openxmlformats.org/presentationml/2006/main">
+  <p:cSld>
+    <p:bg>
+      <p:bgPr>
+        <a:blipFill rotWithShape="1">
+          <a:blip r:embed="rId2">
+            <a:duotone>
+              <a:schemeClr val="bg2">
+                <a:shade val="80000"/>
+                <a:lumMod val="80000"/>
+              </a:schemeClr>
+              <a:schemeClr val="bg2">
+                <a:tint val="98000"/>
+              </a:schemeClr>
+            </a:duotone>
+          </a:blip>
+          <a:stretch/>
+        </a:blipFill>
+        <a:effectLst/>
+      </p:bgPr>
+    </p:bg>
+    <p:spTree>
+      <p:nvGrpSpPr>
+        <p:cNvPr id="1" name=""/>
+        <p:cNvGrpSpPr/>
+        <p:nvPr/>
+      </p:nvGrpSpPr>
+      <p:grpSpPr>
+        <a:xfrm>
+          <a:off x="0" y="0"/>
+          <a:ext cx="0" cy="0"/>
+          <a:chOff x="0" y="0"/>
+          <a:chExt cx="0" cy="0"/>
+        </a:xfrm>
+      </p:grpSpPr>
+      <p:sp>
+        <p:nvSpPr>
+          <p:cNvPr id="2" name="Title 1">
+            <a:extLst>
+              <a:ext uri="{FF2B5EF4-FFF2-40B4-BE49-F238E27FC236}">
+                <a16:creationId xmlns:a16="http://schemas.microsoft.com/office/drawing/2014/main" id="{9C1C460A-DE04-4868-B1C9-03C824A1E08B}"/>
+              </a:ext>
+            </a:extLst>
+          </p:cNvPr>
+          <p:cNvSpPr>
+            <a:spLocks noGrp="1"/>
+          </p:cNvSpPr>
+          <p:nvPr>
+            <p:ph type="title"/>
+          </p:nvPr>
+        </p:nvSpPr>
+        <p:spPr>
+          <a:xfrm>
+            <a:off x="707900" y="460178"/>
+            <a:ext cx="3946393" cy="1956298"/>
+          </a:xfrm>
+        </p:spPr>
+        <p:txBody>
+          <a:bodyPr>
+            <a:normAutofit/>
+          </a:bodyPr>
+          <a:lstStyle/>
+          <a:p>
+            <a:pPr algn="l"/>
+            <a:r>
+              <a:rPr lang="en-US" sz="3600" dirty="0">
+                <a:ln>
+                  <a:solidFill>
+                    <a:srgbClr val="404040">
+                      <a:alpha val="10000"/>
+                    </a:srgbClr>
+                  </a:solidFill>
+                </a:ln>
+              </a:rPr>
+              <a:t>EDA – Sex</a:t>
+            </a:r>
+            <a:endParaRPr lang="en-GB" sz="3600" dirty="0">
+              <a:ln>
+                <a:solidFill>
+                  <a:srgbClr val="404040">
+                    <a:alpha val="10000"/>
+                  </a:srgbClr>
+                </a:solidFill>
+              </a:ln>
+            </a:endParaRPr>
+          </a:p>
+        </p:txBody>
+      </p:sp>
+      <p:sp>
+        <p:nvSpPr>
+          <p:cNvPr id="3" name="Content Placeholder 2">
+            <a:extLst>
+              <a:ext uri="{FF2B5EF4-FFF2-40B4-BE49-F238E27FC236}">
+                <a16:creationId xmlns:a16="http://schemas.microsoft.com/office/drawing/2014/main" id="{D361CC5C-566F-4AC0-8FFC-803D58F889AA}"/>
+              </a:ext>
+            </a:extLst>
+          </p:cNvPr>
+          <p:cNvSpPr>
+            <a:spLocks noGrp="1"/>
+          </p:cNvSpPr>
+          <p:nvPr>
+            <p:ph idx="1"/>
+          </p:nvPr>
+        </p:nvSpPr>
+        <p:spPr>
+          <a:xfrm>
+            <a:off x="5129494" y="460178"/>
+            <a:ext cx="6430560" cy="1956298"/>
+          </a:xfrm>
+        </p:spPr>
+        <p:txBody>
+          <a:bodyPr anchor="ctr">
+            <a:normAutofit/>
+          </a:bodyPr>
+          <a:lstStyle/>
+          <a:p>
+            <a:pPr marL="36900" indent="0">
+              <a:buClr>
+                <a:srgbClr val="7F9ECC"/>
+              </a:buClr>
+              <a:buNone/>
+            </a:pPr>
+            <a:r>
+              <a:rPr lang="en-US" dirty="0">
+                <a:ln>
+                  <a:solidFill>
+                    <a:srgbClr val="404040">
+                      <a:alpha val="10000"/>
+                    </a:srgbClr>
+                  </a:solidFill>
+                </a:ln>
+              </a:rPr>
+              <a:t>The count of males who drowned is way more than that of the females, where as the count of males who survived is considerably less than that of the females.</a:t>
+            </a:r>
+            <a:endParaRPr lang="en-GB" dirty="0">
+              <a:ln>
+                <a:solidFill>
+                  <a:srgbClr val="404040">
+                    <a:alpha val="10000"/>
+                  </a:srgbClr>
+                </a:solidFill>
+              </a:ln>
+            </a:endParaRPr>
+          </a:p>
+        </p:txBody>
+      </p:sp>
+      <p:pic>
+        <p:nvPicPr>
+          <p:cNvPr id="5" name="Picture 4" descr="Chart, bar chart&#10;&#10;Description automatically generated">
+            <a:extLst>
+              <a:ext uri="{FF2B5EF4-FFF2-40B4-BE49-F238E27FC236}">
+                <a16:creationId xmlns:a16="http://schemas.microsoft.com/office/drawing/2014/main" id="{22D9E162-CD2C-4D1C-82FD-472F06A487E5}"/>
+              </a:ext>
+            </a:extLst>
+          </p:cNvPr>
+          <p:cNvPicPr>
+            <a:picLocks noChangeAspect="1"/>
+          </p:cNvPicPr>
+          <p:nvPr/>
+        </p:nvPicPr>
+        <p:blipFill>
+          <a:blip r:embed="rId3">
+            <a:extLst>
+              <a:ext uri="{28A0092B-C50C-407E-A947-70E740481C1C}">
+                <a14:useLocalDpi xmlns:a14="http://schemas.microsoft.com/office/drawing/2010/main" val="0"/>
+              </a:ext>
+            </a:extLst>
+          </a:blip>
+          <a:stretch>
+            <a:fillRect/>
+          </a:stretch>
+        </p:blipFill>
+        <p:spPr>
+          <a:xfrm>
+            <a:off x="1344898" y="2233186"/>
+            <a:ext cx="8600486" cy="4277846"/>
+          </a:xfrm>
+          <a:prstGeom prst="rect">
+            <a:avLst/>
+          </a:prstGeom>
+        </p:spPr>
+      </p:pic>
+    </p:spTree>
+    <p:extLst>
+      <p:ext uri="{BB962C8B-B14F-4D97-AF65-F5344CB8AC3E}">
+        <p14:creationId xmlns:p14="http://schemas.microsoft.com/office/powerpoint/2010/main" val="725586398"/>
+      </p:ext>
+    </p:extLst>
+  </p:cSld>
+  <p:clrMapOvr>
+    <a:masterClrMapping/>
+  </p:clrMapOvr>
+</p:sld>
+</file>
+
+<file path=ppt/slides/slide13.xml><?xml version="1.0" encoding="utf-8"?>
+<p:sld xmlns:a="http://schemas.openxmlformats.org/drawingml/2006/main" xmlns:r="http://schemas.openxmlformats.org/officeDocument/2006/relationships" xmlns:p="http://schemas.openxmlformats.org/presentationml/2006/main">
+  <p:cSld>
+    <p:bg>
+      <p:bgPr>
+        <a:blipFill rotWithShape="1">
+          <a:blip r:embed="rId2">
+            <a:duotone>
+              <a:schemeClr val="bg2">
+                <a:shade val="80000"/>
+                <a:lumMod val="80000"/>
+              </a:schemeClr>
+              <a:schemeClr val="bg2">
+                <a:tint val="98000"/>
+              </a:schemeClr>
+            </a:duotone>
+          </a:blip>
+          <a:stretch/>
+        </a:blipFill>
+        <a:effectLst/>
+      </p:bgPr>
+    </p:bg>
+    <p:spTree>
+      <p:nvGrpSpPr>
+        <p:cNvPr id="1" name=""/>
+        <p:cNvGrpSpPr/>
+        <p:nvPr/>
+      </p:nvGrpSpPr>
+      <p:grpSpPr>
+        <a:xfrm>
+          <a:off x="0" y="0"/>
+          <a:ext cx="0" cy="0"/>
+          <a:chOff x="0" y="0"/>
+          <a:chExt cx="0" cy="0"/>
+        </a:xfrm>
+      </p:grpSpPr>
+      <p:sp>
+        <p:nvSpPr>
+          <p:cNvPr id="2" name="Title 1">
+            <a:extLst>
+              <a:ext uri="{FF2B5EF4-FFF2-40B4-BE49-F238E27FC236}">
+                <a16:creationId xmlns:a16="http://schemas.microsoft.com/office/drawing/2014/main" id="{9C1C460A-DE04-4868-B1C9-03C824A1E08B}"/>
+              </a:ext>
+            </a:extLst>
+          </p:cNvPr>
+          <p:cNvSpPr>
+            <a:spLocks noGrp="1"/>
+          </p:cNvSpPr>
+          <p:nvPr>
+            <p:ph type="title"/>
+          </p:nvPr>
+        </p:nvSpPr>
+        <p:spPr>
+          <a:xfrm>
+            <a:off x="707900" y="460178"/>
+            <a:ext cx="3946393" cy="1956298"/>
+          </a:xfrm>
+        </p:spPr>
+        <p:txBody>
+          <a:bodyPr>
+            <a:normAutofit/>
+          </a:bodyPr>
+          <a:lstStyle/>
+          <a:p>
+            <a:pPr algn="l"/>
+            <a:r>
+              <a:rPr lang="en-US" sz="3600">
+                <a:ln>
+                  <a:solidFill>
+                    <a:srgbClr val="404040">
+                      <a:alpha val="10000"/>
+                    </a:srgbClr>
+                  </a:solidFill>
+                </a:ln>
+              </a:rPr>
+              <a:t>EDA – Pclass</a:t>
+            </a:r>
+            <a:endParaRPr lang="en-GB" sz="3600" dirty="0">
+              <a:ln>
+                <a:solidFill>
+                  <a:srgbClr val="404040">
+                    <a:alpha val="10000"/>
+                  </a:srgbClr>
+                </a:solidFill>
+              </a:ln>
+            </a:endParaRPr>
+          </a:p>
+        </p:txBody>
+      </p:sp>
+      <p:sp>
+        <p:nvSpPr>
+          <p:cNvPr id="3" name="Content Placeholder 2">
+            <a:extLst>
+              <a:ext uri="{FF2B5EF4-FFF2-40B4-BE49-F238E27FC236}">
+                <a16:creationId xmlns:a16="http://schemas.microsoft.com/office/drawing/2014/main" id="{D361CC5C-566F-4AC0-8FFC-803D58F889AA}"/>
+              </a:ext>
+            </a:extLst>
+          </p:cNvPr>
+          <p:cNvSpPr>
+            <a:spLocks noGrp="1"/>
+          </p:cNvSpPr>
+          <p:nvPr>
+            <p:ph idx="1"/>
+          </p:nvPr>
+        </p:nvSpPr>
+        <p:spPr>
+          <a:xfrm>
+            <a:off x="5129494" y="269378"/>
+            <a:ext cx="6430560" cy="1956297"/>
+          </a:xfrm>
+        </p:spPr>
+        <p:txBody>
+          <a:bodyPr anchor="ctr">
+            <a:normAutofit fontScale="92500" lnSpcReduction="10000"/>
+          </a:bodyPr>
+          <a:lstStyle/>
+          <a:p>
+            <a:pPr marL="36900" indent="0">
+              <a:buClr>
+                <a:srgbClr val="7F9ECC"/>
+              </a:buClr>
+              <a:buNone/>
+            </a:pPr>
+            <a:r>
+              <a:rPr lang="en-US" dirty="0">
+                <a:ln>
+                  <a:solidFill>
+                    <a:srgbClr val="404040">
+                      <a:alpha val="10000"/>
+                    </a:srgbClr>
+                  </a:solidFill>
+                </a:ln>
+              </a:rPr>
+              <a:t>For </a:t>
+            </a:r>
+            <a:r>
+              <a:rPr lang="en-US" dirty="0" err="1">
+                <a:ln>
+                  <a:solidFill>
+                    <a:srgbClr val="404040">
+                      <a:alpha val="10000"/>
+                    </a:srgbClr>
+                  </a:solidFill>
+                </a:ln>
+              </a:rPr>
+              <a:t>pclass</a:t>
+            </a:r>
+            <a:r>
+              <a:rPr lang="en-US" dirty="0">
+                <a:ln>
+                  <a:solidFill>
+                    <a:srgbClr val="404040">
+                      <a:alpha val="10000"/>
+                    </a:srgbClr>
+                  </a:solidFill>
+                </a:ln>
+              </a:rPr>
+              <a:t> 1, the count of passengers who survived is considerably higher.</a:t>
+            </a:r>
+          </a:p>
+          <a:p>
+            <a:pPr marL="36900" indent="0">
+              <a:buClr>
+                <a:srgbClr val="7F9ECC"/>
+              </a:buClr>
+              <a:buNone/>
+            </a:pPr>
+            <a:r>
+              <a:rPr lang="en-US" dirty="0">
+                <a:ln>
+                  <a:solidFill>
+                    <a:srgbClr val="404040">
+                      <a:alpha val="10000"/>
+                    </a:srgbClr>
+                  </a:solidFill>
+                </a:ln>
+              </a:rPr>
+              <a:t>For </a:t>
+            </a:r>
+            <a:r>
+              <a:rPr lang="en-US" dirty="0" err="1">
+                <a:ln>
+                  <a:solidFill>
+                    <a:srgbClr val="404040">
+                      <a:alpha val="10000"/>
+                    </a:srgbClr>
+                  </a:solidFill>
+                </a:ln>
+              </a:rPr>
+              <a:t>pclass</a:t>
+            </a:r>
+            <a:r>
+              <a:rPr lang="en-US" dirty="0">
+                <a:ln>
+                  <a:solidFill>
+                    <a:srgbClr val="404040">
+                      <a:alpha val="10000"/>
+                    </a:srgbClr>
+                  </a:solidFill>
+                </a:ln>
+              </a:rPr>
+              <a:t> 2, the count of the passengers who survived is slightly higher.</a:t>
+            </a:r>
+          </a:p>
+          <a:p>
+            <a:pPr marL="36900" indent="0">
+              <a:buClr>
+                <a:srgbClr val="7F9ECC"/>
+              </a:buClr>
+              <a:buNone/>
+            </a:pPr>
+            <a:r>
+              <a:rPr lang="en-US" dirty="0">
+                <a:ln>
+                  <a:solidFill>
+                    <a:srgbClr val="404040">
+                      <a:alpha val="10000"/>
+                    </a:srgbClr>
+                  </a:solidFill>
+                </a:ln>
+              </a:rPr>
+              <a:t>For </a:t>
+            </a:r>
+            <a:r>
+              <a:rPr lang="en-US" dirty="0" err="1">
+                <a:ln>
+                  <a:solidFill>
+                    <a:srgbClr val="404040">
+                      <a:alpha val="10000"/>
+                    </a:srgbClr>
+                  </a:solidFill>
+                </a:ln>
+              </a:rPr>
+              <a:t>pclass</a:t>
+            </a:r>
+            <a:r>
+              <a:rPr lang="en-US" dirty="0">
+                <a:ln>
+                  <a:solidFill>
+                    <a:srgbClr val="404040">
+                      <a:alpha val="10000"/>
+                    </a:srgbClr>
+                  </a:solidFill>
+                </a:ln>
+              </a:rPr>
+              <a:t> 3, the count of those who drowned is extremely higher.</a:t>
+            </a:r>
+            <a:endParaRPr lang="en-GB" dirty="0">
+              <a:ln>
+                <a:solidFill>
+                  <a:srgbClr val="404040">
+                    <a:alpha val="10000"/>
+                  </a:srgbClr>
+                </a:solidFill>
+              </a:ln>
+            </a:endParaRPr>
+          </a:p>
+        </p:txBody>
+      </p:sp>
+      <p:pic>
+        <p:nvPicPr>
+          <p:cNvPr id="6" name="Picture 5" descr="Chart, bar chart&#10;&#10;Description automatically generated">
+            <a:extLst>
+              <a:ext uri="{FF2B5EF4-FFF2-40B4-BE49-F238E27FC236}">
+                <a16:creationId xmlns:a16="http://schemas.microsoft.com/office/drawing/2014/main" id="{F331089F-C747-4A67-AC1B-CA5E692202B2}"/>
+              </a:ext>
+            </a:extLst>
+          </p:cNvPr>
+          <p:cNvPicPr>
+            <a:picLocks noChangeAspect="1"/>
+          </p:cNvPicPr>
+          <p:nvPr/>
+        </p:nvPicPr>
+        <p:blipFill>
+          <a:blip r:embed="rId3">
+            <a:extLst>
+              <a:ext uri="{28A0092B-C50C-407E-A947-70E740481C1C}">
+                <a14:useLocalDpi xmlns:a14="http://schemas.microsoft.com/office/drawing/2010/main" val="0"/>
+              </a:ext>
+            </a:extLst>
+          </a:blip>
+          <a:stretch>
+            <a:fillRect/>
+          </a:stretch>
+        </p:blipFill>
+        <p:spPr>
+          <a:xfrm>
+            <a:off x="1344898" y="2225675"/>
+            <a:ext cx="8867614" cy="4232778"/>
+          </a:xfrm>
+          <a:prstGeom prst="rect">
+            <a:avLst/>
+          </a:prstGeom>
+        </p:spPr>
+      </p:pic>
+    </p:spTree>
+    <p:extLst>
+      <p:ext uri="{BB962C8B-B14F-4D97-AF65-F5344CB8AC3E}">
+        <p14:creationId xmlns:p14="http://schemas.microsoft.com/office/powerpoint/2010/main" val="3169479085"/>
+      </p:ext>
+    </p:extLst>
+  </p:cSld>
+  <p:clrMapOvr>
+    <a:masterClrMapping/>
+  </p:clrMapOvr>
+</p:sld>
+</file>
+
+<file path=ppt/slides/slide14.xml><?xml version="1.0" encoding="utf-8"?>
+<p:sld xmlns:a="http://schemas.openxmlformats.org/drawingml/2006/main" xmlns:r="http://schemas.openxmlformats.org/officeDocument/2006/relationships" xmlns:p="http://schemas.openxmlformats.org/presentationml/2006/main">
+  <p:cSld>
+    <p:bg>
+      <p:bgPr>
+        <a:blipFill rotWithShape="1">
+          <a:blip r:embed="rId2">
+            <a:duotone>
+              <a:schemeClr val="bg2">
+                <a:shade val="80000"/>
+                <a:lumMod val="80000"/>
+              </a:schemeClr>
+              <a:schemeClr val="bg2">
+                <a:tint val="98000"/>
+              </a:schemeClr>
+            </a:duotone>
+          </a:blip>
+          <a:stretch/>
+        </a:blipFill>
+        <a:effectLst/>
+      </p:bgPr>
+    </p:bg>
+    <p:spTree>
+      <p:nvGrpSpPr>
+        <p:cNvPr id="1" name=""/>
+        <p:cNvGrpSpPr/>
+        <p:nvPr/>
+      </p:nvGrpSpPr>
+      <p:grpSpPr>
+        <a:xfrm>
+          <a:off x="0" y="0"/>
+          <a:ext cx="0" cy="0"/>
+          <a:chOff x="0" y="0"/>
+          <a:chExt cx="0" cy="0"/>
+        </a:xfrm>
+      </p:grpSpPr>
+      <p:sp>
+        <p:nvSpPr>
+          <p:cNvPr id="2" name="Title 1">
+            <a:extLst>
+              <a:ext uri="{FF2B5EF4-FFF2-40B4-BE49-F238E27FC236}">
+                <a16:creationId xmlns:a16="http://schemas.microsoft.com/office/drawing/2014/main" id="{9C1C460A-DE04-4868-B1C9-03C824A1E08B}"/>
+              </a:ext>
+            </a:extLst>
+          </p:cNvPr>
+          <p:cNvSpPr>
+            <a:spLocks noGrp="1"/>
+          </p:cNvSpPr>
+          <p:nvPr>
+            <p:ph type="title"/>
+          </p:nvPr>
+        </p:nvSpPr>
+        <p:spPr>
+          <a:xfrm>
+            <a:off x="707900" y="460178"/>
+            <a:ext cx="3946393" cy="1956298"/>
+          </a:xfrm>
+        </p:spPr>
+        <p:txBody>
+          <a:bodyPr>
+            <a:normAutofit/>
+          </a:bodyPr>
+          <a:lstStyle/>
+          <a:p>
+            <a:pPr algn="l"/>
+            <a:r>
+              <a:rPr lang="en-US" sz="3600" dirty="0">
+                <a:ln>
+                  <a:solidFill>
+                    <a:srgbClr val="404040">
+                      <a:alpha val="10000"/>
+                    </a:srgbClr>
+                  </a:solidFill>
+                </a:ln>
+              </a:rPr>
+              <a:t>EDA – Parch</a:t>
+            </a:r>
+            <a:endParaRPr lang="en-GB" sz="3600" dirty="0">
+              <a:ln>
+                <a:solidFill>
+                  <a:srgbClr val="404040">
+                    <a:alpha val="10000"/>
+                  </a:srgbClr>
+                </a:solidFill>
+              </a:ln>
+            </a:endParaRPr>
+          </a:p>
+        </p:txBody>
+      </p:sp>
+      <p:sp>
+        <p:nvSpPr>
+          <p:cNvPr id="3" name="Content Placeholder 2">
+            <a:extLst>
+              <a:ext uri="{FF2B5EF4-FFF2-40B4-BE49-F238E27FC236}">
+                <a16:creationId xmlns:a16="http://schemas.microsoft.com/office/drawing/2014/main" id="{D361CC5C-566F-4AC0-8FFC-803D58F889AA}"/>
+              </a:ext>
+            </a:extLst>
+          </p:cNvPr>
+          <p:cNvSpPr>
+            <a:spLocks noGrp="1"/>
+          </p:cNvSpPr>
+          <p:nvPr>
+            <p:ph idx="1"/>
+          </p:nvPr>
+        </p:nvSpPr>
+        <p:spPr>
+          <a:xfrm>
+            <a:off x="5129494" y="460178"/>
+            <a:ext cx="6430560" cy="1956298"/>
+          </a:xfrm>
+        </p:spPr>
+        <p:txBody>
+          <a:bodyPr anchor="ctr">
+            <a:normAutofit/>
+          </a:bodyPr>
+          <a:lstStyle/>
+          <a:p>
+            <a:pPr marL="36900" indent="0">
+              <a:buClr>
+                <a:srgbClr val="7F9ECC"/>
+              </a:buClr>
+              <a:buNone/>
+            </a:pPr>
+            <a:r>
+              <a:rPr lang="en-US" dirty="0">
+                <a:ln>
+                  <a:solidFill>
+                    <a:srgbClr val="404040">
+                      <a:alpha val="10000"/>
+                    </a:srgbClr>
+                  </a:solidFill>
+                </a:ln>
+              </a:rPr>
+              <a:t>{Replace with a comment}</a:t>
+            </a:r>
+            <a:endParaRPr lang="en-GB" dirty="0">
+              <a:ln>
+                <a:solidFill>
+                  <a:srgbClr val="404040">
+                    <a:alpha val="10000"/>
+                  </a:srgbClr>
+                </a:solidFill>
+              </a:ln>
+            </a:endParaRPr>
+          </a:p>
+        </p:txBody>
+      </p:sp>
+      <p:pic>
+        <p:nvPicPr>
+          <p:cNvPr id="6" name="Picture 5" descr="Chart, histogram&#10;&#10;Description automatically generated">
+            <a:extLst>
+              <a:ext uri="{FF2B5EF4-FFF2-40B4-BE49-F238E27FC236}">
+                <a16:creationId xmlns:a16="http://schemas.microsoft.com/office/drawing/2014/main" id="{BBD27209-AB58-4FDA-A3E9-7D19F1CED417}"/>
+              </a:ext>
+            </a:extLst>
+          </p:cNvPr>
+          <p:cNvPicPr>
+            <a:picLocks noChangeAspect="1"/>
+          </p:cNvPicPr>
+          <p:nvPr/>
+        </p:nvPicPr>
+        <p:blipFill>
+          <a:blip r:embed="rId3">
+            <a:extLst>
+              <a:ext uri="{28A0092B-C50C-407E-A947-70E740481C1C}">
+                <a14:useLocalDpi xmlns:a14="http://schemas.microsoft.com/office/drawing/2010/main" val="0"/>
+              </a:ext>
+            </a:extLst>
+          </a:blip>
+          <a:stretch>
+            <a:fillRect/>
+          </a:stretch>
+        </p:blipFill>
+        <p:spPr>
+          <a:xfrm>
+            <a:off x="1344897" y="2335926"/>
+            <a:ext cx="8684515" cy="4290904"/>
+          </a:xfrm>
+          <a:prstGeom prst="rect">
+            <a:avLst/>
+          </a:prstGeom>
+        </p:spPr>
+      </p:pic>
+    </p:spTree>
+    <p:extLst>
+      <p:ext uri="{BB962C8B-B14F-4D97-AF65-F5344CB8AC3E}">
+        <p14:creationId xmlns:p14="http://schemas.microsoft.com/office/powerpoint/2010/main" val="197563666"/>
+      </p:ext>
+    </p:extLst>
+  </p:cSld>
+  <p:clrMapOvr>
+    <a:masterClrMapping/>
+  </p:clrMapOvr>
+</p:sld>
+</file>
+
+<file path=ppt/slides/slide15.xml><?xml version="1.0" encoding="utf-8"?>
+<p:sld xmlns:a="http://schemas.openxmlformats.org/drawingml/2006/main" xmlns:r="http://schemas.openxmlformats.org/officeDocument/2006/relationships" xmlns:p="http://schemas.openxmlformats.org/presentationml/2006/main">
+  <p:cSld>
+    <p:bg>
+      <p:bgPr>
+        <a:blipFill rotWithShape="1">
+          <a:blip r:embed="rId2">
+            <a:duotone>
+              <a:schemeClr val="bg2">
+                <a:shade val="80000"/>
+                <a:lumMod val="80000"/>
+              </a:schemeClr>
+              <a:schemeClr val="bg2">
+                <a:tint val="98000"/>
+              </a:schemeClr>
+            </a:duotone>
+          </a:blip>
+          <a:stretch/>
+        </a:blipFill>
+        <a:effectLst/>
+      </p:bgPr>
+    </p:bg>
+    <p:spTree>
+      <p:nvGrpSpPr>
+        <p:cNvPr id="1" name=""/>
+        <p:cNvGrpSpPr/>
+        <p:nvPr/>
+      </p:nvGrpSpPr>
+      <p:grpSpPr>
+        <a:xfrm>
+          <a:off x="0" y="0"/>
+          <a:ext cx="0" cy="0"/>
+          <a:chOff x="0" y="0"/>
+          <a:chExt cx="0" cy="0"/>
+        </a:xfrm>
+      </p:grpSpPr>
+      <p:sp>
+        <p:nvSpPr>
+          <p:cNvPr id="2" name="Title 1">
+            <a:extLst>
+              <a:ext uri="{FF2B5EF4-FFF2-40B4-BE49-F238E27FC236}">
+                <a16:creationId xmlns:a16="http://schemas.microsoft.com/office/drawing/2014/main" id="{9C1C460A-DE04-4868-B1C9-03C824A1E08B}"/>
+              </a:ext>
+            </a:extLst>
+          </p:cNvPr>
+          <p:cNvSpPr>
+            <a:spLocks noGrp="1"/>
+          </p:cNvSpPr>
+          <p:nvPr>
+            <p:ph type="title"/>
+          </p:nvPr>
+        </p:nvSpPr>
+        <p:spPr>
+          <a:xfrm>
+            <a:off x="707900" y="460178"/>
+            <a:ext cx="4305889" cy="1956298"/>
+          </a:xfrm>
+        </p:spPr>
+        <p:txBody>
+          <a:bodyPr>
+            <a:normAutofit/>
+          </a:bodyPr>
+          <a:lstStyle/>
+          <a:p>
+            <a:pPr algn="l"/>
+            <a:r>
+              <a:rPr lang="en-US" sz="3600" dirty="0">
+                <a:ln>
+                  <a:solidFill>
+                    <a:srgbClr val="404040">
+                      <a:alpha val="10000"/>
+                    </a:srgbClr>
+                  </a:solidFill>
+                </a:ln>
+              </a:rPr>
+              <a:t>EDA – Embarkment Place</a:t>
+            </a:r>
+            <a:endParaRPr lang="en-GB" sz="3600" dirty="0">
+              <a:ln>
+                <a:solidFill>
+                  <a:srgbClr val="404040">
+                    <a:alpha val="10000"/>
+                  </a:srgbClr>
+                </a:solidFill>
+              </a:ln>
+            </a:endParaRPr>
+          </a:p>
+        </p:txBody>
+      </p:sp>
+      <p:sp>
+        <p:nvSpPr>
+          <p:cNvPr id="3" name="Content Placeholder 2">
+            <a:extLst>
+              <a:ext uri="{FF2B5EF4-FFF2-40B4-BE49-F238E27FC236}">
+                <a16:creationId xmlns:a16="http://schemas.microsoft.com/office/drawing/2014/main" id="{D361CC5C-566F-4AC0-8FFC-803D58F889AA}"/>
+              </a:ext>
+            </a:extLst>
+          </p:cNvPr>
+          <p:cNvSpPr>
+            <a:spLocks noGrp="1"/>
+          </p:cNvSpPr>
+          <p:nvPr>
+            <p:ph idx="1"/>
+          </p:nvPr>
+        </p:nvSpPr>
+        <p:spPr>
+          <a:xfrm>
+            <a:off x="5129494" y="408807"/>
+            <a:ext cx="6430560" cy="1956298"/>
+          </a:xfrm>
+        </p:spPr>
+        <p:txBody>
+          <a:bodyPr anchor="ctr">
+            <a:normAutofit/>
+          </a:bodyPr>
+          <a:lstStyle/>
+          <a:p>
+            <a:pPr marL="36900" indent="0">
+              <a:buClr>
+                <a:srgbClr val="7F9ECC"/>
+              </a:buClr>
+              <a:buNone/>
+            </a:pPr>
+            <a:r>
+              <a:rPr lang="en-US" dirty="0">
+                <a:ln>
+                  <a:solidFill>
+                    <a:srgbClr val="404040">
+                      <a:alpha val="10000"/>
+                    </a:srgbClr>
+                  </a:solidFill>
+                </a:ln>
+              </a:rPr>
+              <a:t>The embarkment plot is not very insightful, it shows that the order of counts from high to low for both cases is the same.</a:t>
+            </a:r>
+            <a:endParaRPr lang="en-GB" dirty="0">
+              <a:ln>
+                <a:solidFill>
+                  <a:srgbClr val="404040">
+                    <a:alpha val="10000"/>
+                  </a:srgbClr>
+                </a:solidFill>
+              </a:ln>
+            </a:endParaRPr>
+          </a:p>
+        </p:txBody>
+      </p:sp>
+      <p:pic>
+        <p:nvPicPr>
+          <p:cNvPr id="5" name="Picture 4" descr="Chart, bar chart, histogram&#10;&#10;Description automatically generated">
+            <a:extLst>
+              <a:ext uri="{FF2B5EF4-FFF2-40B4-BE49-F238E27FC236}">
+                <a16:creationId xmlns:a16="http://schemas.microsoft.com/office/drawing/2014/main" id="{C9D677C3-C92C-43A8-98AF-EB088D5E96E1}"/>
+              </a:ext>
+            </a:extLst>
+          </p:cNvPr>
+          <p:cNvPicPr>
+            <a:picLocks noChangeAspect="1"/>
+          </p:cNvPicPr>
+          <p:nvPr/>
+        </p:nvPicPr>
+        <p:blipFill>
+          <a:blip r:embed="rId3">
+            <a:extLst>
+              <a:ext uri="{28A0092B-C50C-407E-A947-70E740481C1C}">
+                <a14:useLocalDpi xmlns:a14="http://schemas.microsoft.com/office/drawing/2010/main" val="0"/>
+              </a:ext>
+            </a:extLst>
+          </a:blip>
+          <a:stretch>
+            <a:fillRect/>
+          </a:stretch>
+        </p:blipFill>
+        <p:spPr>
+          <a:xfrm>
+            <a:off x="1344896" y="2398813"/>
+            <a:ext cx="8723777" cy="4206503"/>
+          </a:xfrm>
+          <a:prstGeom prst="rect">
+            <a:avLst/>
+          </a:prstGeom>
+        </p:spPr>
+      </p:pic>
+    </p:spTree>
+    <p:extLst>
+      <p:ext uri="{BB962C8B-B14F-4D97-AF65-F5344CB8AC3E}">
+        <p14:creationId xmlns:p14="http://schemas.microsoft.com/office/powerpoint/2010/main" val="1323151431"/>
+      </p:ext>
+    </p:extLst>
+  </p:cSld>
+  <p:clrMapOvr>
+    <a:masterClrMapping/>
+  </p:clrMapOvr>
+</p:sld>
+</file>
+
+<file path=ppt/slides/slide16.xml><?xml version="1.0" encoding="utf-8"?>
+<p:sld xmlns:a="http://schemas.openxmlformats.org/drawingml/2006/main" xmlns:r="http://schemas.openxmlformats.org/officeDocument/2006/relationships" xmlns:p="http://schemas.openxmlformats.org/presentationml/2006/main">
+  <p:cSld>
+    <p:spTree>
+      <p:nvGrpSpPr>
+        <p:cNvPr id="1" name=""/>
+        <p:cNvGrpSpPr/>
+        <p:nvPr/>
+      </p:nvGrpSpPr>
+      <p:grpSpPr>
+        <a:xfrm>
+          <a:off x="0" y="0"/>
+          <a:ext cx="0" cy="0"/>
+          <a:chOff x="0" y="0"/>
+          <a:chExt cx="0" cy="0"/>
+        </a:xfrm>
+      </p:grpSpPr>
+      <p:sp>
+        <p:nvSpPr>
+          <p:cNvPr id="2" name="Title 1">
+            <a:extLst>
+              <a:ext uri="{FF2B5EF4-FFF2-40B4-BE49-F238E27FC236}">
+                <a16:creationId xmlns:a16="http://schemas.microsoft.com/office/drawing/2014/main" id="{2A80AB95-F4E3-42D7-93F8-88F1964F9EAD}"/>
+              </a:ext>
+            </a:extLst>
+          </p:cNvPr>
+          <p:cNvSpPr>
+            <a:spLocks noGrp="1"/>
+          </p:cNvSpPr>
+          <p:nvPr>
+            <p:ph type="title"/>
+          </p:nvPr>
+        </p:nvSpPr>
+        <p:spPr/>
+        <p:txBody>
+          <a:bodyPr>
+            <a:normAutofit fontScale="90000"/>
+          </a:bodyPr>
+          <a:lstStyle/>
+          <a:p>
+            <a:r>
+              <a:rPr lang="en-US" dirty="0"/>
+              <a:t>Converting Categorical Data into Quantitative Data</a:t>
+            </a:r>
+            <a:endParaRPr lang="en-GB" dirty="0"/>
+          </a:p>
+        </p:txBody>
+      </p:sp>
+      <p:sp>
+        <p:nvSpPr>
+          <p:cNvPr id="3" name="Content Placeholder 2">
+            <a:extLst>
+              <a:ext uri="{FF2B5EF4-FFF2-40B4-BE49-F238E27FC236}">
+                <a16:creationId xmlns:a16="http://schemas.microsoft.com/office/drawing/2014/main" id="{15DE26C7-B2A4-415B-B097-D27340E04DBB}"/>
+              </a:ext>
+            </a:extLst>
+          </p:cNvPr>
+          <p:cNvSpPr>
+            <a:spLocks noGrp="1"/>
+          </p:cNvSpPr>
+          <p:nvPr>
+            <p:ph idx="1"/>
+          </p:nvPr>
+        </p:nvSpPr>
+        <p:spPr>
+          <a:xfrm>
+            <a:off x="913795" y="1732449"/>
+            <a:ext cx="10353762" cy="4647803"/>
+          </a:xfrm>
+        </p:spPr>
+        <p:txBody>
+          <a:bodyPr>
+            <a:normAutofit/>
+          </a:bodyPr>
+          <a:lstStyle/>
+          <a:p>
+            <a:r>
+              <a:rPr lang="en-US" dirty="0"/>
+              <a:t>Some of the columns have their data in textual format, this will not allow the model to be trained.</a:t>
+            </a:r>
+          </a:p>
+          <a:p>
+            <a:r>
+              <a:rPr lang="en-US" dirty="0"/>
+              <a:t>To resolve that issue, we will use the following scheme for conversion:</a:t>
+            </a:r>
+          </a:p>
+          <a:p>
+            <a:pPr lvl="1"/>
+            <a:r>
+              <a:rPr lang="en-US" dirty="0"/>
+              <a:t>Sex</a:t>
+            </a:r>
+          </a:p>
+          <a:p>
+            <a:pPr lvl="2"/>
+            <a:r>
+              <a:rPr lang="en-US" sz="1800" dirty="0"/>
+              <a:t>male → 0</a:t>
+            </a:r>
+          </a:p>
+          <a:p>
+            <a:pPr lvl="2"/>
+            <a:r>
+              <a:rPr lang="en-US" sz="1800" dirty="0"/>
+              <a:t>female → 1</a:t>
+            </a:r>
+          </a:p>
+          <a:p>
+            <a:pPr lvl="1"/>
+            <a:r>
+              <a:rPr lang="en-US" dirty="0"/>
+              <a:t>Embarked</a:t>
+            </a:r>
+          </a:p>
+          <a:p>
+            <a:pPr lvl="2"/>
+            <a:r>
+              <a:rPr lang="en-US" sz="1800" dirty="0"/>
+              <a:t>S → 0</a:t>
+            </a:r>
+          </a:p>
+          <a:p>
+            <a:pPr lvl="2"/>
+            <a:r>
+              <a:rPr lang="en-US" sz="1800" dirty="0"/>
+              <a:t>Q → 1</a:t>
+            </a:r>
+          </a:p>
+          <a:p>
+            <a:pPr lvl="2"/>
+            <a:r>
+              <a:rPr lang="en-US" sz="1800" dirty="0"/>
+              <a:t>C → 2</a:t>
+            </a:r>
+          </a:p>
+          <a:p>
+            <a:r>
+              <a:rPr lang="en-GB" dirty="0"/>
+              <a:t>The code for conversion is present in the html file accompanying the presentation.</a:t>
+            </a:r>
+          </a:p>
+        </p:txBody>
+      </p:sp>
+    </p:spTree>
+    <p:extLst>
+      <p:ext uri="{BB962C8B-B14F-4D97-AF65-F5344CB8AC3E}">
+        <p14:creationId xmlns:p14="http://schemas.microsoft.com/office/powerpoint/2010/main" val="1762026612"/>
+      </p:ext>
+    </p:extLst>
+  </p:cSld>
+  <p:clrMapOvr>
+    <a:masterClrMapping/>
+  </p:clrMapOvr>
+</p:sld>
+</file>
+
+<file path=ppt/slides/slide17.xml><?xml version="1.0" encoding="utf-8"?>
 <p:sld xmlns:a="http://schemas.openxmlformats.org/drawingml/2006/main" xmlns:r="http://schemas.openxmlformats.org/officeDocument/2006/relationships" xmlns:p="http://schemas.openxmlformats.org/presentationml/2006/main">
   <p:cSld>
     <p:bg>
@@ -13794,6 +15113,634 @@
 </p:sld>
 </file>
 
+<file path=ppt/slides/slide18.xml><?xml version="1.0" encoding="utf-8"?>
+<p:sld xmlns:a="http://schemas.openxmlformats.org/drawingml/2006/main" xmlns:r="http://schemas.openxmlformats.org/officeDocument/2006/relationships" xmlns:p="http://schemas.openxmlformats.org/presentationml/2006/main">
+  <p:cSld>
+    <p:spTree>
+      <p:nvGrpSpPr>
+        <p:cNvPr id="1" name=""/>
+        <p:cNvGrpSpPr/>
+        <p:nvPr/>
+      </p:nvGrpSpPr>
+      <p:grpSpPr>
+        <a:xfrm>
+          <a:off x="0" y="0"/>
+          <a:ext cx="0" cy="0"/>
+          <a:chOff x="0" y="0"/>
+          <a:chExt cx="0" cy="0"/>
+        </a:xfrm>
+      </p:grpSpPr>
+      <p:sp>
+        <p:nvSpPr>
+          <p:cNvPr id="2" name="Title 1">
+            <a:extLst>
+              <a:ext uri="{FF2B5EF4-FFF2-40B4-BE49-F238E27FC236}">
+                <a16:creationId xmlns:a16="http://schemas.microsoft.com/office/drawing/2014/main" id="{122DD5DA-8C53-4058-88EC-7A582D10A56A}"/>
+              </a:ext>
+            </a:extLst>
+          </p:cNvPr>
+          <p:cNvSpPr>
+            <a:spLocks noGrp="1"/>
+          </p:cNvSpPr>
+          <p:nvPr>
+            <p:ph type="title"/>
+          </p:nvPr>
+        </p:nvSpPr>
+        <p:spPr/>
+        <p:txBody>
+          <a:bodyPr/>
+          <a:lstStyle/>
+          <a:p>
+            <a:r>
+              <a:rPr lang="en-US" dirty="0"/>
+              <a:t>Preparing Data</a:t>
+            </a:r>
+            <a:endParaRPr lang="en-GB" dirty="0"/>
+          </a:p>
+        </p:txBody>
+      </p:sp>
+      <p:sp>
+        <p:nvSpPr>
+          <p:cNvPr id="3" name="Content Placeholder 2">
+            <a:extLst>
+              <a:ext uri="{FF2B5EF4-FFF2-40B4-BE49-F238E27FC236}">
+                <a16:creationId xmlns:a16="http://schemas.microsoft.com/office/drawing/2014/main" id="{5EDF3B80-8A3F-4EC6-A472-E45AB647103F}"/>
+              </a:ext>
+            </a:extLst>
+          </p:cNvPr>
+          <p:cNvSpPr>
+            <a:spLocks noGrp="1"/>
+          </p:cNvSpPr>
+          <p:nvPr>
+            <p:ph idx="1"/>
+          </p:nvPr>
+        </p:nvSpPr>
+        <p:spPr/>
+        <p:txBody>
+          <a:bodyPr/>
+          <a:lstStyle/>
+          <a:p>
+            <a:r>
+              <a:rPr lang="en-US" dirty="0"/>
+              <a:t>In order to train the model, we need to specify the inputs and outputs (what the model predicts).</a:t>
+            </a:r>
+          </a:p>
+          <a:p>
+            <a:r>
+              <a:rPr lang="en-US" dirty="0"/>
+              <a:t>We use the following code cell after importing </a:t>
+            </a:r>
+            <a:r>
+              <a:rPr lang="en-US" dirty="0" err="1"/>
+              <a:t>sklearn</a:t>
+            </a:r>
+            <a:r>
+              <a:rPr lang="en-US" dirty="0"/>
+              <a:t>:</a:t>
+            </a:r>
+          </a:p>
+          <a:p>
+            <a:pPr marL="36900" indent="0">
+              <a:buNone/>
+            </a:pPr>
+            <a:r>
+              <a:rPr lang="en-GB" dirty="0">
+                <a:latin typeface="Courier New" panose="02070309020205020404" pitchFamily="49" charset="0"/>
+                <a:cs typeface="Courier New" panose="02070309020205020404" pitchFamily="49" charset="0"/>
+              </a:rPr>
+              <a:t>	</a:t>
+            </a:r>
+            <a:r>
+              <a:rPr lang="en-GB" dirty="0" err="1">
+                <a:latin typeface="Courier New" panose="02070309020205020404" pitchFamily="49" charset="0"/>
+                <a:cs typeface="Courier New" panose="02070309020205020404" pitchFamily="49" charset="0"/>
+              </a:rPr>
+              <a:t>X_train</a:t>
+            </a:r>
+            <a:r>
+              <a:rPr lang="en-GB" dirty="0">
+                <a:latin typeface="Courier New" panose="02070309020205020404" pitchFamily="49" charset="0"/>
+                <a:cs typeface="Courier New" panose="02070309020205020404" pitchFamily="49" charset="0"/>
+              </a:rPr>
+              <a:t> = </a:t>
+            </a:r>
+            <a:r>
+              <a:rPr lang="en-GB" dirty="0" err="1">
+                <a:latin typeface="Courier New" panose="02070309020205020404" pitchFamily="49" charset="0"/>
+                <a:cs typeface="Courier New" panose="02070309020205020404" pitchFamily="49" charset="0"/>
+              </a:rPr>
+              <a:t>df_train.drop</a:t>
+            </a:r>
+            <a:r>
+              <a:rPr lang="en-GB" dirty="0">
+                <a:latin typeface="Courier New" panose="02070309020205020404" pitchFamily="49" charset="0"/>
+                <a:cs typeface="Courier New" panose="02070309020205020404" pitchFamily="49" charset="0"/>
+              </a:rPr>
+              <a:t>("Survived", axis=1).copy()</a:t>
+            </a:r>
+          </a:p>
+          <a:p>
+            <a:pPr marL="36900" indent="0">
+              <a:buNone/>
+            </a:pPr>
+            <a:r>
+              <a:rPr lang="en-GB" dirty="0">
+                <a:latin typeface="Courier New" panose="02070309020205020404" pitchFamily="49" charset="0"/>
+                <a:cs typeface="Courier New" panose="02070309020205020404" pitchFamily="49" charset="0"/>
+              </a:rPr>
+              <a:t>	</a:t>
+            </a:r>
+            <a:r>
+              <a:rPr lang="en-GB" dirty="0" err="1">
+                <a:latin typeface="Courier New" panose="02070309020205020404" pitchFamily="49" charset="0"/>
+                <a:cs typeface="Courier New" panose="02070309020205020404" pitchFamily="49" charset="0"/>
+              </a:rPr>
+              <a:t>Y_train</a:t>
+            </a:r>
+            <a:r>
+              <a:rPr lang="en-GB" dirty="0">
+                <a:latin typeface="Courier New" panose="02070309020205020404" pitchFamily="49" charset="0"/>
+                <a:cs typeface="Courier New" panose="02070309020205020404" pitchFamily="49" charset="0"/>
+              </a:rPr>
+              <a:t> = </a:t>
+            </a:r>
+            <a:r>
+              <a:rPr lang="en-GB" dirty="0" err="1">
+                <a:latin typeface="Courier New" panose="02070309020205020404" pitchFamily="49" charset="0"/>
+                <a:cs typeface="Courier New" panose="02070309020205020404" pitchFamily="49" charset="0"/>
+              </a:rPr>
+              <a:t>df_train</a:t>
+            </a:r>
+            <a:r>
+              <a:rPr lang="en-GB" dirty="0">
+                <a:latin typeface="Courier New" panose="02070309020205020404" pitchFamily="49" charset="0"/>
+                <a:cs typeface="Courier New" panose="02070309020205020404" pitchFamily="49" charset="0"/>
+              </a:rPr>
+              <a:t>["Survived"]</a:t>
+            </a:r>
+          </a:p>
+          <a:p>
+            <a:pPr marL="36900" indent="0">
+              <a:buNone/>
+            </a:pPr>
+            <a:r>
+              <a:rPr lang="en-GB" dirty="0">
+                <a:latin typeface="Courier New" panose="02070309020205020404" pitchFamily="49" charset="0"/>
+                <a:cs typeface="Courier New" panose="02070309020205020404" pitchFamily="49" charset="0"/>
+              </a:rPr>
+              <a:t>	</a:t>
+            </a:r>
+            <a:r>
+              <a:rPr lang="en-GB" dirty="0" err="1">
+                <a:latin typeface="Courier New" panose="02070309020205020404" pitchFamily="49" charset="0"/>
+                <a:cs typeface="Courier New" panose="02070309020205020404" pitchFamily="49" charset="0"/>
+              </a:rPr>
+              <a:t>X_test</a:t>
+            </a:r>
+            <a:r>
+              <a:rPr lang="en-GB" dirty="0">
+                <a:latin typeface="Courier New" panose="02070309020205020404" pitchFamily="49" charset="0"/>
+                <a:cs typeface="Courier New" panose="02070309020205020404" pitchFamily="49" charset="0"/>
+              </a:rPr>
+              <a:t>  = </a:t>
+            </a:r>
+            <a:r>
+              <a:rPr lang="en-GB" dirty="0" err="1">
+                <a:latin typeface="Courier New" panose="02070309020205020404" pitchFamily="49" charset="0"/>
+                <a:cs typeface="Courier New" panose="02070309020205020404" pitchFamily="49" charset="0"/>
+              </a:rPr>
+              <a:t>df_test.copy</a:t>
+            </a:r>
+            <a:r>
+              <a:rPr lang="en-GB" dirty="0">
+                <a:latin typeface="Courier New" panose="02070309020205020404" pitchFamily="49" charset="0"/>
+                <a:cs typeface="Courier New" panose="02070309020205020404" pitchFamily="49" charset="0"/>
+              </a:rPr>
+              <a:t>()</a:t>
+            </a:r>
+          </a:p>
+          <a:p>
+            <a:pPr marL="36900" indent="0">
+              <a:buNone/>
+            </a:pPr>
+            <a:r>
+              <a:rPr lang="en-GB" dirty="0">
+                <a:latin typeface="Courier New" panose="02070309020205020404" pitchFamily="49" charset="0"/>
+                <a:cs typeface="Courier New" panose="02070309020205020404" pitchFamily="49" charset="0"/>
+              </a:rPr>
+              <a:t>	</a:t>
+            </a:r>
+            <a:r>
+              <a:rPr lang="en-GB" dirty="0" err="1">
+                <a:latin typeface="Courier New" panose="02070309020205020404" pitchFamily="49" charset="0"/>
+                <a:cs typeface="Courier New" panose="02070309020205020404" pitchFamily="49" charset="0"/>
+              </a:rPr>
+              <a:t>X_train.shape</a:t>
+            </a:r>
+            <a:r>
+              <a:rPr lang="en-GB" dirty="0">
+                <a:latin typeface="Courier New" panose="02070309020205020404" pitchFamily="49" charset="0"/>
+                <a:cs typeface="Courier New" panose="02070309020205020404" pitchFamily="49" charset="0"/>
+              </a:rPr>
+              <a:t>, </a:t>
+            </a:r>
+            <a:r>
+              <a:rPr lang="en-GB" dirty="0" err="1">
+                <a:latin typeface="Courier New" panose="02070309020205020404" pitchFamily="49" charset="0"/>
+                <a:cs typeface="Courier New" panose="02070309020205020404" pitchFamily="49" charset="0"/>
+              </a:rPr>
+              <a:t>Y_train.shape</a:t>
+            </a:r>
+            <a:r>
+              <a:rPr lang="en-GB" dirty="0">
+                <a:latin typeface="Courier New" panose="02070309020205020404" pitchFamily="49" charset="0"/>
+                <a:cs typeface="Courier New" panose="02070309020205020404" pitchFamily="49" charset="0"/>
+              </a:rPr>
+              <a:t>, </a:t>
+            </a:r>
+            <a:r>
+              <a:rPr lang="en-GB" dirty="0" err="1">
+                <a:latin typeface="Courier New" panose="02070309020205020404" pitchFamily="49" charset="0"/>
+                <a:cs typeface="Courier New" panose="02070309020205020404" pitchFamily="49" charset="0"/>
+              </a:rPr>
+              <a:t>X_test.shape</a:t>
+            </a:r>
+            <a:endParaRPr lang="en-GB" dirty="0">
+              <a:latin typeface="Courier New" panose="02070309020205020404" pitchFamily="49" charset="0"/>
+              <a:cs typeface="Courier New" panose="02070309020205020404" pitchFamily="49" charset="0"/>
+            </a:endParaRPr>
+          </a:p>
+        </p:txBody>
+      </p:sp>
+    </p:spTree>
+    <p:extLst>
+      <p:ext uri="{BB962C8B-B14F-4D97-AF65-F5344CB8AC3E}">
+        <p14:creationId xmlns:p14="http://schemas.microsoft.com/office/powerpoint/2010/main" val="565120930"/>
+      </p:ext>
+    </p:extLst>
+  </p:cSld>
+  <p:clrMapOvr>
+    <a:masterClrMapping/>
+  </p:clrMapOvr>
+</p:sld>
+</file>
+
+<file path=ppt/slides/slide19.xml><?xml version="1.0" encoding="utf-8"?>
+<p:sld xmlns:a="http://schemas.openxmlformats.org/drawingml/2006/main" xmlns:r="http://schemas.openxmlformats.org/officeDocument/2006/relationships" xmlns:p="http://schemas.openxmlformats.org/presentationml/2006/main">
+  <p:cSld>
+    <p:spTree>
+      <p:nvGrpSpPr>
+        <p:cNvPr id="1" name=""/>
+        <p:cNvGrpSpPr/>
+        <p:nvPr/>
+      </p:nvGrpSpPr>
+      <p:grpSpPr>
+        <a:xfrm>
+          <a:off x="0" y="0"/>
+          <a:ext cx="0" cy="0"/>
+          <a:chOff x="0" y="0"/>
+          <a:chExt cx="0" cy="0"/>
+        </a:xfrm>
+      </p:grpSpPr>
+      <p:sp>
+        <p:nvSpPr>
+          <p:cNvPr id="2" name="Title 1">
+            <a:extLst>
+              <a:ext uri="{FF2B5EF4-FFF2-40B4-BE49-F238E27FC236}">
+                <a16:creationId xmlns:a16="http://schemas.microsoft.com/office/drawing/2014/main" id="{3B3C8C02-556B-441A-A831-F5866BCCD5D8}"/>
+              </a:ext>
+            </a:extLst>
+          </p:cNvPr>
+          <p:cNvSpPr>
+            <a:spLocks noGrp="1"/>
+          </p:cNvSpPr>
+          <p:nvPr>
+            <p:ph type="title"/>
+          </p:nvPr>
+        </p:nvSpPr>
+        <p:spPr>
+          <a:xfrm>
+            <a:off x="913795" y="599325"/>
+            <a:ext cx="10353762" cy="970450"/>
+          </a:xfrm>
+        </p:spPr>
+        <p:txBody>
+          <a:bodyPr/>
+          <a:lstStyle/>
+          <a:p>
+            <a:r>
+              <a:rPr lang="en-US" dirty="0"/>
+              <a:t>Decision Tree.</a:t>
+            </a:r>
+            <a:endParaRPr lang="en-GB" dirty="0"/>
+          </a:p>
+        </p:txBody>
+      </p:sp>
+      <p:sp>
+        <p:nvSpPr>
+          <p:cNvPr id="3" name="Content Placeholder 2">
+            <a:extLst>
+              <a:ext uri="{FF2B5EF4-FFF2-40B4-BE49-F238E27FC236}">
+                <a16:creationId xmlns:a16="http://schemas.microsoft.com/office/drawing/2014/main" id="{D8557DCF-2E5C-4A4F-9CAE-AAD94989642A}"/>
+              </a:ext>
+            </a:extLst>
+          </p:cNvPr>
+          <p:cNvSpPr>
+            <a:spLocks noGrp="1"/>
+          </p:cNvSpPr>
+          <p:nvPr>
+            <p:ph idx="1"/>
+          </p:nvPr>
+        </p:nvSpPr>
+        <p:spPr>
+          <a:xfrm>
+            <a:off x="913795" y="1732449"/>
+            <a:ext cx="10353762" cy="4729996"/>
+          </a:xfrm>
+        </p:spPr>
+        <p:txBody>
+          <a:bodyPr>
+            <a:normAutofit/>
+          </a:bodyPr>
+          <a:lstStyle/>
+          <a:p>
+            <a:r>
+              <a:rPr lang="en-US" dirty="0"/>
+              <a:t>For this project, we have chosen two types of machine learning algorithms to fit out model, the decision tree and logistic regression. We will compare the accuracy of both models.</a:t>
+            </a:r>
+          </a:p>
+          <a:p>
+            <a:r>
+              <a:rPr lang="en-US" dirty="0"/>
+              <a:t>For the decision tree, we use this code to train the model using the specified data:</a:t>
+            </a:r>
+          </a:p>
+          <a:p>
+            <a:pPr marL="36900" indent="0">
+              <a:buNone/>
+            </a:pPr>
+            <a:r>
+              <a:rPr lang="en-GB" dirty="0">
+                <a:latin typeface="Courier New" panose="02070309020205020404" pitchFamily="49" charset="0"/>
+                <a:cs typeface="Courier New" panose="02070309020205020404" pitchFamily="49" charset="0"/>
+              </a:rPr>
+              <a:t>	</a:t>
+            </a:r>
+            <a:r>
+              <a:rPr lang="en-GB" dirty="0" err="1">
+                <a:latin typeface="Courier New" panose="02070309020205020404" pitchFamily="49" charset="0"/>
+                <a:cs typeface="Courier New" panose="02070309020205020404" pitchFamily="49" charset="0"/>
+              </a:rPr>
+              <a:t>decision_tree</a:t>
+            </a:r>
+            <a:r>
+              <a:rPr lang="en-GB" dirty="0">
+                <a:latin typeface="Courier New" panose="02070309020205020404" pitchFamily="49" charset="0"/>
+                <a:cs typeface="Courier New" panose="02070309020205020404" pitchFamily="49" charset="0"/>
+              </a:rPr>
+              <a:t> = </a:t>
+            </a:r>
+            <a:r>
+              <a:rPr lang="en-GB" dirty="0" err="1">
+                <a:latin typeface="Courier New" panose="02070309020205020404" pitchFamily="49" charset="0"/>
+                <a:cs typeface="Courier New" panose="02070309020205020404" pitchFamily="49" charset="0"/>
+              </a:rPr>
+              <a:t>DecisionTreeClassifier</a:t>
+            </a:r>
+            <a:r>
+              <a:rPr lang="en-GB" dirty="0">
+                <a:latin typeface="Courier New" panose="02070309020205020404" pitchFamily="49" charset="0"/>
+                <a:cs typeface="Courier New" panose="02070309020205020404" pitchFamily="49" charset="0"/>
+              </a:rPr>
+              <a:t>()</a:t>
+            </a:r>
+          </a:p>
+          <a:p>
+            <a:pPr marL="36900" indent="0">
+              <a:buNone/>
+            </a:pPr>
+            <a:r>
+              <a:rPr lang="en-GB" dirty="0">
+                <a:latin typeface="Courier New" panose="02070309020205020404" pitchFamily="49" charset="0"/>
+                <a:cs typeface="Courier New" panose="02070309020205020404" pitchFamily="49" charset="0"/>
+              </a:rPr>
+              <a:t>	</a:t>
+            </a:r>
+            <a:r>
+              <a:rPr lang="en-GB" dirty="0" err="1">
+                <a:latin typeface="Courier New" panose="02070309020205020404" pitchFamily="49" charset="0"/>
+                <a:cs typeface="Courier New" panose="02070309020205020404" pitchFamily="49" charset="0"/>
+              </a:rPr>
+              <a:t>decision_tree.fit</a:t>
+            </a:r>
+            <a:r>
+              <a:rPr lang="en-GB" dirty="0">
+                <a:latin typeface="Courier New" panose="02070309020205020404" pitchFamily="49" charset="0"/>
+                <a:cs typeface="Courier New" panose="02070309020205020404" pitchFamily="49" charset="0"/>
+              </a:rPr>
+              <a:t>(</a:t>
+            </a:r>
+            <a:r>
+              <a:rPr lang="en-GB" dirty="0" err="1">
+                <a:latin typeface="Courier New" panose="02070309020205020404" pitchFamily="49" charset="0"/>
+                <a:cs typeface="Courier New" panose="02070309020205020404" pitchFamily="49" charset="0"/>
+              </a:rPr>
+              <a:t>X_train</a:t>
+            </a:r>
+            <a:r>
+              <a:rPr lang="en-GB" dirty="0">
+                <a:latin typeface="Courier New" panose="02070309020205020404" pitchFamily="49" charset="0"/>
+                <a:cs typeface="Courier New" panose="02070309020205020404" pitchFamily="49" charset="0"/>
+              </a:rPr>
+              <a:t>, </a:t>
+            </a:r>
+            <a:r>
+              <a:rPr lang="en-GB" dirty="0" err="1">
+                <a:latin typeface="Courier New" panose="02070309020205020404" pitchFamily="49" charset="0"/>
+                <a:cs typeface="Courier New" panose="02070309020205020404" pitchFamily="49" charset="0"/>
+              </a:rPr>
+              <a:t>Y_train</a:t>
+            </a:r>
+            <a:r>
+              <a:rPr lang="en-GB" dirty="0">
+                <a:latin typeface="Courier New" panose="02070309020205020404" pitchFamily="49" charset="0"/>
+                <a:cs typeface="Courier New" panose="02070309020205020404" pitchFamily="49" charset="0"/>
+              </a:rPr>
+              <a:t>)</a:t>
+            </a:r>
+          </a:p>
+          <a:p>
+            <a:pPr marL="36900" indent="0">
+              <a:buNone/>
+            </a:pPr>
+            <a:r>
+              <a:rPr lang="en-GB" dirty="0">
+                <a:latin typeface="Courier New" panose="02070309020205020404" pitchFamily="49" charset="0"/>
+                <a:cs typeface="Courier New" panose="02070309020205020404" pitchFamily="49" charset="0"/>
+              </a:rPr>
+              <a:t>	</a:t>
+            </a:r>
+            <a:r>
+              <a:rPr lang="en-GB" dirty="0" err="1">
+                <a:latin typeface="Courier New" panose="02070309020205020404" pitchFamily="49" charset="0"/>
+                <a:cs typeface="Courier New" panose="02070309020205020404" pitchFamily="49" charset="0"/>
+              </a:rPr>
+              <a:t>Y_pred</a:t>
+            </a:r>
+            <a:r>
+              <a:rPr lang="en-GB" dirty="0">
+                <a:latin typeface="Courier New" panose="02070309020205020404" pitchFamily="49" charset="0"/>
+                <a:cs typeface="Courier New" panose="02070309020205020404" pitchFamily="49" charset="0"/>
+              </a:rPr>
+              <a:t> = </a:t>
+            </a:r>
+            <a:r>
+              <a:rPr lang="en-GB" dirty="0" err="1">
+                <a:latin typeface="Courier New" panose="02070309020205020404" pitchFamily="49" charset="0"/>
+                <a:cs typeface="Courier New" panose="02070309020205020404" pitchFamily="49" charset="0"/>
+              </a:rPr>
+              <a:t>decision_tree.predict</a:t>
+            </a:r>
+            <a:r>
+              <a:rPr lang="en-GB" dirty="0">
+                <a:latin typeface="Courier New" panose="02070309020205020404" pitchFamily="49" charset="0"/>
+                <a:cs typeface="Courier New" panose="02070309020205020404" pitchFamily="49" charset="0"/>
+              </a:rPr>
+              <a:t>(</a:t>
+            </a:r>
+            <a:r>
+              <a:rPr lang="en-GB" dirty="0" err="1">
+                <a:latin typeface="Courier New" panose="02070309020205020404" pitchFamily="49" charset="0"/>
+                <a:cs typeface="Courier New" panose="02070309020205020404" pitchFamily="49" charset="0"/>
+              </a:rPr>
+              <a:t>X_test</a:t>
+            </a:r>
+            <a:r>
+              <a:rPr lang="en-GB" dirty="0">
+                <a:latin typeface="Courier New" panose="02070309020205020404" pitchFamily="49" charset="0"/>
+                <a:cs typeface="Courier New" panose="02070309020205020404" pitchFamily="49" charset="0"/>
+              </a:rPr>
+              <a:t>)</a:t>
+            </a:r>
+          </a:p>
+          <a:p>
+            <a:r>
+              <a:rPr lang="en-US" dirty="0"/>
+              <a:t>To estimate the accuracy of this model, we use these statements:</a:t>
+            </a:r>
+          </a:p>
+          <a:p>
+            <a:pPr marL="36900" indent="0">
+              <a:buNone/>
+            </a:pPr>
+            <a:r>
+              <a:rPr lang="en-US" dirty="0">
+                <a:latin typeface="Courier New" panose="02070309020205020404" pitchFamily="49" charset="0"/>
+                <a:cs typeface="Courier New" panose="02070309020205020404" pitchFamily="49" charset="0"/>
+              </a:rPr>
+              <a:t>	</a:t>
+            </a:r>
+            <a:r>
+              <a:rPr lang="en-US" dirty="0" err="1">
+                <a:latin typeface="Courier New" panose="02070309020205020404" pitchFamily="49" charset="0"/>
+                <a:cs typeface="Courier New" panose="02070309020205020404" pitchFamily="49" charset="0"/>
+              </a:rPr>
+              <a:t>acc_decision_tree</a:t>
+            </a:r>
+            <a:r>
+              <a:rPr lang="en-US" dirty="0">
+                <a:latin typeface="Courier New" panose="02070309020205020404" pitchFamily="49" charset="0"/>
+                <a:cs typeface="Courier New" panose="02070309020205020404" pitchFamily="49" charset="0"/>
+              </a:rPr>
+              <a:t> = round(</a:t>
+            </a:r>
+            <a:r>
+              <a:rPr lang="en-US" dirty="0" err="1">
+                <a:latin typeface="Courier New" panose="02070309020205020404" pitchFamily="49" charset="0"/>
+                <a:cs typeface="Courier New" panose="02070309020205020404" pitchFamily="49" charset="0"/>
+              </a:rPr>
+              <a:t>decision_tree.score</a:t>
+            </a:r>
+            <a:r>
+              <a:rPr lang="en-US" dirty="0">
+                <a:latin typeface="Courier New" panose="02070309020205020404" pitchFamily="49" charset="0"/>
+                <a:cs typeface="Courier New" panose="02070309020205020404" pitchFamily="49" charset="0"/>
+              </a:rPr>
+              <a:t>(</a:t>
+            </a:r>
+            <a:r>
+              <a:rPr lang="en-US" dirty="0" err="1">
+                <a:latin typeface="Courier New" panose="02070309020205020404" pitchFamily="49" charset="0"/>
+                <a:cs typeface="Courier New" panose="02070309020205020404" pitchFamily="49" charset="0"/>
+              </a:rPr>
+              <a:t>X_train</a:t>
+            </a:r>
+            <a:r>
+              <a:rPr lang="en-US" dirty="0">
+                <a:latin typeface="Courier New" panose="02070309020205020404" pitchFamily="49" charset="0"/>
+                <a:cs typeface="Courier New" panose="02070309020205020404" pitchFamily="49" charset="0"/>
+              </a:rPr>
+              <a:t>, </a:t>
+            </a:r>
+            <a:r>
+              <a:rPr lang="en-US" dirty="0" err="1">
+                <a:latin typeface="Courier New" panose="02070309020205020404" pitchFamily="49" charset="0"/>
+                <a:cs typeface="Courier New" panose="02070309020205020404" pitchFamily="49" charset="0"/>
+              </a:rPr>
+              <a:t>Y_train</a:t>
+            </a:r>
+            <a:r>
+              <a:rPr lang="en-US" dirty="0">
+                <a:latin typeface="Courier New" panose="02070309020205020404" pitchFamily="49" charset="0"/>
+                <a:cs typeface="Courier New" panose="02070309020205020404" pitchFamily="49" charset="0"/>
+              </a:rPr>
+              <a:t>) 		* 100, 2)</a:t>
+            </a:r>
+          </a:p>
+          <a:p>
+            <a:pPr marL="36900" indent="0">
+              <a:buNone/>
+            </a:pPr>
+            <a:r>
+              <a:rPr lang="en-US" dirty="0">
+                <a:latin typeface="Courier New" panose="02070309020205020404" pitchFamily="49" charset="0"/>
+                <a:cs typeface="Courier New" panose="02070309020205020404" pitchFamily="49" charset="0"/>
+              </a:rPr>
+              <a:t>	</a:t>
+            </a:r>
+            <a:r>
+              <a:rPr lang="en-US" dirty="0" err="1">
+                <a:latin typeface="Courier New" panose="02070309020205020404" pitchFamily="49" charset="0"/>
+                <a:cs typeface="Courier New" panose="02070309020205020404" pitchFamily="49" charset="0"/>
+              </a:rPr>
+              <a:t>acc_decision_tree</a:t>
+            </a:r>
+            <a:endParaRPr lang="en-US" dirty="0">
+              <a:latin typeface="Courier New" panose="02070309020205020404" pitchFamily="49" charset="0"/>
+              <a:cs typeface="Courier New" panose="02070309020205020404" pitchFamily="49" charset="0"/>
+            </a:endParaRPr>
+          </a:p>
+          <a:p>
+            <a:r>
+              <a:rPr lang="en-US" dirty="0"/>
+              <a:t>The accuracy of the model is 98.2%</a:t>
+            </a:r>
+          </a:p>
+        </p:txBody>
+      </p:sp>
+    </p:spTree>
+    <p:extLst>
+      <p:ext uri="{BB962C8B-B14F-4D97-AF65-F5344CB8AC3E}">
+        <p14:creationId xmlns:p14="http://schemas.microsoft.com/office/powerpoint/2010/main" val="3131340779"/>
+      </p:ext>
+    </p:extLst>
+  </p:cSld>
+  <p:clrMapOvr>
+    <a:masterClrMapping/>
+  </p:clrMapOvr>
+</p:sld>
+</file>
+
 <file path=ppt/slides/slide2.xml><?xml version="1.0" encoding="utf-8"?>
 <p:sld xmlns:a="http://schemas.openxmlformats.org/drawingml/2006/main" xmlns:r="http://schemas.openxmlformats.org/officeDocument/2006/relationships" xmlns:p="http://schemas.openxmlformats.org/presentationml/2006/main">
   <p:cSld>
@@ -13848,8 +15795,8 @@
         </p:nvSpPr>
         <p:spPr>
           <a:xfrm>
-            <a:off x="633743" y="609599"/>
-            <a:ext cx="3413156" cy="5273675"/>
+            <a:off x="913795" y="609600"/>
+            <a:ext cx="10353762" cy="970450"/>
           </a:xfrm>
         </p:spPr>
         <p:txBody>
@@ -13866,51 +15813,6 @@
           </a:p>
         </p:txBody>
       </p:sp>
-      <p:pic>
-        <p:nvPicPr>
-          <p:cNvPr id="19" name="Picture 18">
-            <a:extLst>
-              <a:ext uri="{FF2B5EF4-FFF2-40B4-BE49-F238E27FC236}">
-                <a16:creationId xmlns:a16="http://schemas.microsoft.com/office/drawing/2014/main" id="{B577D423-FE81-4236-89DE-39776B810941}"/>
-              </a:ext>
-              <a:ext uri="{C183D7F6-B498-43B3-948B-1728B52AA6E4}">
-                <adec:decorative xmlns:adec="http://schemas.microsoft.com/office/drawing/2017/decorative" val="1"/>
-              </a:ext>
-            </a:extLst>
-          </p:cNvPr>
-          <p:cNvPicPr>
-            <a:picLocks noGrp="1" noRot="1" noChangeAspect="1" noMove="1" noResize="1" noEditPoints="1" noAdjustHandles="1" noChangeArrowheads="1" noChangeShapeType="1" noCrop="1"/>
-          </p:cNvPicPr>
-          <p:nvPr>
-            <p:extLst>
-              <p:ext uri="{386F3935-93C4-4BCD-93E2-E3B085C9AB24}">
-                <p16:designElem xmlns:p16="http://schemas.microsoft.com/office/powerpoint/2015/main" val="1"/>
-              </p:ext>
-            </p:extLst>
-          </p:nvPr>
-        </p:nvPicPr>
-        <p:blipFill>
-          <a:blip r:embed="rId4">
-            <a:extLst>
-              <a:ext uri="{28A0092B-C50C-407E-A947-70E740481C1C}">
-                <a14:useLocalDpi xmlns:a14="http://schemas.microsoft.com/office/drawing/2010/main" val="0"/>
-              </a:ext>
-            </a:extLst>
-          </a:blip>
-          <a:stretch>
-            <a:fillRect/>
-          </a:stretch>
-        </p:blipFill>
-        <p:spPr>
-          <a:xfrm>
-            <a:off x="4680641" y="609599"/>
-            <a:ext cx="6889687" cy="5273675"/>
-          </a:xfrm>
-          <a:prstGeom prst="rect">
-            <a:avLst/>
-          </a:prstGeom>
-        </p:spPr>
-      </p:pic>
       <p:graphicFrame>
         <p:nvGraphicFramePr>
           <p:cNvPr id="5" name="Content Placeholder 2">
@@ -13927,18 +15829,18 @@
             <p:ph idx="1"/>
             <p:extLst>
               <p:ext uri="{D42A27DB-BD31-4B8C-83A1-F6EECF244321}">
-                <p14:modId xmlns:p14="http://schemas.microsoft.com/office/powerpoint/2010/main" val="2665360563"/>
+                <p14:modId xmlns:p14="http://schemas.microsoft.com/office/powerpoint/2010/main" val="2675136705"/>
               </p:ext>
             </p:extLst>
           </p:nvPr>
         </p:nvGraphicFramePr>
         <p:xfrm>
-          <a:off x="4958257" y="887213"/>
-          <a:ext cx="6309300" cy="4718448"/>
+          <a:off x="914400" y="1731963"/>
+          <a:ext cx="10353675" cy="4709934"/>
         </p:xfrm>
         <a:graphic>
           <a:graphicData uri="http://schemas.openxmlformats.org/drawingml/2006/diagram">
-            <dgm:relIds xmlns:dgm="http://schemas.openxmlformats.org/drawingml/2006/diagram" xmlns:r="http://schemas.openxmlformats.org/officeDocument/2006/relationships" r:dm="rId5" r:lo="rId6" r:qs="rId7" r:cs="rId8"/>
+            <dgm:relIds xmlns:dgm="http://schemas.openxmlformats.org/drawingml/2006/diagram" xmlns:r="http://schemas.openxmlformats.org/officeDocument/2006/relationships" r:dm="rId4" r:lo="rId5" r:qs="rId6" r:cs="rId7"/>
           </a:graphicData>
         </a:graphic>
       </p:graphicFrame>
@@ -13946,6 +15848,282 @@
     <p:extLst>
       <p:ext uri="{BB962C8B-B14F-4D97-AF65-F5344CB8AC3E}">
         <p14:creationId xmlns:p14="http://schemas.microsoft.com/office/powerpoint/2010/main" val="505671546"/>
+      </p:ext>
+    </p:extLst>
+  </p:cSld>
+  <p:clrMapOvr>
+    <a:masterClrMapping/>
+  </p:clrMapOvr>
+</p:sld>
+</file>
+
+<file path=ppt/slides/slide20.xml><?xml version="1.0" encoding="utf-8"?>
+<p:sld xmlns:a="http://schemas.openxmlformats.org/drawingml/2006/main" xmlns:r="http://schemas.openxmlformats.org/officeDocument/2006/relationships" xmlns:p="http://schemas.openxmlformats.org/presentationml/2006/main">
+  <p:cSld>
+    <p:spTree>
+      <p:nvGrpSpPr>
+        <p:cNvPr id="1" name=""/>
+        <p:cNvGrpSpPr/>
+        <p:nvPr/>
+      </p:nvGrpSpPr>
+      <p:grpSpPr>
+        <a:xfrm>
+          <a:off x="0" y="0"/>
+          <a:ext cx="0" cy="0"/>
+          <a:chOff x="0" y="0"/>
+          <a:chExt cx="0" cy="0"/>
+        </a:xfrm>
+      </p:grpSpPr>
+      <p:sp>
+        <p:nvSpPr>
+          <p:cNvPr id="2" name="Title 1">
+            <a:extLst>
+              <a:ext uri="{FF2B5EF4-FFF2-40B4-BE49-F238E27FC236}">
+                <a16:creationId xmlns:a16="http://schemas.microsoft.com/office/drawing/2014/main" id="{79D14D4E-F665-4B16-BE73-0749AE598F3A}"/>
+              </a:ext>
+            </a:extLst>
+          </p:cNvPr>
+          <p:cNvSpPr>
+            <a:spLocks noGrp="1"/>
+          </p:cNvSpPr>
+          <p:nvPr>
+            <p:ph type="title"/>
+          </p:nvPr>
+        </p:nvSpPr>
+        <p:spPr/>
+        <p:txBody>
+          <a:bodyPr/>
+          <a:lstStyle/>
+          <a:p>
+            <a:r>
+              <a:rPr lang="en-US" dirty="0"/>
+              <a:t>Logistic Regression.</a:t>
+            </a:r>
+            <a:endParaRPr lang="en-GB" dirty="0"/>
+          </a:p>
+        </p:txBody>
+      </p:sp>
+      <p:sp>
+        <p:nvSpPr>
+          <p:cNvPr id="3" name="Content Placeholder 2">
+            <a:extLst>
+              <a:ext uri="{FF2B5EF4-FFF2-40B4-BE49-F238E27FC236}">
+                <a16:creationId xmlns:a16="http://schemas.microsoft.com/office/drawing/2014/main" id="{DEF2D25F-1766-43D4-B44F-2575F9001B6A}"/>
+              </a:ext>
+            </a:extLst>
+          </p:cNvPr>
+          <p:cNvSpPr>
+            <a:spLocks noGrp="1"/>
+          </p:cNvSpPr>
+          <p:nvPr>
+            <p:ph idx="1"/>
+          </p:nvPr>
+        </p:nvSpPr>
+        <p:spPr/>
+        <p:txBody>
+          <a:bodyPr/>
+          <a:lstStyle/>
+          <a:p>
+            <a:r>
+              <a:rPr lang="en-US" dirty="0"/>
+              <a:t>For the logistic regression, we use this code to train the model:</a:t>
+            </a:r>
+          </a:p>
+          <a:p>
+            <a:pPr marL="36900" indent="0">
+              <a:buNone/>
+            </a:pPr>
+            <a:r>
+              <a:rPr lang="en-GB" dirty="0">
+                <a:latin typeface="Courier New" panose="02070309020205020404" pitchFamily="49" charset="0"/>
+                <a:cs typeface="Courier New" panose="02070309020205020404" pitchFamily="49" charset="0"/>
+              </a:rPr>
+              <a:t>	</a:t>
+            </a:r>
+            <a:r>
+              <a:rPr lang="en-GB" dirty="0" err="1">
+                <a:latin typeface="Courier New" panose="02070309020205020404" pitchFamily="49" charset="0"/>
+                <a:cs typeface="Courier New" panose="02070309020205020404" pitchFamily="49" charset="0"/>
+              </a:rPr>
+              <a:t>logreg</a:t>
+            </a:r>
+            <a:r>
+              <a:rPr lang="en-GB" dirty="0">
+                <a:latin typeface="Courier New" panose="02070309020205020404" pitchFamily="49" charset="0"/>
+                <a:cs typeface="Courier New" panose="02070309020205020404" pitchFamily="49" charset="0"/>
+              </a:rPr>
+              <a:t> = </a:t>
+            </a:r>
+            <a:r>
+              <a:rPr lang="en-GB" dirty="0" err="1">
+                <a:latin typeface="Courier New" panose="02070309020205020404" pitchFamily="49" charset="0"/>
+                <a:cs typeface="Courier New" panose="02070309020205020404" pitchFamily="49" charset="0"/>
+              </a:rPr>
+              <a:t>LogisticRegression</a:t>
+            </a:r>
+            <a:r>
+              <a:rPr lang="en-GB" dirty="0">
+                <a:latin typeface="Courier New" panose="02070309020205020404" pitchFamily="49" charset="0"/>
+                <a:cs typeface="Courier New" panose="02070309020205020404" pitchFamily="49" charset="0"/>
+              </a:rPr>
+              <a:t>()</a:t>
+            </a:r>
+          </a:p>
+          <a:p>
+            <a:pPr marL="36900" indent="0">
+              <a:buNone/>
+            </a:pPr>
+            <a:r>
+              <a:rPr lang="en-GB" dirty="0">
+                <a:latin typeface="Courier New" panose="02070309020205020404" pitchFamily="49" charset="0"/>
+                <a:cs typeface="Courier New" panose="02070309020205020404" pitchFamily="49" charset="0"/>
+              </a:rPr>
+              <a:t>	</a:t>
+            </a:r>
+            <a:r>
+              <a:rPr lang="en-GB" dirty="0" err="1">
+                <a:latin typeface="Courier New" panose="02070309020205020404" pitchFamily="49" charset="0"/>
+                <a:cs typeface="Courier New" panose="02070309020205020404" pitchFamily="49" charset="0"/>
+              </a:rPr>
+              <a:t>logreg.fit</a:t>
+            </a:r>
+            <a:r>
+              <a:rPr lang="en-GB" dirty="0">
+                <a:latin typeface="Courier New" panose="02070309020205020404" pitchFamily="49" charset="0"/>
+                <a:cs typeface="Courier New" panose="02070309020205020404" pitchFamily="49" charset="0"/>
+              </a:rPr>
+              <a:t>(</a:t>
+            </a:r>
+            <a:r>
+              <a:rPr lang="en-GB" dirty="0" err="1">
+                <a:latin typeface="Courier New" panose="02070309020205020404" pitchFamily="49" charset="0"/>
+                <a:cs typeface="Courier New" panose="02070309020205020404" pitchFamily="49" charset="0"/>
+              </a:rPr>
+              <a:t>X_train</a:t>
+            </a:r>
+            <a:r>
+              <a:rPr lang="en-GB" dirty="0">
+                <a:latin typeface="Courier New" panose="02070309020205020404" pitchFamily="49" charset="0"/>
+                <a:cs typeface="Courier New" panose="02070309020205020404" pitchFamily="49" charset="0"/>
+              </a:rPr>
+              <a:t>, </a:t>
+            </a:r>
+            <a:r>
+              <a:rPr lang="en-GB" dirty="0" err="1">
+                <a:latin typeface="Courier New" panose="02070309020205020404" pitchFamily="49" charset="0"/>
+                <a:cs typeface="Courier New" panose="02070309020205020404" pitchFamily="49" charset="0"/>
+              </a:rPr>
+              <a:t>Y_train</a:t>
+            </a:r>
+            <a:r>
+              <a:rPr lang="en-GB" dirty="0">
+                <a:latin typeface="Courier New" panose="02070309020205020404" pitchFamily="49" charset="0"/>
+                <a:cs typeface="Courier New" panose="02070309020205020404" pitchFamily="49" charset="0"/>
+              </a:rPr>
+              <a:t>)</a:t>
+            </a:r>
+          </a:p>
+          <a:p>
+            <a:pPr marL="36900" indent="0">
+              <a:buNone/>
+            </a:pPr>
+            <a:r>
+              <a:rPr lang="en-GB" dirty="0">
+                <a:latin typeface="Courier New" panose="02070309020205020404" pitchFamily="49" charset="0"/>
+                <a:cs typeface="Courier New" panose="02070309020205020404" pitchFamily="49" charset="0"/>
+              </a:rPr>
+              <a:t>	</a:t>
+            </a:r>
+            <a:r>
+              <a:rPr lang="en-GB" dirty="0" err="1">
+                <a:latin typeface="Courier New" panose="02070309020205020404" pitchFamily="49" charset="0"/>
+                <a:cs typeface="Courier New" panose="02070309020205020404" pitchFamily="49" charset="0"/>
+              </a:rPr>
+              <a:t>Y_pred</a:t>
+            </a:r>
+            <a:r>
+              <a:rPr lang="en-GB" dirty="0">
+                <a:latin typeface="Courier New" panose="02070309020205020404" pitchFamily="49" charset="0"/>
+                <a:cs typeface="Courier New" panose="02070309020205020404" pitchFamily="49" charset="0"/>
+              </a:rPr>
+              <a:t> = </a:t>
+            </a:r>
+            <a:r>
+              <a:rPr lang="en-GB" dirty="0" err="1">
+                <a:latin typeface="Courier New" panose="02070309020205020404" pitchFamily="49" charset="0"/>
+                <a:cs typeface="Courier New" panose="02070309020205020404" pitchFamily="49" charset="0"/>
+              </a:rPr>
+              <a:t>logreg.predict</a:t>
+            </a:r>
+            <a:r>
+              <a:rPr lang="en-GB" dirty="0">
+                <a:latin typeface="Courier New" panose="02070309020205020404" pitchFamily="49" charset="0"/>
+                <a:cs typeface="Courier New" panose="02070309020205020404" pitchFamily="49" charset="0"/>
+              </a:rPr>
+              <a:t>(</a:t>
+            </a:r>
+            <a:r>
+              <a:rPr lang="en-GB" dirty="0" err="1">
+                <a:latin typeface="Courier New" panose="02070309020205020404" pitchFamily="49" charset="0"/>
+                <a:cs typeface="Courier New" panose="02070309020205020404" pitchFamily="49" charset="0"/>
+              </a:rPr>
+              <a:t>X_test</a:t>
+            </a:r>
+            <a:r>
+              <a:rPr lang="en-GB" dirty="0">
+                <a:latin typeface="Courier New" panose="02070309020205020404" pitchFamily="49" charset="0"/>
+                <a:cs typeface="Courier New" panose="02070309020205020404" pitchFamily="49" charset="0"/>
+              </a:rPr>
+              <a:t>)</a:t>
+            </a:r>
+          </a:p>
+          <a:p>
+            <a:r>
+              <a:rPr lang="en-US" dirty="0"/>
+              <a:t>To estimate the accuracy of this model, we use these statements:</a:t>
+            </a:r>
+          </a:p>
+          <a:p>
+            <a:pPr marL="36900" indent="0">
+              <a:buNone/>
+            </a:pPr>
+            <a:r>
+              <a:rPr lang="fr-FR" dirty="0">
+                <a:latin typeface="Courier New" panose="02070309020205020404" pitchFamily="49" charset="0"/>
+                <a:cs typeface="Courier New" panose="02070309020205020404" pitchFamily="49" charset="0"/>
+              </a:rPr>
+              <a:t>	acc_log = round(logreg.score(X_train, Y_train) * 100, 2)</a:t>
+            </a:r>
+          </a:p>
+          <a:p>
+            <a:pPr marL="36900" indent="0">
+              <a:buNone/>
+            </a:pPr>
+            <a:r>
+              <a:rPr lang="fr-FR" dirty="0">
+                <a:latin typeface="Courier New" panose="02070309020205020404" pitchFamily="49" charset="0"/>
+                <a:cs typeface="Courier New" panose="02070309020205020404" pitchFamily="49" charset="0"/>
+              </a:rPr>
+              <a:t>	acc_log</a:t>
+            </a:r>
+            <a:endParaRPr lang="en-US" dirty="0">
+              <a:latin typeface="Courier New" panose="02070309020205020404" pitchFamily="49" charset="0"/>
+              <a:cs typeface="Courier New" panose="02070309020205020404" pitchFamily="49" charset="0"/>
+            </a:endParaRPr>
+          </a:p>
+          <a:p>
+            <a:r>
+              <a:rPr lang="en-US" dirty="0"/>
+              <a:t>The accuracy of the model is 80.2%</a:t>
+            </a:r>
+            <a:endParaRPr lang="en-GB" dirty="0"/>
+          </a:p>
+        </p:txBody>
+      </p:sp>
+    </p:spTree>
+    <p:extLst>
+      <p:ext uri="{BB962C8B-B14F-4D97-AF65-F5344CB8AC3E}">
+        <p14:creationId xmlns:p14="http://schemas.microsoft.com/office/powerpoint/2010/main" val="3274722811"/>
       </p:ext>
     </p:extLst>
   </p:cSld>
